--- a/doc/XXL-CONF架构图.pptx
+++ b/doc/XXL-CONF架构图.pptx
@@ -5,11 +5,13 @@
     <p:sldMasterId id="2147483648" r:id="rId1"/>
   </p:sldMasterIdLst>
   <p:notesMasterIdLst>
-    <p:notesMasterId r:id="rId4"/>
+    <p:notesMasterId r:id="rId6"/>
   </p:notesMasterIdLst>
   <p:sldIdLst>
     <p:sldId id="256" r:id="rId2"/>
     <p:sldId id="257" r:id="rId3"/>
+    <p:sldId id="258" r:id="rId4"/>
+    <p:sldId id="259" r:id="rId5"/>
   </p:sldIdLst>
   <p:sldSz cx="12192000" cy="6858000"/>
   <p:notesSz cx="6858000" cy="9144000"/>
@@ -198,7 +200,7 @@
           <a:p>
             <a:fld id="{D2A48B96-639E-45A3-A0BA-2464DFDB1FAA}" type="datetimeFigureOut">
               <a:rPr lang="zh-CN" altLang="en-US" smtClean="0"/>
-              <a:t>18/3/2</a:t>
+              <a:t>18/6/13</a:t>
             </a:fld>
             <a:endParaRPr lang="zh-CN" altLang="en-US"/>
           </a:p>
@@ -466,6 +468,90 @@
 </p:notesMaster>
 </file>
 
+<file path=ppt/notesSlides/notesSlide1.xml><?xml version="1.0" encoding="utf-8"?>
+<p:notes xmlns:a="http://schemas.openxmlformats.org/drawingml/2006/main" xmlns:r="http://schemas.openxmlformats.org/officeDocument/2006/relationships" xmlns:p="http://schemas.openxmlformats.org/presentationml/2006/main">
+  <p:cSld>
+    <p:spTree>
+      <p:nvGrpSpPr>
+        <p:cNvPr id="1" name=""/>
+        <p:cNvGrpSpPr/>
+        <p:nvPr/>
+      </p:nvGrpSpPr>
+      <p:grpSpPr>
+        <a:xfrm>
+          <a:off x="0" y="0"/>
+          <a:ext cx="0" cy="0"/>
+          <a:chOff x="0" y="0"/>
+          <a:chExt cx="0" cy="0"/>
+        </a:xfrm>
+      </p:grpSpPr>
+      <p:sp>
+        <p:nvSpPr>
+          <p:cNvPr id="2" name="幻灯片图像占位符 1"/>
+          <p:cNvSpPr>
+            <a:spLocks noGrp="1" noRot="1" noChangeAspect="1"/>
+          </p:cNvSpPr>
+          <p:nvPr>
+            <p:ph type="sldImg"/>
+          </p:nvPr>
+        </p:nvSpPr>
+        <p:spPr/>
+      </p:sp>
+      <p:sp>
+        <p:nvSpPr>
+          <p:cNvPr id="3" name="备注占位符 2"/>
+          <p:cNvSpPr>
+            <a:spLocks noGrp="1"/>
+          </p:cNvSpPr>
+          <p:nvPr>
+            <p:ph type="body" idx="1"/>
+          </p:nvPr>
+        </p:nvSpPr>
+        <p:spPr/>
+        <p:txBody>
+          <a:bodyPr/>
+          <a:lstStyle/>
+          <a:p>
+            <a:endParaRPr kumimoji="1" lang="zh-CN" altLang="en-US" dirty="0"/>
+          </a:p>
+        </p:txBody>
+      </p:sp>
+      <p:sp>
+        <p:nvSpPr>
+          <p:cNvPr id="4" name="幻灯片编号占位符 3"/>
+          <p:cNvSpPr>
+            <a:spLocks noGrp="1"/>
+          </p:cNvSpPr>
+          <p:nvPr>
+            <p:ph type="sldNum" sz="quarter" idx="10"/>
+          </p:nvPr>
+        </p:nvSpPr>
+        <p:spPr/>
+        <p:txBody>
+          <a:bodyPr/>
+          <a:lstStyle/>
+          <a:p>
+            <a:fld id="{A6837353-30EB-4A48-80EB-173D804AEFBD}" type="slidenum">
+              <a:rPr lang="zh-CN" altLang="en-US" smtClean="0"/>
+              <a:t>3</a:t>
+            </a:fld>
+            <a:endParaRPr lang="zh-CN" altLang="en-US"/>
+          </a:p>
+        </p:txBody>
+      </p:sp>
+    </p:spTree>
+    <p:extLst>
+      <p:ext uri="{BB962C8B-B14F-4D97-AF65-F5344CB8AC3E}">
+        <p14:creationId xmlns:p14="http://schemas.microsoft.com/office/powerpoint/2010/main" val="989369856"/>
+      </p:ext>
+    </p:extLst>
+  </p:cSld>
+  <p:clrMapOvr>
+    <a:masterClrMapping/>
+  </p:clrMapOvr>
+</p:notes>
+</file>
+
 <file path=ppt/slideLayouts/slideLayout1.xml><?xml version="1.0" encoding="utf-8"?>
 <p:sldLayout xmlns:a="http://schemas.openxmlformats.org/drawingml/2006/main" xmlns:r="http://schemas.openxmlformats.org/officeDocument/2006/relationships" xmlns:p="http://schemas.openxmlformats.org/presentationml/2006/main" type="title" preserve="1">
   <p:cSld name="标题幻灯片">
@@ -597,7 +683,7 @@
           <a:p>
             <a:fld id="{D997B5FA-0921-464F-AAE1-844C04324D75}" type="datetimeFigureOut">
               <a:rPr lang="zh-CN" altLang="en-US" smtClean="0"/>
-              <a:t>18/3/2</a:t>
+              <a:t>18/6/13</a:t>
             </a:fld>
             <a:endParaRPr lang="zh-CN" altLang="en-US"/>
           </a:p>
@@ -762,7 +848,7 @@
           <a:p>
             <a:fld id="{D997B5FA-0921-464F-AAE1-844C04324D75}" type="datetimeFigureOut">
               <a:rPr lang="zh-CN" altLang="en-US" smtClean="0"/>
-              <a:t>18/3/2</a:t>
+              <a:t>18/6/13</a:t>
             </a:fld>
             <a:endParaRPr lang="zh-CN" altLang="en-US"/>
           </a:p>
@@ -937,7 +1023,7 @@
           <a:p>
             <a:fld id="{D997B5FA-0921-464F-AAE1-844C04324D75}" type="datetimeFigureOut">
               <a:rPr lang="zh-CN" altLang="en-US" smtClean="0"/>
-              <a:t>18/3/2</a:t>
+              <a:t>18/6/13</a:t>
             </a:fld>
             <a:endParaRPr lang="zh-CN" altLang="en-US"/>
           </a:p>
@@ -1102,7 +1188,7 @@
           <a:p>
             <a:fld id="{D997B5FA-0921-464F-AAE1-844C04324D75}" type="datetimeFigureOut">
               <a:rPr lang="zh-CN" altLang="en-US" smtClean="0"/>
-              <a:t>18/3/2</a:t>
+              <a:t>18/6/13</a:t>
             </a:fld>
             <a:endParaRPr lang="zh-CN" altLang="en-US"/>
           </a:p>
@@ -1343,7 +1429,7 @@
           <a:p>
             <a:fld id="{D997B5FA-0921-464F-AAE1-844C04324D75}" type="datetimeFigureOut">
               <a:rPr lang="zh-CN" altLang="en-US" smtClean="0"/>
-              <a:t>18/3/2</a:t>
+              <a:t>18/6/13</a:t>
             </a:fld>
             <a:endParaRPr lang="zh-CN" altLang="en-US"/>
           </a:p>
@@ -1570,7 +1656,7 @@
           <a:p>
             <a:fld id="{D997B5FA-0921-464F-AAE1-844C04324D75}" type="datetimeFigureOut">
               <a:rPr lang="zh-CN" altLang="en-US" smtClean="0"/>
-              <a:t>18/3/2</a:t>
+              <a:t>18/6/13</a:t>
             </a:fld>
             <a:endParaRPr lang="zh-CN" altLang="en-US"/>
           </a:p>
@@ -1932,7 +2018,7 @@
           <a:p>
             <a:fld id="{D997B5FA-0921-464F-AAE1-844C04324D75}" type="datetimeFigureOut">
               <a:rPr lang="zh-CN" altLang="en-US" smtClean="0"/>
-              <a:t>18/3/2</a:t>
+              <a:t>18/6/13</a:t>
             </a:fld>
             <a:endParaRPr lang="zh-CN" altLang="en-US"/>
           </a:p>
@@ -2045,7 +2131,7 @@
           <a:p>
             <a:fld id="{D997B5FA-0921-464F-AAE1-844C04324D75}" type="datetimeFigureOut">
               <a:rPr lang="zh-CN" altLang="en-US" smtClean="0"/>
-              <a:t>18/3/2</a:t>
+              <a:t>18/6/13</a:t>
             </a:fld>
             <a:endParaRPr lang="zh-CN" altLang="en-US"/>
           </a:p>
@@ -2135,7 +2221,7 @@
           <a:p>
             <a:fld id="{D997B5FA-0921-464F-AAE1-844C04324D75}" type="datetimeFigureOut">
               <a:rPr lang="zh-CN" altLang="en-US" smtClean="0"/>
-              <a:t>18/3/2</a:t>
+              <a:t>18/6/13</a:t>
             </a:fld>
             <a:endParaRPr lang="zh-CN" altLang="en-US"/>
           </a:p>
@@ -2407,7 +2493,7 @@
           <a:p>
             <a:fld id="{D997B5FA-0921-464F-AAE1-844C04324D75}" type="datetimeFigureOut">
               <a:rPr lang="zh-CN" altLang="en-US" smtClean="0"/>
-              <a:t>18/3/2</a:t>
+              <a:t>18/6/13</a:t>
             </a:fld>
             <a:endParaRPr lang="zh-CN" altLang="en-US"/>
           </a:p>
@@ -2655,7 +2741,7 @@
           <a:p>
             <a:fld id="{D997B5FA-0921-464F-AAE1-844C04324D75}" type="datetimeFigureOut">
               <a:rPr lang="zh-CN" altLang="en-US" smtClean="0"/>
-              <a:t>18/3/2</a:t>
+              <a:t>18/6/13</a:t>
             </a:fld>
             <a:endParaRPr lang="zh-CN" altLang="en-US"/>
           </a:p>
@@ -2863,7 +2949,7 @@
           <a:p>
             <a:fld id="{D997B5FA-0921-464F-AAE1-844C04324D75}" type="datetimeFigureOut">
               <a:rPr lang="zh-CN" altLang="en-US" smtClean="0"/>
-              <a:t>18/3/2</a:t>
+              <a:t>18/6/13</a:t>
             </a:fld>
             <a:endParaRPr lang="zh-CN" altLang="en-US"/>
           </a:p>
@@ -3402,7 +3488,7 @@
               <a:defRPr/>
             </a:pPr>
             <a:r>
-              <a:rPr kumimoji="0" lang="en-US" altLang="zh-CN" sz="1100" b="0" i="0" u="none" strike="noStrike" kern="0" cap="none" spc="0" normalizeH="0" baseline="0" noProof="0">
+              <a:rPr kumimoji="0" lang="en-US" altLang="zh-CN" sz="1100" b="0" i="0" u="none" strike="noStrike" kern="0" cap="none" spc="0" normalizeH="0" baseline="0" noProof="0" dirty="0">
                 <a:ln>
                   <a:noFill/>
                 </a:ln>
@@ -3689,7 +3775,7 @@
               <a:defRPr/>
             </a:pPr>
             <a:r>
-              <a:rPr kumimoji="0" lang="zh-CN" altLang="en-US" sz="1600" b="1" i="0" u="none" strike="noStrike" kern="0" cap="none" spc="0" normalizeH="0" baseline="0" noProof="0">
+              <a:rPr kumimoji="0" lang="zh-CN" altLang="en-US" sz="1600" b="1" i="0" u="none" strike="noStrike" kern="0" cap="none" spc="0" normalizeH="0" baseline="0" noProof="0" dirty="0">
                 <a:ln>
                   <a:noFill/>
                 </a:ln>
@@ -3725,7 +3811,7 @@
               <a:defRPr/>
             </a:pPr>
             <a:r>
-              <a:rPr kumimoji="0" lang="zh-CN" altLang="en-US" sz="1600" b="1" i="0" u="none" strike="noStrike" kern="0" cap="none" spc="0" normalizeH="0" baseline="0" noProof="0">
+              <a:rPr kumimoji="0" lang="zh-CN" altLang="en-US" sz="1600" b="1" i="0" u="none" strike="noStrike" kern="0" cap="none" spc="0" normalizeH="0" baseline="0" noProof="0" dirty="0">
                 <a:ln>
                   <a:noFill/>
                 </a:ln>
@@ -3742,7 +3828,7 @@
               <a:t>（</a:t>
             </a:r>
             <a:r>
-              <a:rPr kumimoji="0" lang="en-US" altLang="zh-CN" sz="1600" b="1" i="0" u="none" strike="noStrike" kern="0" cap="none" spc="0" normalizeH="0" baseline="0" noProof="0">
+              <a:rPr kumimoji="0" lang="en-US" altLang="zh-CN" sz="1600" b="1" i="0" u="none" strike="noStrike" kern="0" cap="none" spc="0" normalizeH="0" baseline="0" noProof="0" dirty="0">
                 <a:ln>
                   <a:noFill/>
                 </a:ln>
@@ -3759,7 +3845,7 @@
               <a:t>Admin</a:t>
             </a:r>
             <a:r>
-              <a:rPr kumimoji="0" lang="zh-CN" altLang="en-US" sz="1600" b="1" i="0" u="none" strike="noStrike" kern="0" cap="none" spc="0" normalizeH="0" baseline="0" noProof="0">
+              <a:rPr kumimoji="0" lang="zh-CN" altLang="en-US" sz="1600" b="1" i="0" u="none" strike="noStrike" kern="0" cap="none" spc="0" normalizeH="0" baseline="0" noProof="0" dirty="0">
                 <a:ln>
                   <a:noFill/>
                 </a:ln>
@@ -4126,7 +4212,7 @@
               <a:defRPr/>
             </a:pPr>
             <a:r>
-              <a:rPr kumimoji="0" lang="en-US" altLang="zh-CN" sz="1800" b="1" i="0" u="none" strike="noStrike" kern="0" cap="none" spc="0" normalizeH="0" baseline="0" noProof="0">
+              <a:rPr kumimoji="0" lang="en-US" altLang="zh-CN" sz="1800" b="1" i="0" u="none" strike="noStrike" kern="0" cap="none" spc="0" normalizeH="0" baseline="0" noProof="0" dirty="0">
                 <a:ln>
                   <a:noFill/>
                 </a:ln>
@@ -4323,7 +4409,7 @@
               <a:defRPr/>
             </a:pPr>
             <a:r>
-              <a:rPr kumimoji="0" lang="en-US" altLang="zh-CN" sz="1800" b="1" i="0" u="none" strike="noStrike" kern="0" cap="none" spc="0" normalizeH="0" baseline="0" noProof="0">
+              <a:rPr kumimoji="0" lang="en-US" altLang="zh-CN" sz="1800" b="1" i="0" u="none" strike="noStrike" kern="0" cap="none" spc="0" normalizeH="0" baseline="0" noProof="0" dirty="0">
                 <a:ln>
                   <a:noFill/>
                 </a:ln>
@@ -4717,7 +4803,7 @@
               <a:defRPr/>
             </a:pPr>
             <a:r>
-              <a:rPr kumimoji="0" lang="zh-CN" altLang="en-US" sz="1600" b="1" i="0" u="none" strike="noStrike" kern="0" cap="none" spc="0" normalizeH="0" baseline="0" noProof="0">
+              <a:rPr kumimoji="0" lang="zh-CN" altLang="en-US" sz="1600" b="1" i="0" u="none" strike="noStrike" kern="0" cap="none" spc="0" normalizeH="0" baseline="0" noProof="0" dirty="0">
                 <a:ln>
                   <a:noFill/>
                 </a:ln>
@@ -4753,7 +4839,7 @@
               <a:defRPr/>
             </a:pPr>
             <a:r>
-              <a:rPr kumimoji="0" lang="en-US" altLang="zh-CN" sz="1600" b="1" i="0" u="none" strike="noStrike" kern="0" cap="none" spc="0" normalizeH="0" baseline="0" noProof="0">
+              <a:rPr kumimoji="0" lang="en-US" altLang="zh-CN" sz="1600" b="1" i="0" u="none" strike="noStrike" kern="0" cap="none" spc="0" normalizeH="0" baseline="0" noProof="0" dirty="0">
                 <a:ln>
                   <a:noFill/>
                 </a:ln>
@@ -4770,7 +4856,7 @@
               <a:t>DB</a:t>
             </a:r>
             <a:r>
-              <a:rPr kumimoji="0" lang="zh-CN" altLang="en-US" sz="1600" b="1" i="0" u="none" strike="noStrike" kern="0" cap="none" spc="0" normalizeH="0" baseline="0" noProof="0">
+              <a:rPr kumimoji="0" lang="zh-CN" altLang="en-US" sz="1600" b="1" i="0" u="none" strike="noStrike" kern="0" cap="none" spc="0" normalizeH="0" baseline="0" noProof="0" dirty="0">
                 <a:ln>
                   <a:noFill/>
                 </a:ln>
@@ -5191,7 +5277,7 @@
               <a:t>（防止</a:t>
             </a:r>
             <a:r>
-              <a:rPr kumimoji="0" lang="en-US" altLang="zh-CN" sz="1200" b="0" i="0" u="none" strike="noStrike" kern="0" cap="none" spc="0" normalizeH="0" baseline="0" noProof="0">
+              <a:rPr kumimoji="0" lang="en-US" altLang="zh-CN" sz="1200" b="0" i="0" u="none" strike="noStrike" kern="0" cap="none" spc="0" normalizeH="0" baseline="0" noProof="0" dirty="0">
                 <a:ln>
                   <a:noFill/>
                 </a:ln>
@@ -6673,7 +6759,7 @@
               <a:defRPr/>
             </a:pPr>
             <a:r>
-              <a:rPr kumimoji="0" lang="en-US" altLang="zh-CN" sz="1800" b="1" i="0" u="none" strike="noStrike" kern="0" cap="none" spc="0" normalizeH="0" baseline="0" noProof="0">
+              <a:rPr kumimoji="0" lang="en-US" altLang="zh-CN" sz="1800" b="1" i="0" u="none" strike="noStrike" kern="0" cap="none" spc="0" normalizeH="0" baseline="0" noProof="0" dirty="0">
                 <a:ln>
                   <a:noFill/>
                 </a:ln>
@@ -6690,7 +6776,7 @@
               <a:t>Client-</a:t>
             </a:r>
             <a:r>
-              <a:rPr kumimoji="0" lang="en-US" altLang="zh-CN" sz="2000" b="1" i="0" u="none" strike="noStrike" kern="0" cap="none" spc="0" normalizeH="0" baseline="0" noProof="0">
+              <a:rPr kumimoji="0" lang="en-US" altLang="zh-CN" sz="2000" b="1" i="0" u="none" strike="noStrike" kern="0" cap="none" spc="0" normalizeH="0" baseline="0" noProof="0" dirty="0">
                 <a:ln>
                   <a:noFill/>
                 </a:ln>
@@ -6919,7 +7005,7 @@
               <a:tabLst/>
               <a:defRPr/>
             </a:pPr>
-            <a:endParaRPr kumimoji="0" lang="zh-CN" altLang="en-US" sz="2000" b="1" i="0" u="none" strike="noStrike" kern="0" cap="none" spc="0" normalizeH="0" baseline="0" noProof="0">
+            <a:endParaRPr kumimoji="0" lang="zh-CN" altLang="en-US" sz="2000" b="1" i="0" u="none" strike="noStrike" kern="0" cap="none" spc="0" normalizeH="0" baseline="0" noProof="0" dirty="0">
               <a:ln>
                 <a:noFill/>
               </a:ln>
@@ -6952,7 +7038,7 @@
               <a:tabLst/>
               <a:defRPr/>
             </a:pPr>
-            <a:endParaRPr kumimoji="0" lang="zh-CN" altLang="en-US" sz="2000" b="1" i="0" u="none" strike="noStrike" kern="0" cap="none" spc="0" normalizeH="0" baseline="0" noProof="0">
+            <a:endParaRPr kumimoji="0" lang="zh-CN" altLang="en-US" sz="2000" b="1" i="0" u="none" strike="noStrike" kern="0" cap="none" spc="0" normalizeH="0" baseline="0" noProof="0" dirty="0">
               <a:ln>
                 <a:noFill/>
               </a:ln>
@@ -6985,7 +7071,7 @@
               <a:tabLst/>
               <a:defRPr/>
             </a:pPr>
-            <a:endParaRPr kumimoji="0" lang="zh-CN" altLang="en-US" sz="2000" b="1" i="0" u="none" strike="noStrike" kern="0" cap="none" spc="0" normalizeH="0" baseline="0" noProof="0">
+            <a:endParaRPr kumimoji="0" lang="zh-CN" altLang="en-US" sz="2000" b="1" i="0" u="none" strike="noStrike" kern="0" cap="none" spc="0" normalizeH="0" baseline="0" noProof="0" dirty="0">
               <a:ln>
                 <a:noFill/>
               </a:ln>
@@ -7019,7 +7105,7 @@
               <a:defRPr/>
             </a:pPr>
             <a:r>
-              <a:rPr kumimoji="0" lang="en-US" altLang="zh-CN" sz="2000" b="1" i="0" u="none" strike="noStrike" kern="0" cap="none" spc="0" normalizeH="0" baseline="0" noProof="0">
+              <a:rPr kumimoji="0" lang="en-US" altLang="zh-CN" sz="2000" b="1" i="0" u="none" strike="noStrike" kern="0" cap="none" spc="0" normalizeH="0" baseline="0" noProof="0" dirty="0">
                 <a:ln>
                   <a:noFill/>
                 </a:ln>
@@ -7035,7 +7121,7 @@
               </a:rPr>
               <a:t>Ehcache</a:t>
             </a:r>
-            <a:endParaRPr kumimoji="0" lang="zh-CN" altLang="en-US" sz="2000" b="1" i="0" u="none" strike="noStrike" kern="0" cap="none" spc="0" normalizeH="0" baseline="0" noProof="0">
+            <a:endParaRPr kumimoji="0" lang="zh-CN" altLang="en-US" sz="2000" b="1" i="0" u="none" strike="noStrike" kern="0" cap="none" spc="0" normalizeH="0" baseline="0" noProof="0" dirty="0">
               <a:ln>
                 <a:noFill/>
               </a:ln>
@@ -7068,7 +7154,7 @@
               <a:tabLst/>
               <a:defRPr/>
             </a:pPr>
-            <a:endParaRPr kumimoji="0" lang="zh-CN" altLang="en-US" sz="2000" b="1" i="0" u="none" strike="noStrike" kern="0" cap="none" spc="0" normalizeH="0" baseline="0" noProof="0">
+            <a:endParaRPr kumimoji="0" lang="zh-CN" altLang="en-US" sz="2000" b="1" i="0" u="none" strike="noStrike" kern="0" cap="none" spc="0" normalizeH="0" baseline="0" noProof="0" dirty="0">
               <a:ln>
                 <a:noFill/>
               </a:ln>
@@ -7249,7 +7335,7 @@
               <a:defRPr/>
             </a:pPr>
             <a:r>
-              <a:rPr kumimoji="0" lang="en-US" altLang="zh-CN" sz="2000" b="1" i="0" u="none" strike="noStrike" kern="0" cap="none" spc="0" normalizeH="0" baseline="0" noProof="0">
+              <a:rPr kumimoji="0" lang="en-US" altLang="zh-CN" sz="2000" b="1" i="0" u="none" strike="noStrike" kern="0" cap="none" spc="0" normalizeH="0" baseline="0" noProof="0" dirty="0">
                 <a:ln>
                   <a:noFill/>
                 </a:ln>
@@ -7316,8 +7402,8 @@
         </p:nvSpPr>
         <p:spPr>
           <a:xfrm>
-            <a:off x="4863053" y="6287289"/>
-            <a:ext cx="2739853" cy="461665"/>
+            <a:off x="4574512" y="6287289"/>
+            <a:ext cx="3316935" cy="461665"/>
           </a:xfrm>
           <a:prstGeom prst="rect">
             <a:avLst/>
@@ -7331,7 +7417,7 @@
           <a:p>
             <a:pPr lvl="0" algn="ctr"/>
             <a:r>
-              <a:rPr lang="en-US" altLang="zh-CN" sz="2400" b="1" kern="0">
+              <a:rPr lang="en-US" altLang="zh-CN" sz="2400" b="1" kern="0" dirty="0">
                 <a:solidFill>
                   <a:prstClr val="black"/>
                 </a:solidFill>
@@ -7350,8 +7436,38 @@
                 <a:ea typeface="STSong" charset="-122"/>
                 <a:cs typeface="STSong" charset="-122"/>
               </a:rPr>
-              <a:t> 架构图</a:t>
-            </a:r>
+              <a:t> 架</a:t>
+            </a:r>
+            <a:r>
+              <a:rPr lang="zh-CN" altLang="en-US" sz="2400" b="1" kern="0" dirty="0" smtClean="0">
+                <a:solidFill>
+                  <a:prstClr val="black"/>
+                </a:solidFill>
+                <a:latin typeface="STSong" charset="-122"/>
+                <a:ea typeface="STSong" charset="-122"/>
+                <a:cs typeface="STSong" charset="-122"/>
+              </a:rPr>
+              <a:t>构图 </a:t>
+            </a:r>
+            <a:r>
+              <a:rPr lang="en-US" altLang="zh-CN" sz="2400" b="1" kern="0" dirty="0" smtClean="0">
+                <a:solidFill>
+                  <a:prstClr val="black"/>
+                </a:solidFill>
+                <a:latin typeface="STSong" charset="-122"/>
+                <a:ea typeface="STSong" charset="-122"/>
+                <a:cs typeface="STSong" charset="-122"/>
+              </a:rPr>
+              <a:t>v1.0</a:t>
+            </a:r>
+            <a:endParaRPr lang="zh-CN" altLang="en-US" sz="2400" b="1" kern="0" dirty="0">
+              <a:solidFill>
+                <a:prstClr val="black"/>
+              </a:solidFill>
+              <a:latin typeface="STSong" charset="-122"/>
+              <a:ea typeface="STSong" charset="-122"/>
+              <a:cs typeface="STSong" charset="-122"/>
+            </a:endParaRPr>
           </a:p>
         </p:txBody>
       </p:sp>
@@ -7651,7 +7767,7 @@
           <a:p>
             <a:pPr algn="ctr"/>
             <a:r>
-              <a:rPr lang="en-US" altLang="zh-CN" sz="1200" b="1">
+              <a:rPr lang="en-US" altLang="zh-CN" sz="1200" b="1" dirty="0">
                 <a:latin typeface="STSong" charset="-122"/>
                 <a:ea typeface="STSong" charset="-122"/>
                 <a:cs typeface="STSong" charset="-122"/>
@@ -7935,7 +8051,7 @@
           <a:p>
             <a:pPr algn="ctr"/>
             <a:r>
-              <a:rPr lang="en-US" altLang="zh-CN" sz="1200" b="1">
+              <a:rPr lang="en-US" altLang="zh-CN" sz="1200" b="1" dirty="0">
                 <a:latin typeface="STSong" charset="-122"/>
                 <a:ea typeface="STSong" charset="-122"/>
                 <a:cs typeface="STSong" charset="-122"/>
@@ -7943,7 +8059,7 @@
               <a:t>Ehcache</a:t>
             </a:r>
             <a:r>
-              <a:rPr lang="zh-CN" altLang="en-US" sz="1200" b="1">
+              <a:rPr lang="zh-CN" altLang="en-US" sz="1200" b="1" dirty="0">
                 <a:latin typeface="STSong" charset="-122"/>
                 <a:ea typeface="STSong" charset="-122"/>
                 <a:cs typeface="STSong" charset="-122"/>
@@ -8351,7 +8467,7 @@
           <a:p>
             <a:pPr algn="ctr"/>
             <a:r>
-              <a:rPr lang="en-US" altLang="zh-CN" sz="1200" b="1">
+              <a:rPr lang="en-US" altLang="zh-CN" sz="1200" b="1" dirty="0">
                 <a:latin typeface="STSong" charset="-122"/>
                 <a:ea typeface="STSong" charset="-122"/>
                 <a:cs typeface="STSong" charset="-122"/>
@@ -8370,7 +8486,7 @@
           <a:p>
             <a:pPr algn="ctr"/>
             <a:r>
-              <a:rPr lang="en-US" altLang="zh-CN" sz="1200" b="1">
+              <a:rPr lang="en-US" altLang="zh-CN" sz="1200" b="1" dirty="0">
                 <a:latin typeface="STSong" charset="-122"/>
                 <a:ea typeface="STSong" charset="-122"/>
                 <a:cs typeface="STSong" charset="-122"/>
@@ -8651,7 +8767,7 @@
           <a:p>
             <a:pPr algn="ctr"/>
             <a:r>
-              <a:rPr lang="zh-CN" altLang="en-US" sz="1200" b="1">
+              <a:rPr lang="zh-CN" altLang="en-US" sz="1200" b="1" dirty="0">
                 <a:latin typeface="STSong" charset="-122"/>
                 <a:ea typeface="STSong" charset="-122"/>
                 <a:cs typeface="STSong" charset="-122"/>
@@ -8659,7 +8775,7 @@
               <a:t>加入</a:t>
             </a:r>
             <a:r>
-              <a:rPr lang="en-US" altLang="zh-CN" sz="1200" b="1" dirty="0" err="1">
+              <a:rPr lang="en-US" altLang="zh-CN" sz="1200" b="1" dirty="0">
                 <a:latin typeface="STSong" charset="-122"/>
                 <a:ea typeface="STSong" charset="-122"/>
                 <a:cs typeface="STSong" charset="-122"/>
@@ -9513,8 +9629,8 @@
         </p:nvSpPr>
         <p:spPr>
           <a:xfrm>
-            <a:off x="3825815" y="6337300"/>
-            <a:ext cx="4083169" cy="369332"/>
+            <a:off x="3607807" y="6337300"/>
+            <a:ext cx="4519186" cy="369332"/>
           </a:xfrm>
           <a:prstGeom prst="rect">
             <a:avLst/>
@@ -9528,7 +9644,7 @@
           <a:p>
             <a:pPr algn="ctr"/>
             <a:r>
-              <a:rPr lang="en-US" altLang="zh-CN" b="1">
+              <a:rPr lang="en-US" altLang="zh-CN" b="1" dirty="0">
                 <a:latin typeface="STSong" charset="-122"/>
                 <a:ea typeface="STSong" charset="-122"/>
                 <a:cs typeface="STSong" charset="-122"/>
@@ -9557,8 +9673,29 @@
                 <a:ea typeface="STSong" charset="-122"/>
                 <a:cs typeface="STSong" charset="-122"/>
               </a:rPr>
-              <a:t>方式）</a:t>
-            </a:r>
+              <a:t>方式</a:t>
+            </a:r>
+            <a:r>
+              <a:rPr lang="zh-CN" altLang="en-US" b="1" dirty="0" smtClean="0">
+                <a:latin typeface="STSong" charset="-122"/>
+                <a:ea typeface="STSong" charset="-122"/>
+                <a:cs typeface="STSong" charset="-122"/>
+              </a:rPr>
+              <a:t>）</a:t>
+            </a:r>
+            <a:r>
+              <a:rPr lang="nb-NO" altLang="zh-CN" b="1" dirty="0">
+                <a:latin typeface="STSong" charset="-122"/>
+                <a:ea typeface="STSong" charset="-122"/>
+                <a:cs typeface="STSong" charset="-122"/>
+              </a:rPr>
+              <a:t> v1.0</a:t>
+            </a:r>
+            <a:endParaRPr lang="zh-CN" altLang="en-US" b="1" dirty="0">
+              <a:latin typeface="STSong" charset="-122"/>
+              <a:ea typeface="STSong" charset="-122"/>
+              <a:cs typeface="STSong" charset="-122"/>
+            </a:endParaRPr>
           </a:p>
         </p:txBody>
       </p:sp>
@@ -9585,7 +9722,7 @@
           <a:p>
             <a:pPr lvl="0"/>
             <a:r>
-              <a:rPr lang="en-US" altLang="zh-CN" sz="1200" b="1">
+              <a:rPr lang="en-US" altLang="zh-CN" sz="1200" b="1" dirty="0">
                 <a:solidFill>
                   <a:prstClr val="black"/>
                 </a:solidFill>
@@ -9606,14 +9743,6 @@
               </a:rPr>
               <a:t>查询成功</a:t>
             </a:r>
-            <a:endParaRPr lang="zh-CN" altLang="en-US" sz="1200" b="1" dirty="0">
-              <a:solidFill>
-                <a:prstClr val="black"/>
-              </a:solidFill>
-              <a:latin typeface="STSong" charset="-122"/>
-              <a:ea typeface="STSong" charset="-122"/>
-              <a:cs typeface="STSong" charset="-122"/>
-            </a:endParaRPr>
           </a:p>
         </p:txBody>
       </p:sp>
@@ -9664,14 +9793,6 @@
               </a:rPr>
               <a:t>返回配置</a:t>
             </a:r>
-            <a:endParaRPr lang="zh-CN" altLang="en-US" sz="1200" b="1" dirty="0">
-              <a:solidFill>
-                <a:prstClr val="black"/>
-              </a:solidFill>
-              <a:latin typeface="STSong" charset="-122"/>
-              <a:ea typeface="STSong" charset="-122"/>
-              <a:cs typeface="STSong" charset="-122"/>
-            </a:endParaRPr>
           </a:p>
         </p:txBody>
       </p:sp>
@@ -9708,14 +9829,6 @@
               </a:rPr>
               <a:t>缓存未命中</a:t>
             </a:r>
-            <a:endParaRPr lang="zh-CN" altLang="en-US" sz="1200" b="1">
-              <a:solidFill>
-                <a:prstClr val="black"/>
-              </a:solidFill>
-              <a:latin typeface="STSong" charset="-122"/>
-              <a:ea typeface="STSong" charset="-122"/>
-              <a:cs typeface="STSong" charset="-122"/>
-            </a:endParaRPr>
           </a:p>
         </p:txBody>
       </p:sp>
@@ -9742,7 +9855,7 @@
           <a:p>
             <a:pPr lvl="0"/>
             <a:r>
-              <a:rPr lang="en-US" altLang="zh-CN" sz="1200" b="1">
+              <a:rPr lang="en-US" altLang="zh-CN" sz="1200" b="1" dirty="0">
                 <a:solidFill>
                   <a:prstClr val="black"/>
                 </a:solidFill>
@@ -9777,14 +9890,6 @@
               </a:rPr>
               <a:t>返回设置的默认配置</a:t>
             </a:r>
-            <a:endParaRPr lang="zh-CN" altLang="en-US" sz="1200" b="1" dirty="0">
-              <a:solidFill>
-                <a:prstClr val="black"/>
-              </a:solidFill>
-              <a:latin typeface="STSong" charset="-122"/>
-              <a:ea typeface="STSong" charset="-122"/>
-              <a:cs typeface="STSong" charset="-122"/>
-            </a:endParaRPr>
           </a:p>
         </p:txBody>
       </p:sp>
@@ -9792,6 +9897,2358 @@
     <p:extLst>
       <p:ext uri="{BB962C8B-B14F-4D97-AF65-F5344CB8AC3E}">
         <p14:creationId xmlns:p14="http://schemas.microsoft.com/office/powerpoint/2010/main" val="1210355271"/>
+      </p:ext>
+    </p:extLst>
+  </p:cSld>
+  <p:clrMapOvr>
+    <a:masterClrMapping/>
+  </p:clrMapOvr>
+</p:sld>
+</file>
+
+<file path=ppt/slides/slide3.xml><?xml version="1.0" encoding="utf-8"?>
+<p:sld xmlns:a="http://schemas.openxmlformats.org/drawingml/2006/main" xmlns:r="http://schemas.openxmlformats.org/officeDocument/2006/relationships" xmlns:p="http://schemas.openxmlformats.org/presentationml/2006/main">
+  <p:cSld>
+    <p:spTree>
+      <p:nvGrpSpPr>
+        <p:cNvPr id="1" name=""/>
+        <p:cNvGrpSpPr/>
+        <p:nvPr/>
+      </p:nvGrpSpPr>
+      <p:grpSpPr>
+        <a:xfrm>
+          <a:off x="0" y="0"/>
+          <a:ext cx="0" cy="0"/>
+          <a:chOff x="0" y="0"/>
+          <a:chExt cx="0" cy="0"/>
+        </a:xfrm>
+      </p:grpSpPr>
+      <p:sp>
+        <p:nvSpPr>
+          <p:cNvPr id="84" name="矩形 83"/>
+          <p:cNvSpPr/>
+          <p:nvPr/>
+        </p:nvSpPr>
+        <p:spPr>
+          <a:xfrm>
+            <a:off x="4307808" y="6113966"/>
+            <a:ext cx="3463640" cy="461665"/>
+          </a:xfrm>
+          <a:prstGeom prst="rect">
+            <a:avLst/>
+          </a:prstGeom>
+        </p:spPr>
+        <p:txBody>
+          <a:bodyPr wrap="none">
+            <a:spAutoFit/>
+          </a:bodyPr>
+          <a:lstStyle/>
+          <a:p>
+            <a:pPr lvl="0" algn="ctr"/>
+            <a:r>
+              <a:rPr lang="en-US" altLang="zh-CN" sz="2400" dirty="0" smtClean="0">
+                <a:solidFill>
+                  <a:prstClr val="black"/>
+                </a:solidFill>
+                <a:latin typeface="Microsoft YaHei" charset="0"/>
+                <a:ea typeface="Microsoft YaHei" charset="0"/>
+                <a:cs typeface="Microsoft YaHei" charset="0"/>
+              </a:rPr>
+              <a:t>XXL-</a:t>
+            </a:r>
+            <a:r>
+              <a:rPr lang="en-US" altLang="zh-CN" sz="2400" dirty="0" smtClean="0">
+                <a:solidFill>
+                  <a:prstClr val="black"/>
+                </a:solidFill>
+                <a:latin typeface="Microsoft YaHei" charset="0"/>
+                <a:ea typeface="Microsoft YaHei" charset="0"/>
+                <a:cs typeface="Microsoft YaHei" charset="0"/>
+              </a:rPr>
+              <a:t>CONF</a:t>
+            </a:r>
+            <a:r>
+              <a:rPr lang="zh-CN" altLang="en-US" sz="2400" dirty="0" smtClean="0">
+                <a:solidFill>
+                  <a:prstClr val="black"/>
+                </a:solidFill>
+                <a:latin typeface="Microsoft YaHei" charset="0"/>
+                <a:ea typeface="Microsoft YaHei" charset="0"/>
+                <a:cs typeface="Microsoft YaHei" charset="0"/>
+              </a:rPr>
+              <a:t>架</a:t>
+            </a:r>
+            <a:r>
+              <a:rPr lang="zh-CN" altLang="en-US" sz="2400" dirty="0">
+                <a:solidFill>
+                  <a:prstClr val="black"/>
+                </a:solidFill>
+                <a:latin typeface="Microsoft YaHei" charset="0"/>
+                <a:ea typeface="Microsoft YaHei" charset="0"/>
+                <a:cs typeface="Microsoft YaHei" charset="0"/>
+              </a:rPr>
+              <a:t>构图 </a:t>
+            </a:r>
+            <a:r>
+              <a:rPr lang="en-US" altLang="zh-CN" sz="2400" dirty="0" smtClean="0">
+                <a:solidFill>
+                  <a:prstClr val="black"/>
+                </a:solidFill>
+                <a:latin typeface="Microsoft YaHei" charset="0"/>
+                <a:ea typeface="Microsoft YaHei" charset="0"/>
+                <a:cs typeface="Microsoft YaHei" charset="0"/>
+              </a:rPr>
+              <a:t>v1.5</a:t>
+            </a:r>
+            <a:endParaRPr lang="en-US" altLang="zh-CN" sz="2400" dirty="0">
+              <a:solidFill>
+                <a:prstClr val="black"/>
+              </a:solidFill>
+              <a:latin typeface="Microsoft YaHei" charset="0"/>
+              <a:ea typeface="Microsoft YaHei" charset="0"/>
+              <a:cs typeface="Microsoft YaHei" charset="0"/>
+            </a:endParaRPr>
+          </a:p>
+        </p:txBody>
+      </p:sp>
+      <p:sp>
+        <p:nvSpPr>
+          <p:cNvPr id="30" name="可选流程 29"/>
+          <p:cNvSpPr/>
+          <p:nvPr/>
+        </p:nvSpPr>
+        <p:spPr>
+          <a:xfrm>
+            <a:off x="4756778" y="4889353"/>
+            <a:ext cx="1521046" cy="520470"/>
+          </a:xfrm>
+          <a:prstGeom prst="flowChartAlternateProcess">
+            <a:avLst/>
+          </a:prstGeom>
+          <a:solidFill>
+            <a:srgbClr val="FAA756"/>
+          </a:solidFill>
+          <a:ln>
+            <a:noFill/>
+          </a:ln>
+          <a:effectLst>
+            <a:outerShdw blurRad="57150" dist="19050" dir="5400000" algn="ctr" rotWithShape="0">
+              <a:srgbClr val="000000">
+                <a:alpha val="63000"/>
+              </a:srgbClr>
+            </a:outerShdw>
+          </a:effectLst>
+        </p:spPr>
+        <p:txBody>
+          <a:bodyPr anchor="ctr"/>
+          <a:lstStyle/>
+          <a:p>
+            <a:pPr algn="ctr" defTabSz="1219170" eaLnBrk="0" fontAlgn="base" hangingPunct="0">
+              <a:spcBef>
+                <a:spcPct val="0"/>
+              </a:spcBef>
+              <a:spcAft>
+                <a:spcPct val="0"/>
+              </a:spcAft>
+              <a:defRPr/>
+            </a:pPr>
+            <a:r>
+              <a:rPr kumimoji="1" lang="en-US" altLang="zh-CN" kern="0" dirty="0" smtClean="0">
+                <a:latin typeface="Microsoft YaHei" charset="0"/>
+                <a:ea typeface="Microsoft YaHei" charset="0"/>
+                <a:cs typeface="Microsoft YaHei" charset="0"/>
+              </a:rPr>
+              <a:t>zk</a:t>
+            </a:r>
+            <a:endParaRPr kumimoji="1" lang="zh-CN" altLang="en-US" kern="0" dirty="0">
+              <a:latin typeface="Microsoft YaHei" charset="0"/>
+              <a:ea typeface="Microsoft YaHei" charset="0"/>
+              <a:cs typeface="Microsoft YaHei" charset="0"/>
+            </a:endParaRPr>
+          </a:p>
+        </p:txBody>
+      </p:sp>
+      <p:sp>
+        <p:nvSpPr>
+          <p:cNvPr id="31" name="圆角矩形 30"/>
+          <p:cNvSpPr/>
+          <p:nvPr/>
+        </p:nvSpPr>
+        <p:spPr>
+          <a:xfrm>
+            <a:off x="1733294" y="3432838"/>
+            <a:ext cx="1517802" cy="520470"/>
+          </a:xfrm>
+          <a:prstGeom prst="roundRect">
+            <a:avLst/>
+          </a:prstGeom>
+          <a:solidFill>
+            <a:srgbClr val="58B8D1"/>
+          </a:solidFill>
+          <a:ln>
+            <a:noFill/>
+          </a:ln>
+          <a:effectLst>
+            <a:outerShdw blurRad="57150" dist="19050" dir="5400000" algn="ctr" rotWithShape="0">
+              <a:srgbClr val="000000">
+                <a:alpha val="63000"/>
+              </a:srgbClr>
+            </a:outerShdw>
+          </a:effectLst>
+        </p:spPr>
+        <p:txBody>
+          <a:bodyPr anchor="ctr"/>
+          <a:lstStyle/>
+          <a:p>
+            <a:pPr algn="ctr" defTabSz="1219170" eaLnBrk="0" fontAlgn="base" hangingPunct="0">
+              <a:spcBef>
+                <a:spcPct val="0"/>
+              </a:spcBef>
+              <a:spcAft>
+                <a:spcPct val="0"/>
+              </a:spcAft>
+              <a:defRPr/>
+            </a:pPr>
+            <a:r>
+              <a:rPr kumimoji="1" lang="en-US" altLang="zh-CN" kern="0" dirty="0" smtClean="0">
+                <a:latin typeface="Microsoft YaHei" charset="0"/>
+                <a:ea typeface="Microsoft YaHei" charset="0"/>
+                <a:cs typeface="Microsoft YaHei" charset="0"/>
+              </a:rPr>
+              <a:t>admin</a:t>
+            </a:r>
+            <a:endParaRPr kumimoji="1" lang="zh-CN" altLang="en-US" kern="0" dirty="0">
+              <a:latin typeface="Microsoft YaHei" charset="0"/>
+              <a:ea typeface="Microsoft YaHei" charset="0"/>
+              <a:cs typeface="Microsoft YaHei" charset="0"/>
+            </a:endParaRPr>
+          </a:p>
+        </p:txBody>
+      </p:sp>
+      <p:sp>
+        <p:nvSpPr>
+          <p:cNvPr id="37" name="矩形 36"/>
+          <p:cNvSpPr/>
+          <p:nvPr/>
+        </p:nvSpPr>
+        <p:spPr>
+          <a:xfrm>
+            <a:off x="4307808" y="4654069"/>
+            <a:ext cx="6174226" cy="958552"/>
+          </a:xfrm>
+          <a:prstGeom prst="rect">
+            <a:avLst/>
+          </a:prstGeom>
+          <a:noFill/>
+          <a:ln w="12700" cap="flat" cmpd="sng" algn="ctr">
+            <a:solidFill>
+              <a:srgbClr val="5B9BD5">
+                <a:shade val="50000"/>
+              </a:srgbClr>
+            </a:solidFill>
+            <a:prstDash val="dash"/>
+            <a:miter lim="800000"/>
+          </a:ln>
+          <a:effectLst/>
+        </p:spPr>
+        <p:txBody>
+          <a:bodyPr anchor="b"/>
+          <a:lstStyle/>
+          <a:p>
+            <a:pPr algn="ctr" defTabSz="1219170" eaLnBrk="0" fontAlgn="base" hangingPunct="0">
+              <a:spcBef>
+                <a:spcPct val="0"/>
+              </a:spcBef>
+              <a:spcAft>
+                <a:spcPct val="0"/>
+              </a:spcAft>
+              <a:defRPr/>
+            </a:pPr>
+            <a:endParaRPr kumimoji="1" lang="zh-CN" altLang="en-US" kern="0" dirty="0">
+              <a:latin typeface="Microsoft YaHei" charset="0"/>
+              <a:ea typeface="Microsoft YaHei" charset="0"/>
+              <a:cs typeface="Microsoft YaHei" charset="0"/>
+            </a:endParaRPr>
+          </a:p>
+        </p:txBody>
+      </p:sp>
+      <p:sp>
+        <p:nvSpPr>
+          <p:cNvPr id="9" name="磁盘 8"/>
+          <p:cNvSpPr/>
+          <p:nvPr/>
+        </p:nvSpPr>
+        <p:spPr>
+          <a:xfrm>
+            <a:off x="1733294" y="4358992"/>
+            <a:ext cx="1517802" cy="774353"/>
+          </a:xfrm>
+          <a:prstGeom prst="flowChartMagneticDisk">
+            <a:avLst/>
+          </a:prstGeom>
+        </p:spPr>
+        <p:style>
+          <a:lnRef idx="1">
+            <a:schemeClr val="accent3"/>
+          </a:lnRef>
+          <a:fillRef idx="2">
+            <a:schemeClr val="accent3"/>
+          </a:fillRef>
+          <a:effectRef idx="1">
+            <a:schemeClr val="accent3"/>
+          </a:effectRef>
+          <a:fontRef idx="minor">
+            <a:schemeClr val="dk1"/>
+          </a:fontRef>
+        </p:style>
+        <p:txBody>
+          <a:bodyPr rtlCol="0" anchor="ctr"/>
+          <a:lstStyle/>
+          <a:p>
+            <a:pPr algn="ctr"/>
+            <a:r>
+              <a:rPr kumimoji="1" lang="en-US" altLang="zh-CN" dirty="0" smtClean="0">
+                <a:latin typeface="Microsoft YaHei" charset="0"/>
+                <a:ea typeface="Microsoft YaHei" charset="0"/>
+                <a:cs typeface="Microsoft YaHei" charset="0"/>
+              </a:rPr>
+              <a:t>DB</a:t>
+            </a:r>
+            <a:endParaRPr kumimoji="1" lang="zh-CN" altLang="en-US" dirty="0">
+              <a:latin typeface="Microsoft YaHei" charset="0"/>
+              <a:ea typeface="Microsoft YaHei" charset="0"/>
+              <a:cs typeface="Microsoft YaHei" charset="0"/>
+            </a:endParaRPr>
+          </a:p>
+        </p:txBody>
+      </p:sp>
+      <p:sp>
+        <p:nvSpPr>
+          <p:cNvPr id="48" name="可选流程 47"/>
+          <p:cNvSpPr/>
+          <p:nvPr/>
+        </p:nvSpPr>
+        <p:spPr>
+          <a:xfrm>
+            <a:off x="8799637" y="3437649"/>
+            <a:ext cx="1521046" cy="520470"/>
+          </a:xfrm>
+          <a:prstGeom prst="flowChartAlternateProcess">
+            <a:avLst/>
+          </a:prstGeom>
+          <a:solidFill>
+            <a:srgbClr val="ABC36C"/>
+          </a:solidFill>
+          <a:ln>
+            <a:noFill/>
+          </a:ln>
+          <a:effectLst>
+            <a:outerShdw blurRad="57150" dist="19050" dir="5400000" algn="ctr" rotWithShape="0">
+              <a:srgbClr val="000000">
+                <a:alpha val="63000"/>
+              </a:srgbClr>
+            </a:outerShdw>
+          </a:effectLst>
+        </p:spPr>
+        <p:txBody>
+          <a:bodyPr anchor="ctr"/>
+          <a:lstStyle/>
+          <a:p>
+            <a:pPr algn="ctr" defTabSz="1219170" eaLnBrk="0" fontAlgn="base" hangingPunct="0">
+              <a:spcBef>
+                <a:spcPct val="0"/>
+              </a:spcBef>
+              <a:spcAft>
+                <a:spcPct val="0"/>
+              </a:spcAft>
+              <a:defRPr/>
+            </a:pPr>
+            <a:r>
+              <a:rPr kumimoji="1" lang="en-US" altLang="zh-CN" kern="0" dirty="0" smtClean="0">
+                <a:latin typeface="Microsoft YaHei" charset="0"/>
+                <a:ea typeface="Microsoft YaHei" charset="0"/>
+                <a:cs typeface="Microsoft YaHei" charset="0"/>
+              </a:rPr>
+              <a:t>agent</a:t>
+            </a:r>
+            <a:endParaRPr kumimoji="1" lang="zh-CN" altLang="en-US" kern="0" dirty="0">
+              <a:latin typeface="Microsoft YaHei" charset="0"/>
+              <a:ea typeface="Microsoft YaHei" charset="0"/>
+              <a:cs typeface="Microsoft YaHei" charset="0"/>
+            </a:endParaRPr>
+          </a:p>
+        </p:txBody>
+      </p:sp>
+      <p:sp>
+        <p:nvSpPr>
+          <p:cNvPr id="49" name="可选流程 48"/>
+          <p:cNvSpPr/>
+          <p:nvPr/>
+        </p:nvSpPr>
+        <p:spPr>
+          <a:xfrm>
+            <a:off x="4572087" y="2917179"/>
+            <a:ext cx="1515819" cy="520470"/>
+          </a:xfrm>
+          <a:prstGeom prst="flowChartAlternateProcess">
+            <a:avLst/>
+          </a:prstGeom>
+          <a:solidFill>
+            <a:srgbClr val="D8D8D8"/>
+          </a:solidFill>
+          <a:ln>
+            <a:noFill/>
+          </a:ln>
+          <a:effectLst>
+            <a:outerShdw blurRad="57150" dist="19050" dir="5400000" algn="ctr" rotWithShape="0">
+              <a:srgbClr val="000000">
+                <a:alpha val="63000"/>
+              </a:srgbClr>
+            </a:outerShdw>
+          </a:effectLst>
+        </p:spPr>
+        <p:txBody>
+          <a:bodyPr anchor="ctr"/>
+          <a:lstStyle/>
+          <a:p>
+            <a:pPr algn="ctr" defTabSz="1219170" eaLnBrk="0" fontAlgn="base" hangingPunct="0">
+              <a:spcBef>
+                <a:spcPct val="0"/>
+              </a:spcBef>
+              <a:spcAft>
+                <a:spcPct val="0"/>
+              </a:spcAft>
+              <a:defRPr/>
+            </a:pPr>
+            <a:r>
+              <a:rPr kumimoji="1" lang="en-US" altLang="zh-CN" kern="0" dirty="0" smtClean="0">
+                <a:solidFill>
+                  <a:prstClr val="black"/>
+                </a:solidFill>
+                <a:latin typeface="Microsoft YaHei" charset="0"/>
+                <a:ea typeface="Microsoft YaHei" charset="0"/>
+                <a:cs typeface="Microsoft YaHei" charset="0"/>
+              </a:rPr>
+              <a:t>client</a:t>
+            </a:r>
+            <a:endParaRPr kumimoji="1" lang="zh-CN" altLang="en-US" kern="0" dirty="0">
+              <a:solidFill>
+                <a:prstClr val="black"/>
+              </a:solidFill>
+              <a:latin typeface="Microsoft YaHei" charset="0"/>
+              <a:ea typeface="Microsoft YaHei" charset="0"/>
+              <a:cs typeface="Microsoft YaHei" charset="0"/>
+            </a:endParaRPr>
+          </a:p>
+        </p:txBody>
+      </p:sp>
+      <p:sp>
+        <p:nvSpPr>
+          <p:cNvPr id="56" name="可选流程 55"/>
+          <p:cNvSpPr/>
+          <p:nvPr/>
+        </p:nvSpPr>
+        <p:spPr>
+          <a:xfrm>
+            <a:off x="1733294" y="2173054"/>
+            <a:ext cx="1517803" cy="520470"/>
+          </a:xfrm>
+          <a:prstGeom prst="flowChartAlternateProcess">
+            <a:avLst/>
+          </a:prstGeom>
+          <a:ln/>
+        </p:spPr>
+        <p:style>
+          <a:lnRef idx="2">
+            <a:schemeClr val="dk1"/>
+          </a:lnRef>
+          <a:fillRef idx="1">
+            <a:schemeClr val="lt1"/>
+          </a:fillRef>
+          <a:effectRef idx="0">
+            <a:schemeClr val="dk1"/>
+          </a:effectRef>
+          <a:fontRef idx="minor">
+            <a:schemeClr val="dk1"/>
+          </a:fontRef>
+        </p:style>
+        <p:txBody>
+          <a:bodyPr anchor="ctr"/>
+          <a:lstStyle/>
+          <a:p>
+            <a:pPr algn="ctr" defTabSz="1219170" eaLnBrk="0" fontAlgn="base" hangingPunct="0">
+              <a:spcBef>
+                <a:spcPct val="0"/>
+              </a:spcBef>
+              <a:spcAft>
+                <a:spcPct val="0"/>
+              </a:spcAft>
+              <a:defRPr/>
+            </a:pPr>
+            <a:r>
+              <a:rPr kumimoji="1" lang="en-US" altLang="zh-CN" kern="0" dirty="0" smtClean="0">
+                <a:solidFill>
+                  <a:prstClr val="black"/>
+                </a:solidFill>
+                <a:latin typeface="Microsoft YaHei" charset="0"/>
+                <a:ea typeface="Microsoft YaHei" charset="0"/>
+                <a:cs typeface="Microsoft YaHei" charset="0"/>
+              </a:rPr>
+              <a:t>browser</a:t>
+            </a:r>
+            <a:endParaRPr kumimoji="1" lang="zh-CN" altLang="en-US" kern="0" dirty="0">
+              <a:solidFill>
+                <a:prstClr val="black"/>
+              </a:solidFill>
+              <a:latin typeface="Microsoft YaHei" charset="0"/>
+              <a:ea typeface="Microsoft YaHei" charset="0"/>
+              <a:cs typeface="Microsoft YaHei" charset="0"/>
+            </a:endParaRPr>
+          </a:p>
+        </p:txBody>
+      </p:sp>
+      <p:sp>
+        <p:nvSpPr>
+          <p:cNvPr id="58" name="矩形 57"/>
+          <p:cNvSpPr/>
+          <p:nvPr/>
+        </p:nvSpPr>
+        <p:spPr>
+          <a:xfrm>
+            <a:off x="1498734" y="3108988"/>
+            <a:ext cx="1923288" cy="2503633"/>
+          </a:xfrm>
+          <a:prstGeom prst="rect">
+            <a:avLst/>
+          </a:prstGeom>
+          <a:noFill/>
+          <a:ln w="12700" cap="flat" cmpd="sng" algn="ctr">
+            <a:solidFill>
+              <a:srgbClr val="5B9BD5">
+                <a:shade val="50000"/>
+              </a:srgbClr>
+            </a:solidFill>
+            <a:prstDash val="dash"/>
+            <a:miter lim="800000"/>
+          </a:ln>
+          <a:effectLst/>
+        </p:spPr>
+        <p:txBody>
+          <a:bodyPr anchor="b"/>
+          <a:lstStyle/>
+          <a:p>
+            <a:pPr algn="ctr" defTabSz="1219170" eaLnBrk="0" fontAlgn="base" hangingPunct="0">
+              <a:spcBef>
+                <a:spcPct val="0"/>
+              </a:spcBef>
+              <a:spcAft>
+                <a:spcPct val="0"/>
+              </a:spcAft>
+              <a:defRPr/>
+            </a:pPr>
+            <a:endParaRPr kumimoji="1" lang="zh-CN" altLang="en-US" kern="0" dirty="0">
+              <a:latin typeface="Microsoft YaHei" charset="0"/>
+              <a:ea typeface="Microsoft YaHei" charset="0"/>
+              <a:cs typeface="Microsoft YaHei" charset="0"/>
+            </a:endParaRPr>
+          </a:p>
+        </p:txBody>
+      </p:sp>
+      <p:cxnSp>
+        <p:nvCxnSpPr>
+          <p:cNvPr id="59" name="直线箭头连接符 58"/>
+          <p:cNvCxnSpPr/>
+          <p:nvPr/>
+        </p:nvCxnSpPr>
+        <p:spPr>
+          <a:xfrm flipH="1" flipV="1">
+            <a:off x="3573163" y="5170168"/>
+            <a:ext cx="606819" cy="7922"/>
+          </a:xfrm>
+          <a:prstGeom prst="straightConnector1">
+            <a:avLst/>
+          </a:prstGeom>
+          <a:ln w="38100">
+            <a:headEnd type="triangle" w="med" len="lg"/>
+            <a:tailEnd type="none" w="med" len="lg"/>
+          </a:ln>
+        </p:spPr>
+        <p:style>
+          <a:lnRef idx="3">
+            <a:schemeClr val="accent1"/>
+          </a:lnRef>
+          <a:fillRef idx="0">
+            <a:schemeClr val="accent1"/>
+          </a:fillRef>
+          <a:effectRef idx="2">
+            <a:schemeClr val="accent1"/>
+          </a:effectRef>
+          <a:fontRef idx="minor">
+            <a:schemeClr val="tx1"/>
+          </a:fontRef>
+        </p:style>
+      </p:cxnSp>
+      <p:sp>
+        <p:nvSpPr>
+          <p:cNvPr id="66" name="矩形 65"/>
+          <p:cNvSpPr/>
+          <p:nvPr/>
+        </p:nvSpPr>
+        <p:spPr>
+          <a:xfrm>
+            <a:off x="4307807" y="1974766"/>
+            <a:ext cx="1939111" cy="1666791"/>
+          </a:xfrm>
+          <a:prstGeom prst="rect">
+            <a:avLst/>
+          </a:prstGeom>
+          <a:noFill/>
+          <a:ln w="12700" cap="flat" cmpd="sng" algn="ctr">
+            <a:solidFill>
+              <a:srgbClr val="5B9BD5">
+                <a:shade val="50000"/>
+              </a:srgbClr>
+            </a:solidFill>
+            <a:prstDash val="dash"/>
+            <a:miter lim="800000"/>
+          </a:ln>
+          <a:effectLst/>
+        </p:spPr>
+        <p:txBody>
+          <a:bodyPr anchor="b"/>
+          <a:lstStyle/>
+          <a:p>
+            <a:pPr algn="ctr" defTabSz="1219170" eaLnBrk="0" fontAlgn="base" hangingPunct="0">
+              <a:spcBef>
+                <a:spcPct val="0"/>
+              </a:spcBef>
+              <a:spcAft>
+                <a:spcPct val="0"/>
+              </a:spcAft>
+              <a:defRPr/>
+            </a:pPr>
+            <a:endParaRPr kumimoji="1" lang="zh-CN" altLang="en-US" kern="0" dirty="0">
+              <a:latin typeface="Microsoft YaHei" charset="0"/>
+              <a:ea typeface="Microsoft YaHei" charset="0"/>
+              <a:cs typeface="Microsoft YaHei" charset="0"/>
+            </a:endParaRPr>
+          </a:p>
+        </p:txBody>
+      </p:sp>
+      <p:sp>
+        <p:nvSpPr>
+          <p:cNvPr id="82" name="可选流程 81"/>
+          <p:cNvSpPr/>
+          <p:nvPr/>
+        </p:nvSpPr>
+        <p:spPr>
+          <a:xfrm>
+            <a:off x="4545741" y="2173054"/>
+            <a:ext cx="1517803" cy="520470"/>
+          </a:xfrm>
+          <a:prstGeom prst="flowChartAlternateProcess">
+            <a:avLst/>
+          </a:prstGeom>
+          <a:ln/>
+        </p:spPr>
+        <p:style>
+          <a:lnRef idx="2">
+            <a:schemeClr val="accent6"/>
+          </a:lnRef>
+          <a:fillRef idx="1">
+            <a:schemeClr val="lt1"/>
+          </a:fillRef>
+          <a:effectRef idx="0">
+            <a:schemeClr val="accent6"/>
+          </a:effectRef>
+          <a:fontRef idx="minor">
+            <a:schemeClr val="dk1"/>
+          </a:fontRef>
+        </p:style>
+        <p:txBody>
+          <a:bodyPr anchor="ctr"/>
+          <a:lstStyle/>
+          <a:p>
+            <a:pPr algn="ctr" defTabSz="1219170" eaLnBrk="0" fontAlgn="base" hangingPunct="0">
+              <a:spcBef>
+                <a:spcPct val="0"/>
+              </a:spcBef>
+              <a:spcAft>
+                <a:spcPct val="0"/>
+              </a:spcAft>
+              <a:defRPr/>
+            </a:pPr>
+            <a:r>
+              <a:rPr kumimoji="1" lang="en-US" altLang="zh-CN" kern="0" dirty="0" smtClean="0">
+                <a:solidFill>
+                  <a:prstClr val="black"/>
+                </a:solidFill>
+                <a:latin typeface="Microsoft YaHei" charset="0"/>
+                <a:ea typeface="Microsoft YaHei" charset="0"/>
+                <a:cs typeface="Microsoft YaHei" charset="0"/>
+              </a:rPr>
+              <a:t>app</a:t>
+            </a:r>
+            <a:r>
+              <a:rPr kumimoji="1" lang="zh-CN" altLang="en-US" kern="0" dirty="0" smtClean="0">
+                <a:solidFill>
+                  <a:prstClr val="black"/>
+                </a:solidFill>
+                <a:latin typeface="Microsoft YaHei" charset="0"/>
+                <a:ea typeface="Microsoft YaHei" charset="0"/>
+                <a:cs typeface="Microsoft YaHei" charset="0"/>
+              </a:rPr>
+              <a:t> </a:t>
+            </a:r>
+            <a:r>
+              <a:rPr kumimoji="1" lang="en-US" altLang="zh-CN" kern="0" dirty="0" smtClean="0">
+                <a:solidFill>
+                  <a:prstClr val="black"/>
+                </a:solidFill>
+                <a:latin typeface="Microsoft YaHei" charset="0"/>
+                <a:ea typeface="Microsoft YaHei" charset="0"/>
+                <a:cs typeface="Microsoft YaHei" charset="0"/>
+              </a:rPr>
+              <a:t>(java)</a:t>
+            </a:r>
+            <a:endParaRPr kumimoji="1" lang="zh-CN" altLang="en-US" kern="0" dirty="0">
+              <a:solidFill>
+                <a:prstClr val="black"/>
+              </a:solidFill>
+              <a:latin typeface="Microsoft YaHei" charset="0"/>
+              <a:ea typeface="Microsoft YaHei" charset="0"/>
+              <a:cs typeface="Microsoft YaHei" charset="0"/>
+            </a:endParaRPr>
+          </a:p>
+        </p:txBody>
+      </p:sp>
+      <p:sp>
+        <p:nvSpPr>
+          <p:cNvPr id="86" name="可选流程 85"/>
+          <p:cNvSpPr/>
+          <p:nvPr/>
+        </p:nvSpPr>
+        <p:spPr>
+          <a:xfrm>
+            <a:off x="8799637" y="2171129"/>
+            <a:ext cx="1521046" cy="520470"/>
+          </a:xfrm>
+          <a:prstGeom prst="flowChartAlternateProcess">
+            <a:avLst/>
+          </a:prstGeom>
+          <a:ln/>
+        </p:spPr>
+        <p:style>
+          <a:lnRef idx="2">
+            <a:schemeClr val="accent4"/>
+          </a:lnRef>
+          <a:fillRef idx="1">
+            <a:schemeClr val="lt1"/>
+          </a:fillRef>
+          <a:effectRef idx="0">
+            <a:schemeClr val="accent4"/>
+          </a:effectRef>
+          <a:fontRef idx="minor">
+            <a:schemeClr val="dk1"/>
+          </a:fontRef>
+        </p:style>
+        <p:txBody>
+          <a:bodyPr anchor="ctr"/>
+          <a:lstStyle/>
+          <a:p>
+            <a:pPr algn="ctr" defTabSz="1219170" eaLnBrk="0" fontAlgn="base" hangingPunct="0">
+              <a:spcBef>
+                <a:spcPct val="0"/>
+              </a:spcBef>
+              <a:spcAft>
+                <a:spcPct val="0"/>
+              </a:spcAft>
+              <a:defRPr/>
+            </a:pPr>
+            <a:r>
+              <a:rPr kumimoji="1" lang="en-US" altLang="zh-CN" kern="0" dirty="0" smtClean="0">
+                <a:solidFill>
+                  <a:prstClr val="black"/>
+                </a:solidFill>
+                <a:latin typeface="Microsoft YaHei" charset="0"/>
+                <a:ea typeface="Microsoft YaHei" charset="0"/>
+                <a:cs typeface="Microsoft YaHei" charset="0"/>
+              </a:rPr>
+              <a:t>app</a:t>
+            </a:r>
+            <a:r>
+              <a:rPr kumimoji="1" lang="zh-CN" altLang="en-US" kern="0" dirty="0" smtClean="0">
+                <a:solidFill>
+                  <a:prstClr val="black"/>
+                </a:solidFill>
+                <a:latin typeface="Microsoft YaHei" charset="0"/>
+                <a:ea typeface="Microsoft YaHei" charset="0"/>
+                <a:cs typeface="Microsoft YaHei" charset="0"/>
+              </a:rPr>
+              <a:t> </a:t>
+            </a:r>
+            <a:r>
+              <a:rPr kumimoji="1" lang="en-US" altLang="zh-CN" kern="0" dirty="0" smtClean="0">
+                <a:solidFill>
+                  <a:prstClr val="black"/>
+                </a:solidFill>
+                <a:latin typeface="Microsoft YaHei" charset="0"/>
+                <a:ea typeface="Microsoft YaHei" charset="0"/>
+                <a:cs typeface="Microsoft YaHei" charset="0"/>
+              </a:rPr>
+              <a:t>(other)</a:t>
+            </a:r>
+            <a:endParaRPr kumimoji="1" lang="zh-CN" altLang="en-US" kern="0" dirty="0">
+              <a:solidFill>
+                <a:prstClr val="black"/>
+              </a:solidFill>
+              <a:latin typeface="Microsoft YaHei" charset="0"/>
+              <a:ea typeface="Microsoft YaHei" charset="0"/>
+              <a:cs typeface="Microsoft YaHei" charset="0"/>
+            </a:endParaRPr>
+          </a:p>
+        </p:txBody>
+      </p:sp>
+      <p:sp>
+        <p:nvSpPr>
+          <p:cNvPr id="89" name="可选流程 88"/>
+          <p:cNvSpPr/>
+          <p:nvPr/>
+        </p:nvSpPr>
+        <p:spPr>
+          <a:xfrm>
+            <a:off x="6683337" y="4909933"/>
+            <a:ext cx="1521046" cy="520470"/>
+          </a:xfrm>
+          <a:prstGeom prst="flowChartAlternateProcess">
+            <a:avLst/>
+          </a:prstGeom>
+          <a:solidFill>
+            <a:srgbClr val="FAA756"/>
+          </a:solidFill>
+          <a:ln>
+            <a:noFill/>
+          </a:ln>
+          <a:effectLst>
+            <a:outerShdw blurRad="57150" dist="19050" dir="5400000" algn="ctr" rotWithShape="0">
+              <a:srgbClr val="000000">
+                <a:alpha val="63000"/>
+              </a:srgbClr>
+            </a:outerShdw>
+          </a:effectLst>
+        </p:spPr>
+        <p:txBody>
+          <a:bodyPr anchor="ctr"/>
+          <a:lstStyle/>
+          <a:p>
+            <a:pPr algn="ctr" defTabSz="1219170" eaLnBrk="0" fontAlgn="base" hangingPunct="0">
+              <a:spcBef>
+                <a:spcPct val="0"/>
+              </a:spcBef>
+              <a:spcAft>
+                <a:spcPct val="0"/>
+              </a:spcAft>
+              <a:defRPr/>
+            </a:pPr>
+            <a:r>
+              <a:rPr kumimoji="1" lang="en-US" altLang="zh-CN" kern="0" dirty="0" smtClean="0">
+                <a:latin typeface="Microsoft YaHei" charset="0"/>
+                <a:ea typeface="Microsoft YaHei" charset="0"/>
+                <a:cs typeface="Microsoft YaHei" charset="0"/>
+              </a:rPr>
+              <a:t>zk</a:t>
+            </a:r>
+            <a:endParaRPr kumimoji="1" lang="zh-CN" altLang="en-US" kern="0" dirty="0">
+              <a:latin typeface="Microsoft YaHei" charset="0"/>
+              <a:ea typeface="Microsoft YaHei" charset="0"/>
+              <a:cs typeface="Microsoft YaHei" charset="0"/>
+            </a:endParaRPr>
+          </a:p>
+        </p:txBody>
+      </p:sp>
+      <p:cxnSp>
+        <p:nvCxnSpPr>
+          <p:cNvPr id="101" name="直线箭头连接符 100"/>
+          <p:cNvCxnSpPr/>
+          <p:nvPr/>
+        </p:nvCxnSpPr>
+        <p:spPr>
+          <a:xfrm flipH="1">
+            <a:off x="5318742" y="3689747"/>
+            <a:ext cx="2180" cy="958552"/>
+          </a:xfrm>
+          <a:prstGeom prst="straightConnector1">
+            <a:avLst/>
+          </a:prstGeom>
+          <a:ln w="38100">
+            <a:headEnd type="triangle" w="med" len="lg"/>
+            <a:tailEnd type="triangle" w="med" len="lg"/>
+          </a:ln>
+        </p:spPr>
+        <p:style>
+          <a:lnRef idx="3">
+            <a:schemeClr val="accent1"/>
+          </a:lnRef>
+          <a:fillRef idx="0">
+            <a:schemeClr val="accent1"/>
+          </a:fillRef>
+          <a:effectRef idx="2">
+            <a:schemeClr val="accent1"/>
+          </a:effectRef>
+          <a:fontRef idx="minor">
+            <a:schemeClr val="tx1"/>
+          </a:fontRef>
+        </p:style>
+      </p:cxnSp>
+      <p:cxnSp>
+        <p:nvCxnSpPr>
+          <p:cNvPr id="104" name="直线箭头连接符 103"/>
+          <p:cNvCxnSpPr/>
+          <p:nvPr/>
+        </p:nvCxnSpPr>
+        <p:spPr>
+          <a:xfrm flipH="1">
+            <a:off x="9560160" y="3993657"/>
+            <a:ext cx="8061" cy="622948"/>
+          </a:xfrm>
+          <a:prstGeom prst="straightConnector1">
+            <a:avLst/>
+          </a:prstGeom>
+          <a:ln w="38100">
+            <a:headEnd type="triangle" w="med" len="lg"/>
+            <a:tailEnd type="triangle" w="med" len="lg"/>
+          </a:ln>
+        </p:spPr>
+        <p:style>
+          <a:lnRef idx="3">
+            <a:schemeClr val="accent1"/>
+          </a:lnRef>
+          <a:fillRef idx="0">
+            <a:schemeClr val="accent1"/>
+          </a:fillRef>
+          <a:effectRef idx="2">
+            <a:schemeClr val="accent1"/>
+          </a:effectRef>
+          <a:fontRef idx="minor">
+            <a:schemeClr val="tx1"/>
+          </a:fontRef>
+        </p:style>
+      </p:cxnSp>
+      <p:cxnSp>
+        <p:nvCxnSpPr>
+          <p:cNvPr id="111" name="直线箭头连接符 110"/>
+          <p:cNvCxnSpPr/>
+          <p:nvPr/>
+        </p:nvCxnSpPr>
+        <p:spPr>
+          <a:xfrm flipH="1">
+            <a:off x="9534714" y="2748272"/>
+            <a:ext cx="8061" cy="622948"/>
+          </a:xfrm>
+          <a:prstGeom prst="straightConnector1">
+            <a:avLst/>
+          </a:prstGeom>
+          <a:ln w="38100">
+            <a:headEnd type="triangle" w="med" len="lg"/>
+            <a:tailEnd type="triangle" w="med" len="lg"/>
+          </a:ln>
+        </p:spPr>
+        <p:style>
+          <a:lnRef idx="3">
+            <a:schemeClr val="accent1"/>
+          </a:lnRef>
+          <a:fillRef idx="0">
+            <a:schemeClr val="accent1"/>
+          </a:fillRef>
+          <a:effectRef idx="2">
+            <a:schemeClr val="accent1"/>
+          </a:effectRef>
+          <a:fontRef idx="minor">
+            <a:schemeClr val="tx1"/>
+          </a:fontRef>
+        </p:style>
+      </p:cxnSp>
+      <p:sp>
+        <p:nvSpPr>
+          <p:cNvPr id="112" name="文本框 111"/>
+          <p:cNvSpPr txBox="1"/>
+          <p:nvPr/>
+        </p:nvSpPr>
+        <p:spPr>
+          <a:xfrm>
+            <a:off x="3494017" y="4704687"/>
+            <a:ext cx="732636" cy="369332"/>
+          </a:xfrm>
+          <a:prstGeom prst="rect">
+            <a:avLst/>
+          </a:prstGeom>
+          <a:noFill/>
+        </p:spPr>
+        <p:txBody>
+          <a:bodyPr wrap="none" rtlCol="0">
+            <a:spAutoFit/>
+          </a:bodyPr>
+          <a:lstStyle/>
+          <a:p>
+            <a:r>
+              <a:rPr kumimoji="1" lang="en-US" altLang="zh-CN" dirty="0" smtClean="0">
+                <a:latin typeface="Microsoft YaHei" charset="0"/>
+                <a:ea typeface="Microsoft YaHei" charset="0"/>
+                <a:cs typeface="Microsoft YaHei" charset="0"/>
+              </a:rPr>
+              <a:t>write</a:t>
+            </a:r>
+            <a:endParaRPr kumimoji="1" lang="zh-CN" altLang="en-US" dirty="0">
+              <a:latin typeface="Microsoft YaHei" charset="0"/>
+              <a:ea typeface="Microsoft YaHei" charset="0"/>
+              <a:cs typeface="Microsoft YaHei" charset="0"/>
+            </a:endParaRPr>
+          </a:p>
+        </p:txBody>
+      </p:sp>
+      <p:sp>
+        <p:nvSpPr>
+          <p:cNvPr id="113" name="文本框 112"/>
+          <p:cNvSpPr txBox="1"/>
+          <p:nvPr/>
+        </p:nvSpPr>
+        <p:spPr>
+          <a:xfrm>
+            <a:off x="5318059" y="3989660"/>
+            <a:ext cx="837089" cy="369332"/>
+          </a:xfrm>
+          <a:prstGeom prst="rect">
+            <a:avLst/>
+          </a:prstGeom>
+          <a:noFill/>
+        </p:spPr>
+        <p:txBody>
+          <a:bodyPr wrap="none" rtlCol="0">
+            <a:spAutoFit/>
+          </a:bodyPr>
+          <a:lstStyle/>
+          <a:p>
+            <a:r>
+              <a:rPr kumimoji="1" lang="en-US" altLang="zh-CN" dirty="0" smtClean="0">
+                <a:latin typeface="Microsoft YaHei" charset="0"/>
+                <a:ea typeface="Microsoft YaHei" charset="0"/>
+                <a:cs typeface="Microsoft YaHei" charset="0"/>
+              </a:rPr>
+              <a:t>watch</a:t>
+            </a:r>
+            <a:endParaRPr kumimoji="1" lang="zh-CN" altLang="en-US" dirty="0">
+              <a:latin typeface="Microsoft YaHei" charset="0"/>
+              <a:ea typeface="Microsoft YaHei" charset="0"/>
+              <a:cs typeface="Microsoft YaHei" charset="0"/>
+            </a:endParaRPr>
+          </a:p>
+        </p:txBody>
+      </p:sp>
+      <p:sp>
+        <p:nvSpPr>
+          <p:cNvPr id="114" name="文本框 113"/>
+          <p:cNvSpPr txBox="1"/>
+          <p:nvPr/>
+        </p:nvSpPr>
+        <p:spPr>
+          <a:xfrm>
+            <a:off x="9595640" y="4024548"/>
+            <a:ext cx="837089" cy="369332"/>
+          </a:xfrm>
+          <a:prstGeom prst="rect">
+            <a:avLst/>
+          </a:prstGeom>
+          <a:noFill/>
+        </p:spPr>
+        <p:txBody>
+          <a:bodyPr wrap="none" rtlCol="0">
+            <a:spAutoFit/>
+          </a:bodyPr>
+          <a:lstStyle/>
+          <a:p>
+            <a:r>
+              <a:rPr kumimoji="1" lang="en-US" altLang="zh-CN" dirty="0" smtClean="0">
+                <a:latin typeface="Microsoft YaHei" charset="0"/>
+                <a:ea typeface="Microsoft YaHei" charset="0"/>
+                <a:cs typeface="Microsoft YaHei" charset="0"/>
+              </a:rPr>
+              <a:t>watch</a:t>
+            </a:r>
+            <a:endParaRPr kumimoji="1" lang="zh-CN" altLang="en-US" dirty="0">
+              <a:latin typeface="Microsoft YaHei" charset="0"/>
+              <a:ea typeface="Microsoft YaHei" charset="0"/>
+              <a:cs typeface="Microsoft YaHei" charset="0"/>
+            </a:endParaRPr>
+          </a:p>
+        </p:txBody>
+      </p:sp>
+      <p:sp>
+        <p:nvSpPr>
+          <p:cNvPr id="115" name="文本框 114"/>
+          <p:cNvSpPr txBox="1"/>
+          <p:nvPr/>
+        </p:nvSpPr>
+        <p:spPr>
+          <a:xfrm>
+            <a:off x="9571119" y="2907260"/>
+            <a:ext cx="1550424" cy="369332"/>
+          </a:xfrm>
+          <a:prstGeom prst="rect">
+            <a:avLst/>
+          </a:prstGeom>
+          <a:noFill/>
+        </p:spPr>
+        <p:txBody>
+          <a:bodyPr wrap="none" rtlCol="0">
+            <a:spAutoFit/>
+          </a:bodyPr>
+          <a:lstStyle/>
+          <a:p>
+            <a:r>
+              <a:rPr kumimoji="1" lang="en-US" altLang="zh-CN" dirty="0">
+                <a:latin typeface="Microsoft YaHei" charset="0"/>
+                <a:ea typeface="Microsoft YaHei" charset="0"/>
+                <a:cs typeface="Microsoft YaHei" charset="0"/>
+              </a:rPr>
+              <a:t>long-polling</a:t>
+            </a:r>
+            <a:endParaRPr kumimoji="1" lang="zh-CN" altLang="en-US" dirty="0">
+              <a:latin typeface="Microsoft YaHei" charset="0"/>
+              <a:ea typeface="Microsoft YaHei" charset="0"/>
+              <a:cs typeface="Microsoft YaHei" charset="0"/>
+            </a:endParaRPr>
+          </a:p>
+        </p:txBody>
+      </p:sp>
+      <p:sp>
+        <p:nvSpPr>
+          <p:cNvPr id="116" name="可选流程 115"/>
+          <p:cNvSpPr/>
+          <p:nvPr/>
+        </p:nvSpPr>
+        <p:spPr>
+          <a:xfrm>
+            <a:off x="8653353" y="4923860"/>
+            <a:ext cx="1521046" cy="520470"/>
+          </a:xfrm>
+          <a:prstGeom prst="flowChartAlternateProcess">
+            <a:avLst/>
+          </a:prstGeom>
+          <a:solidFill>
+            <a:srgbClr val="FAA756"/>
+          </a:solidFill>
+          <a:ln>
+            <a:noFill/>
+          </a:ln>
+          <a:effectLst>
+            <a:outerShdw blurRad="57150" dist="19050" dir="5400000" algn="ctr" rotWithShape="0">
+              <a:srgbClr val="000000">
+                <a:alpha val="63000"/>
+              </a:srgbClr>
+            </a:outerShdw>
+          </a:effectLst>
+        </p:spPr>
+        <p:txBody>
+          <a:bodyPr anchor="ctr"/>
+          <a:lstStyle/>
+          <a:p>
+            <a:pPr algn="ctr" defTabSz="1219170" eaLnBrk="0" fontAlgn="base" hangingPunct="0">
+              <a:spcBef>
+                <a:spcPct val="0"/>
+              </a:spcBef>
+              <a:spcAft>
+                <a:spcPct val="0"/>
+              </a:spcAft>
+              <a:defRPr/>
+            </a:pPr>
+            <a:r>
+              <a:rPr kumimoji="1" lang="en-US" altLang="zh-CN" kern="0" dirty="0" smtClean="0">
+                <a:latin typeface="Microsoft YaHei" charset="0"/>
+                <a:ea typeface="Microsoft YaHei" charset="0"/>
+                <a:cs typeface="Microsoft YaHei" charset="0"/>
+              </a:rPr>
+              <a:t>zk</a:t>
+            </a:r>
+            <a:endParaRPr kumimoji="1" lang="zh-CN" altLang="en-US" kern="0" dirty="0">
+              <a:latin typeface="Microsoft YaHei" charset="0"/>
+              <a:ea typeface="Microsoft YaHei" charset="0"/>
+              <a:cs typeface="Microsoft YaHei" charset="0"/>
+            </a:endParaRPr>
+          </a:p>
+        </p:txBody>
+      </p:sp>
+      <p:sp>
+        <p:nvSpPr>
+          <p:cNvPr id="121" name="可选流程 120"/>
+          <p:cNvSpPr/>
+          <p:nvPr/>
+        </p:nvSpPr>
+        <p:spPr>
+          <a:xfrm>
+            <a:off x="6749132" y="2924765"/>
+            <a:ext cx="1515819" cy="520470"/>
+          </a:xfrm>
+          <a:prstGeom prst="flowChartAlternateProcess">
+            <a:avLst/>
+          </a:prstGeom>
+          <a:solidFill>
+            <a:srgbClr val="D8D8D8"/>
+          </a:solidFill>
+          <a:ln>
+            <a:noFill/>
+          </a:ln>
+          <a:effectLst>
+            <a:outerShdw blurRad="57150" dist="19050" dir="5400000" algn="ctr" rotWithShape="0">
+              <a:srgbClr val="000000">
+                <a:alpha val="63000"/>
+              </a:srgbClr>
+            </a:outerShdw>
+          </a:effectLst>
+        </p:spPr>
+        <p:txBody>
+          <a:bodyPr anchor="ctr"/>
+          <a:lstStyle/>
+          <a:p>
+            <a:pPr algn="ctr" defTabSz="1219170" eaLnBrk="0" fontAlgn="base" hangingPunct="0">
+              <a:spcBef>
+                <a:spcPct val="0"/>
+              </a:spcBef>
+              <a:spcAft>
+                <a:spcPct val="0"/>
+              </a:spcAft>
+              <a:defRPr/>
+            </a:pPr>
+            <a:r>
+              <a:rPr kumimoji="1" lang="en-US" altLang="zh-CN" kern="0" dirty="0" smtClean="0">
+                <a:solidFill>
+                  <a:prstClr val="black"/>
+                </a:solidFill>
+                <a:latin typeface="Microsoft YaHei" charset="0"/>
+                <a:ea typeface="Microsoft YaHei" charset="0"/>
+                <a:cs typeface="Microsoft YaHei" charset="0"/>
+              </a:rPr>
+              <a:t>client</a:t>
+            </a:r>
+            <a:endParaRPr kumimoji="1" lang="zh-CN" altLang="en-US" kern="0" dirty="0">
+              <a:solidFill>
+                <a:prstClr val="black"/>
+              </a:solidFill>
+              <a:latin typeface="Microsoft YaHei" charset="0"/>
+              <a:ea typeface="Microsoft YaHei" charset="0"/>
+              <a:cs typeface="Microsoft YaHei" charset="0"/>
+            </a:endParaRPr>
+          </a:p>
+        </p:txBody>
+      </p:sp>
+      <p:sp>
+        <p:nvSpPr>
+          <p:cNvPr id="122" name="矩形 121"/>
+          <p:cNvSpPr/>
+          <p:nvPr/>
+        </p:nvSpPr>
+        <p:spPr>
+          <a:xfrm>
+            <a:off x="6484852" y="1982352"/>
+            <a:ext cx="1939111" cy="1666791"/>
+          </a:xfrm>
+          <a:prstGeom prst="rect">
+            <a:avLst/>
+          </a:prstGeom>
+          <a:noFill/>
+          <a:ln w="12700" cap="flat" cmpd="sng" algn="ctr">
+            <a:solidFill>
+              <a:srgbClr val="5B9BD5">
+                <a:shade val="50000"/>
+              </a:srgbClr>
+            </a:solidFill>
+            <a:prstDash val="dash"/>
+            <a:miter lim="800000"/>
+          </a:ln>
+          <a:effectLst/>
+        </p:spPr>
+        <p:txBody>
+          <a:bodyPr anchor="b"/>
+          <a:lstStyle/>
+          <a:p>
+            <a:pPr algn="ctr" defTabSz="1219170" eaLnBrk="0" fontAlgn="base" hangingPunct="0">
+              <a:spcBef>
+                <a:spcPct val="0"/>
+              </a:spcBef>
+              <a:spcAft>
+                <a:spcPct val="0"/>
+              </a:spcAft>
+              <a:defRPr/>
+            </a:pPr>
+            <a:endParaRPr kumimoji="1" lang="zh-CN" altLang="en-US" kern="0" dirty="0">
+              <a:latin typeface="Microsoft YaHei" charset="0"/>
+              <a:ea typeface="Microsoft YaHei" charset="0"/>
+              <a:cs typeface="Microsoft YaHei" charset="0"/>
+            </a:endParaRPr>
+          </a:p>
+        </p:txBody>
+      </p:sp>
+      <p:sp>
+        <p:nvSpPr>
+          <p:cNvPr id="123" name="可选流程 122"/>
+          <p:cNvSpPr/>
+          <p:nvPr/>
+        </p:nvSpPr>
+        <p:spPr>
+          <a:xfrm>
+            <a:off x="6722786" y="2180640"/>
+            <a:ext cx="1517803" cy="520470"/>
+          </a:xfrm>
+          <a:prstGeom prst="flowChartAlternateProcess">
+            <a:avLst/>
+          </a:prstGeom>
+          <a:ln/>
+        </p:spPr>
+        <p:style>
+          <a:lnRef idx="2">
+            <a:schemeClr val="accent6"/>
+          </a:lnRef>
+          <a:fillRef idx="1">
+            <a:schemeClr val="lt1"/>
+          </a:fillRef>
+          <a:effectRef idx="0">
+            <a:schemeClr val="accent6"/>
+          </a:effectRef>
+          <a:fontRef idx="minor">
+            <a:schemeClr val="dk1"/>
+          </a:fontRef>
+        </p:style>
+        <p:txBody>
+          <a:bodyPr anchor="ctr"/>
+          <a:lstStyle/>
+          <a:p>
+            <a:pPr algn="ctr" defTabSz="1219170" eaLnBrk="0" fontAlgn="base" hangingPunct="0">
+              <a:spcBef>
+                <a:spcPct val="0"/>
+              </a:spcBef>
+              <a:spcAft>
+                <a:spcPct val="0"/>
+              </a:spcAft>
+              <a:defRPr/>
+            </a:pPr>
+            <a:r>
+              <a:rPr kumimoji="1" lang="en-US" altLang="zh-CN" kern="0" dirty="0" smtClean="0">
+                <a:solidFill>
+                  <a:prstClr val="black"/>
+                </a:solidFill>
+                <a:latin typeface="Microsoft YaHei" charset="0"/>
+                <a:ea typeface="Microsoft YaHei" charset="0"/>
+                <a:cs typeface="Microsoft YaHei" charset="0"/>
+              </a:rPr>
+              <a:t>app</a:t>
+            </a:r>
+            <a:r>
+              <a:rPr kumimoji="1" lang="zh-CN" altLang="en-US" kern="0" dirty="0" smtClean="0">
+                <a:solidFill>
+                  <a:prstClr val="black"/>
+                </a:solidFill>
+                <a:latin typeface="Microsoft YaHei" charset="0"/>
+                <a:ea typeface="Microsoft YaHei" charset="0"/>
+                <a:cs typeface="Microsoft YaHei" charset="0"/>
+              </a:rPr>
+              <a:t> </a:t>
+            </a:r>
+            <a:r>
+              <a:rPr kumimoji="1" lang="en-US" altLang="zh-CN" kern="0" dirty="0" smtClean="0">
+                <a:solidFill>
+                  <a:prstClr val="black"/>
+                </a:solidFill>
+                <a:latin typeface="Microsoft YaHei" charset="0"/>
+                <a:ea typeface="Microsoft YaHei" charset="0"/>
+                <a:cs typeface="Microsoft YaHei" charset="0"/>
+              </a:rPr>
+              <a:t>(java)</a:t>
+            </a:r>
+            <a:endParaRPr kumimoji="1" lang="zh-CN" altLang="en-US" kern="0" dirty="0">
+              <a:solidFill>
+                <a:prstClr val="black"/>
+              </a:solidFill>
+              <a:latin typeface="Microsoft YaHei" charset="0"/>
+              <a:ea typeface="Microsoft YaHei" charset="0"/>
+              <a:cs typeface="Microsoft YaHei" charset="0"/>
+            </a:endParaRPr>
+          </a:p>
+        </p:txBody>
+      </p:sp>
+      <p:cxnSp>
+        <p:nvCxnSpPr>
+          <p:cNvPr id="124" name="直线箭头连接符 123"/>
+          <p:cNvCxnSpPr/>
+          <p:nvPr/>
+        </p:nvCxnSpPr>
+        <p:spPr>
+          <a:xfrm flipH="1">
+            <a:off x="7495787" y="3697333"/>
+            <a:ext cx="2180" cy="958552"/>
+          </a:xfrm>
+          <a:prstGeom prst="straightConnector1">
+            <a:avLst/>
+          </a:prstGeom>
+          <a:ln w="38100">
+            <a:headEnd type="triangle" w="med" len="lg"/>
+            <a:tailEnd type="triangle" w="med" len="lg"/>
+          </a:ln>
+        </p:spPr>
+        <p:style>
+          <a:lnRef idx="3">
+            <a:schemeClr val="accent1"/>
+          </a:lnRef>
+          <a:fillRef idx="0">
+            <a:schemeClr val="accent1"/>
+          </a:fillRef>
+          <a:effectRef idx="2">
+            <a:schemeClr val="accent1"/>
+          </a:effectRef>
+          <a:fontRef idx="minor">
+            <a:schemeClr val="tx1"/>
+          </a:fontRef>
+        </p:style>
+      </p:cxnSp>
+      <p:sp>
+        <p:nvSpPr>
+          <p:cNvPr id="125" name="文本框 124"/>
+          <p:cNvSpPr txBox="1"/>
+          <p:nvPr/>
+        </p:nvSpPr>
+        <p:spPr>
+          <a:xfrm>
+            <a:off x="7495104" y="3997246"/>
+            <a:ext cx="837089" cy="369332"/>
+          </a:xfrm>
+          <a:prstGeom prst="rect">
+            <a:avLst/>
+          </a:prstGeom>
+          <a:noFill/>
+        </p:spPr>
+        <p:txBody>
+          <a:bodyPr wrap="none" rtlCol="0">
+            <a:spAutoFit/>
+          </a:bodyPr>
+          <a:lstStyle/>
+          <a:p>
+            <a:r>
+              <a:rPr kumimoji="1" lang="en-US" altLang="zh-CN" dirty="0" smtClean="0">
+                <a:latin typeface="Microsoft YaHei" charset="0"/>
+                <a:ea typeface="Microsoft YaHei" charset="0"/>
+                <a:cs typeface="Microsoft YaHei" charset="0"/>
+              </a:rPr>
+              <a:t>watch</a:t>
+            </a:r>
+            <a:endParaRPr kumimoji="1" lang="zh-CN" altLang="en-US" dirty="0">
+              <a:latin typeface="Microsoft YaHei" charset="0"/>
+              <a:ea typeface="Microsoft YaHei" charset="0"/>
+              <a:cs typeface="Microsoft YaHei" charset="0"/>
+            </a:endParaRPr>
+          </a:p>
+        </p:txBody>
+      </p:sp>
+    </p:spTree>
+    <p:extLst>
+      <p:ext uri="{BB962C8B-B14F-4D97-AF65-F5344CB8AC3E}">
+        <p14:creationId xmlns:p14="http://schemas.microsoft.com/office/powerpoint/2010/main" val="1230897801"/>
+      </p:ext>
+    </p:extLst>
+  </p:cSld>
+  <p:clrMapOvr>
+    <a:masterClrMapping/>
+  </p:clrMapOvr>
+</p:sld>
+</file>
+
+<file path=ppt/slides/slide4.xml><?xml version="1.0" encoding="utf-8"?>
+<p:sld xmlns:a="http://schemas.openxmlformats.org/drawingml/2006/main" xmlns:r="http://schemas.openxmlformats.org/officeDocument/2006/relationships" xmlns:p="http://schemas.openxmlformats.org/presentationml/2006/main">
+  <p:cSld>
+    <p:spTree>
+      <p:nvGrpSpPr>
+        <p:cNvPr id="1" name=""/>
+        <p:cNvGrpSpPr/>
+        <p:nvPr/>
+      </p:nvGrpSpPr>
+      <p:grpSpPr>
+        <a:xfrm>
+          <a:off x="0" y="0"/>
+          <a:ext cx="0" cy="0"/>
+          <a:chOff x="0" y="0"/>
+          <a:chExt cx="0" cy="0"/>
+        </a:xfrm>
+      </p:grpSpPr>
+      <p:sp>
+        <p:nvSpPr>
+          <p:cNvPr id="26" name="矩形 25"/>
+          <p:cNvSpPr/>
+          <p:nvPr/>
+        </p:nvSpPr>
+        <p:spPr>
+          <a:xfrm>
+            <a:off x="3954349" y="6113966"/>
+            <a:ext cx="4170565" cy="830997"/>
+          </a:xfrm>
+          <a:prstGeom prst="rect">
+            <a:avLst/>
+          </a:prstGeom>
+        </p:spPr>
+        <p:txBody>
+          <a:bodyPr wrap="none">
+            <a:spAutoFit/>
+          </a:bodyPr>
+          <a:lstStyle/>
+          <a:p>
+            <a:pPr algn="ctr"/>
+            <a:r>
+              <a:rPr lang="en-US" altLang="zh-CN" sz="2400" dirty="0" smtClean="0">
+                <a:solidFill>
+                  <a:prstClr val="black"/>
+                </a:solidFill>
+                <a:latin typeface="Microsoft YaHei" charset="0"/>
+                <a:ea typeface="Microsoft YaHei" charset="0"/>
+                <a:cs typeface="Microsoft YaHei" charset="0"/>
+              </a:rPr>
+              <a:t>XXL-CONF </a:t>
+            </a:r>
+            <a:r>
+              <a:rPr lang="zh-CN" altLang="en-US" sz="2400" dirty="0" smtClean="0">
+                <a:solidFill>
+                  <a:prstClr val="black"/>
+                </a:solidFill>
+                <a:latin typeface="Microsoft YaHei" charset="0"/>
+                <a:ea typeface="Microsoft YaHei" charset="0"/>
+                <a:cs typeface="Microsoft YaHei" charset="0"/>
+              </a:rPr>
+              <a:t>客户端设计</a:t>
+            </a:r>
+            <a:r>
+              <a:rPr lang="zh-CN" altLang="en-US" sz="2400" dirty="0" smtClean="0">
+                <a:solidFill>
+                  <a:prstClr val="black"/>
+                </a:solidFill>
+                <a:latin typeface="Microsoft YaHei" charset="0"/>
+                <a:ea typeface="Microsoft YaHei" charset="0"/>
+                <a:cs typeface="Microsoft YaHei" charset="0"/>
+              </a:rPr>
+              <a:t> </a:t>
+            </a:r>
+            <a:r>
+              <a:rPr lang="en-US" altLang="zh-CN" sz="2400" dirty="0">
+                <a:solidFill>
+                  <a:prstClr val="black"/>
+                </a:solidFill>
+                <a:latin typeface="Microsoft YaHei" charset="0"/>
+                <a:ea typeface="Microsoft YaHei" charset="0"/>
+                <a:cs typeface="Microsoft YaHei" charset="0"/>
+              </a:rPr>
+              <a:t>v1.5</a:t>
+            </a:r>
+          </a:p>
+          <a:p>
+            <a:pPr algn="ctr"/>
+            <a:endParaRPr lang="en-US" altLang="zh-CN" sz="2400" dirty="0">
+              <a:solidFill>
+                <a:prstClr val="black"/>
+              </a:solidFill>
+              <a:latin typeface="Microsoft YaHei" charset="0"/>
+              <a:ea typeface="Microsoft YaHei" charset="0"/>
+              <a:cs typeface="Microsoft YaHei" charset="0"/>
+            </a:endParaRPr>
+          </a:p>
+        </p:txBody>
+      </p:sp>
+      <p:sp>
+        <p:nvSpPr>
+          <p:cNvPr id="32" name="矩形 31"/>
+          <p:cNvSpPr/>
+          <p:nvPr/>
+        </p:nvSpPr>
+        <p:spPr>
+          <a:xfrm>
+            <a:off x="5368090" y="2344953"/>
+            <a:ext cx="4225089" cy="3141448"/>
+          </a:xfrm>
+          <a:prstGeom prst="rect">
+            <a:avLst/>
+          </a:prstGeom>
+          <a:noFill/>
+          <a:ln w="12700" cap="flat" cmpd="sng" algn="ctr">
+            <a:solidFill>
+              <a:srgbClr val="5B9BD5">
+                <a:shade val="50000"/>
+              </a:srgbClr>
+            </a:solidFill>
+            <a:prstDash val="dash"/>
+            <a:miter lim="800000"/>
+          </a:ln>
+          <a:effectLst/>
+        </p:spPr>
+        <p:txBody>
+          <a:bodyPr anchor="b"/>
+          <a:lstStyle/>
+          <a:p>
+            <a:pPr algn="ctr" defTabSz="1219170" eaLnBrk="0" fontAlgn="base" hangingPunct="0">
+              <a:spcBef>
+                <a:spcPct val="0"/>
+              </a:spcBef>
+              <a:spcAft>
+                <a:spcPct val="0"/>
+              </a:spcAft>
+              <a:defRPr/>
+            </a:pPr>
+            <a:endParaRPr kumimoji="1" lang="zh-CN" altLang="en-US" kern="0" dirty="0">
+              <a:latin typeface="Microsoft YaHei" charset="0"/>
+              <a:ea typeface="Microsoft YaHei" charset="0"/>
+              <a:cs typeface="Microsoft YaHei" charset="0"/>
+            </a:endParaRPr>
+          </a:p>
+        </p:txBody>
+      </p:sp>
+      <p:sp>
+        <p:nvSpPr>
+          <p:cNvPr id="33" name="可选流程 32"/>
+          <p:cNvSpPr/>
+          <p:nvPr/>
+        </p:nvSpPr>
+        <p:spPr>
+          <a:xfrm>
+            <a:off x="5588849" y="2597271"/>
+            <a:ext cx="1517803" cy="520470"/>
+          </a:xfrm>
+          <a:prstGeom prst="flowChartAlternateProcess">
+            <a:avLst/>
+          </a:prstGeom>
+          <a:ln/>
+        </p:spPr>
+        <p:style>
+          <a:lnRef idx="2">
+            <a:schemeClr val="dk1"/>
+          </a:lnRef>
+          <a:fillRef idx="1">
+            <a:schemeClr val="lt1"/>
+          </a:fillRef>
+          <a:effectRef idx="0">
+            <a:schemeClr val="dk1"/>
+          </a:effectRef>
+          <a:fontRef idx="minor">
+            <a:schemeClr val="dk1"/>
+          </a:fontRef>
+        </p:style>
+        <p:txBody>
+          <a:bodyPr anchor="ctr"/>
+          <a:lstStyle/>
+          <a:p>
+            <a:pPr algn="ctr" defTabSz="1219170" eaLnBrk="0" fontAlgn="base" hangingPunct="0">
+              <a:spcBef>
+                <a:spcPct val="0"/>
+              </a:spcBef>
+              <a:spcAft>
+                <a:spcPct val="0"/>
+              </a:spcAft>
+              <a:defRPr/>
+            </a:pPr>
+            <a:r>
+              <a:rPr kumimoji="1" lang="en-US" altLang="zh-CN" kern="0" dirty="0" smtClean="0">
+                <a:solidFill>
+                  <a:prstClr val="black"/>
+                </a:solidFill>
+                <a:latin typeface="Microsoft YaHei" charset="0"/>
+                <a:ea typeface="Microsoft YaHei" charset="0"/>
+                <a:cs typeface="Microsoft YaHei" charset="0"/>
+              </a:rPr>
+              <a:t>API</a:t>
+            </a:r>
+            <a:endParaRPr kumimoji="1" lang="zh-CN" altLang="en-US" kern="0" dirty="0">
+              <a:solidFill>
+                <a:prstClr val="black"/>
+              </a:solidFill>
+              <a:latin typeface="Microsoft YaHei" charset="0"/>
+              <a:ea typeface="Microsoft YaHei" charset="0"/>
+              <a:cs typeface="Microsoft YaHei" charset="0"/>
+            </a:endParaRPr>
+          </a:p>
+        </p:txBody>
+      </p:sp>
+      <p:sp>
+        <p:nvSpPr>
+          <p:cNvPr id="34" name="可选流程 33"/>
+          <p:cNvSpPr/>
+          <p:nvPr/>
+        </p:nvSpPr>
+        <p:spPr>
+          <a:xfrm>
+            <a:off x="2372696" y="4779672"/>
+            <a:ext cx="1515819" cy="520470"/>
+          </a:xfrm>
+          <a:prstGeom prst="flowChartAlternateProcess">
+            <a:avLst/>
+          </a:prstGeom>
+          <a:ln/>
+        </p:spPr>
+        <p:style>
+          <a:lnRef idx="2">
+            <a:schemeClr val="accent6"/>
+          </a:lnRef>
+          <a:fillRef idx="1">
+            <a:schemeClr val="lt1"/>
+          </a:fillRef>
+          <a:effectRef idx="0">
+            <a:schemeClr val="accent6"/>
+          </a:effectRef>
+          <a:fontRef idx="minor">
+            <a:schemeClr val="dk1"/>
+          </a:fontRef>
+        </p:style>
+        <p:txBody>
+          <a:bodyPr anchor="ctr"/>
+          <a:lstStyle/>
+          <a:p>
+            <a:pPr algn="ctr" defTabSz="1219170" eaLnBrk="0" fontAlgn="base" hangingPunct="0">
+              <a:spcBef>
+                <a:spcPct val="0"/>
+              </a:spcBef>
+              <a:spcAft>
+                <a:spcPct val="0"/>
+              </a:spcAft>
+              <a:defRPr/>
+            </a:pPr>
+            <a:r>
+              <a:rPr kumimoji="1" lang="en-US" altLang="zh-CN" kern="0" dirty="0" smtClean="0">
+                <a:solidFill>
+                  <a:prstClr val="black"/>
+                </a:solidFill>
+                <a:latin typeface="Microsoft YaHei" charset="0"/>
+                <a:ea typeface="Microsoft YaHei" charset="0"/>
+                <a:cs typeface="Microsoft YaHei" charset="0"/>
+              </a:rPr>
+              <a:t>conf</a:t>
+            </a:r>
+            <a:r>
+              <a:rPr kumimoji="1" lang="zh-CN" altLang="en-US" kern="0" dirty="0" smtClean="0">
+                <a:solidFill>
+                  <a:prstClr val="black"/>
+                </a:solidFill>
+                <a:latin typeface="Microsoft YaHei" charset="0"/>
+                <a:ea typeface="Microsoft YaHei" charset="0"/>
+                <a:cs typeface="Microsoft YaHei" charset="0"/>
+              </a:rPr>
+              <a:t> </a:t>
+            </a:r>
+            <a:r>
+              <a:rPr kumimoji="1" lang="en-US" altLang="zh-CN" kern="0" dirty="0" smtClean="0">
+                <a:solidFill>
+                  <a:prstClr val="black"/>
+                </a:solidFill>
+                <a:latin typeface="Microsoft YaHei" charset="0"/>
+                <a:ea typeface="Microsoft YaHei" charset="0"/>
+                <a:cs typeface="Microsoft YaHei" charset="0"/>
+              </a:rPr>
+              <a:t>server</a:t>
+            </a:r>
+            <a:endParaRPr kumimoji="1" lang="zh-CN" altLang="en-US" kern="0" dirty="0">
+              <a:solidFill>
+                <a:prstClr val="black"/>
+              </a:solidFill>
+              <a:latin typeface="Microsoft YaHei" charset="0"/>
+              <a:ea typeface="Microsoft YaHei" charset="0"/>
+              <a:cs typeface="Microsoft YaHei" charset="0"/>
+            </a:endParaRPr>
+          </a:p>
+        </p:txBody>
+      </p:sp>
+      <p:sp>
+        <p:nvSpPr>
+          <p:cNvPr id="35" name="可选流程 34"/>
+          <p:cNvSpPr/>
+          <p:nvPr/>
+        </p:nvSpPr>
+        <p:spPr>
+          <a:xfrm>
+            <a:off x="2372695" y="2635640"/>
+            <a:ext cx="1515819" cy="520470"/>
+          </a:xfrm>
+          <a:prstGeom prst="flowChartAlternateProcess">
+            <a:avLst/>
+          </a:prstGeom>
+          <a:ln/>
+        </p:spPr>
+        <p:style>
+          <a:lnRef idx="2">
+            <a:schemeClr val="accent6"/>
+          </a:lnRef>
+          <a:fillRef idx="1">
+            <a:schemeClr val="lt1"/>
+          </a:fillRef>
+          <a:effectRef idx="0">
+            <a:schemeClr val="accent6"/>
+          </a:effectRef>
+          <a:fontRef idx="minor">
+            <a:schemeClr val="dk1"/>
+          </a:fontRef>
+        </p:style>
+        <p:txBody>
+          <a:bodyPr anchor="ctr"/>
+          <a:lstStyle/>
+          <a:p>
+            <a:pPr algn="ctr" defTabSz="1219170" eaLnBrk="0" fontAlgn="base" hangingPunct="0">
+              <a:spcBef>
+                <a:spcPct val="0"/>
+              </a:spcBef>
+              <a:spcAft>
+                <a:spcPct val="0"/>
+              </a:spcAft>
+              <a:defRPr/>
+            </a:pPr>
+            <a:r>
+              <a:rPr kumimoji="1" lang="en-US" altLang="zh-CN" kern="0" dirty="0" smtClean="0">
+                <a:solidFill>
+                  <a:prstClr val="black"/>
+                </a:solidFill>
+                <a:latin typeface="Microsoft YaHei" charset="0"/>
+                <a:ea typeface="Microsoft YaHei" charset="0"/>
+                <a:cs typeface="Microsoft YaHei" charset="0"/>
+              </a:rPr>
+              <a:t>app</a:t>
+            </a:r>
+            <a:endParaRPr kumimoji="1" lang="zh-CN" altLang="en-US" kern="0" dirty="0">
+              <a:solidFill>
+                <a:prstClr val="black"/>
+              </a:solidFill>
+              <a:latin typeface="Microsoft YaHei" charset="0"/>
+              <a:ea typeface="Microsoft YaHei" charset="0"/>
+              <a:cs typeface="Microsoft YaHei" charset="0"/>
+            </a:endParaRPr>
+          </a:p>
+        </p:txBody>
+      </p:sp>
+      <p:cxnSp>
+        <p:nvCxnSpPr>
+          <p:cNvPr id="36" name="直线箭头连接符 35"/>
+          <p:cNvCxnSpPr/>
+          <p:nvPr/>
+        </p:nvCxnSpPr>
+        <p:spPr>
+          <a:xfrm>
+            <a:off x="4013483" y="2895875"/>
+            <a:ext cx="1072367" cy="7056"/>
+          </a:xfrm>
+          <a:prstGeom prst="straightConnector1">
+            <a:avLst/>
+          </a:prstGeom>
+          <a:ln w="38100">
+            <a:headEnd type="triangle" w="med" len="lg"/>
+            <a:tailEnd type="none" w="med" len="lg"/>
+          </a:ln>
+        </p:spPr>
+        <p:style>
+          <a:lnRef idx="3">
+            <a:schemeClr val="accent1"/>
+          </a:lnRef>
+          <a:fillRef idx="0">
+            <a:schemeClr val="accent1"/>
+          </a:fillRef>
+          <a:effectRef idx="2">
+            <a:schemeClr val="accent1"/>
+          </a:effectRef>
+          <a:fontRef idx="minor">
+            <a:schemeClr val="tx1"/>
+          </a:fontRef>
+        </p:style>
+      </p:cxnSp>
+      <p:cxnSp>
+        <p:nvCxnSpPr>
+          <p:cNvPr id="39" name="直线箭头连接符 38"/>
+          <p:cNvCxnSpPr/>
+          <p:nvPr/>
+        </p:nvCxnSpPr>
+        <p:spPr>
+          <a:xfrm flipH="1" flipV="1">
+            <a:off x="4053682" y="5039907"/>
+            <a:ext cx="1052234" cy="387"/>
+          </a:xfrm>
+          <a:prstGeom prst="straightConnector1">
+            <a:avLst/>
+          </a:prstGeom>
+          <a:ln w="38100">
+            <a:headEnd type="triangle" w="med" len="lg"/>
+            <a:tailEnd type="none" w="med" len="lg"/>
+          </a:ln>
+        </p:spPr>
+        <p:style>
+          <a:lnRef idx="3">
+            <a:schemeClr val="accent1"/>
+          </a:lnRef>
+          <a:fillRef idx="0">
+            <a:schemeClr val="accent1"/>
+          </a:fillRef>
+          <a:effectRef idx="2">
+            <a:schemeClr val="accent1"/>
+          </a:effectRef>
+          <a:fontRef idx="minor">
+            <a:schemeClr val="tx1"/>
+          </a:fontRef>
+        </p:style>
+      </p:cxnSp>
+      <p:sp>
+        <p:nvSpPr>
+          <p:cNvPr id="45" name="可选流程 44"/>
+          <p:cNvSpPr/>
+          <p:nvPr/>
+        </p:nvSpPr>
+        <p:spPr>
+          <a:xfrm>
+            <a:off x="5585606" y="3655048"/>
+            <a:ext cx="1521046" cy="520470"/>
+          </a:xfrm>
+          <a:prstGeom prst="flowChartAlternateProcess">
+            <a:avLst/>
+          </a:prstGeom>
+          <a:solidFill>
+            <a:srgbClr val="FAA756"/>
+          </a:solidFill>
+          <a:ln>
+            <a:noFill/>
+          </a:ln>
+          <a:effectLst>
+            <a:outerShdw blurRad="57150" dist="19050" dir="5400000" algn="ctr" rotWithShape="0">
+              <a:srgbClr val="000000">
+                <a:alpha val="63000"/>
+              </a:srgbClr>
+            </a:outerShdw>
+          </a:effectLst>
+        </p:spPr>
+        <p:txBody>
+          <a:bodyPr anchor="ctr"/>
+          <a:lstStyle/>
+          <a:p>
+            <a:pPr algn="ctr" defTabSz="1219170" eaLnBrk="0" fontAlgn="base" hangingPunct="0">
+              <a:spcBef>
+                <a:spcPct val="0"/>
+              </a:spcBef>
+              <a:spcAft>
+                <a:spcPct val="0"/>
+              </a:spcAft>
+              <a:defRPr/>
+            </a:pPr>
+            <a:r>
+              <a:rPr kumimoji="1" lang="en-US" altLang="zh-CN" kern="0" dirty="0" smtClean="0">
+                <a:latin typeface="Microsoft YaHei" charset="0"/>
+                <a:ea typeface="Microsoft YaHei" charset="0"/>
+                <a:cs typeface="Microsoft YaHei" charset="0"/>
+              </a:rPr>
+              <a:t>Ehcache</a:t>
+            </a:r>
+            <a:endParaRPr kumimoji="1" lang="zh-CN" altLang="en-US" kern="0" dirty="0">
+              <a:latin typeface="Microsoft YaHei" charset="0"/>
+              <a:ea typeface="Microsoft YaHei" charset="0"/>
+              <a:cs typeface="Microsoft YaHei" charset="0"/>
+            </a:endParaRPr>
+          </a:p>
+        </p:txBody>
+      </p:sp>
+      <p:sp>
+        <p:nvSpPr>
+          <p:cNvPr id="46" name="可选流程 45"/>
+          <p:cNvSpPr/>
+          <p:nvPr/>
+        </p:nvSpPr>
+        <p:spPr>
+          <a:xfrm>
+            <a:off x="5585606" y="4712826"/>
+            <a:ext cx="1521046" cy="520470"/>
+          </a:xfrm>
+          <a:prstGeom prst="flowChartAlternateProcess">
+            <a:avLst/>
+          </a:prstGeom>
+          <a:solidFill>
+            <a:srgbClr val="FAA756"/>
+          </a:solidFill>
+          <a:ln>
+            <a:noFill/>
+          </a:ln>
+          <a:effectLst>
+            <a:outerShdw blurRad="57150" dist="19050" dir="5400000" algn="ctr" rotWithShape="0">
+              <a:srgbClr val="000000">
+                <a:alpha val="63000"/>
+              </a:srgbClr>
+            </a:outerShdw>
+          </a:effectLst>
+        </p:spPr>
+        <p:txBody>
+          <a:bodyPr anchor="ctr"/>
+          <a:lstStyle/>
+          <a:p>
+            <a:pPr algn="ctr" defTabSz="1219170" eaLnBrk="0" fontAlgn="base" hangingPunct="0">
+              <a:spcBef>
+                <a:spcPct val="0"/>
+              </a:spcBef>
+              <a:spcAft>
+                <a:spcPct val="0"/>
+              </a:spcAft>
+              <a:defRPr/>
+            </a:pPr>
+            <a:r>
+              <a:rPr kumimoji="1" lang="en-US" altLang="zh-CN" kern="0" dirty="0" err="1" smtClean="0">
+                <a:latin typeface="Microsoft YaHei" charset="0"/>
+                <a:ea typeface="Microsoft YaHei" charset="0"/>
+                <a:cs typeface="Microsoft YaHei" charset="0"/>
+              </a:rPr>
+              <a:t>zk</a:t>
+            </a:r>
+            <a:r>
+              <a:rPr kumimoji="1" lang="en-US" altLang="zh-CN" kern="0" dirty="0" smtClean="0">
+                <a:latin typeface="Microsoft YaHei" charset="0"/>
+                <a:ea typeface="Microsoft YaHei" charset="0"/>
+                <a:cs typeface="Microsoft YaHei" charset="0"/>
+              </a:rPr>
+              <a:t>-client</a:t>
+            </a:r>
+            <a:endParaRPr kumimoji="1" lang="zh-CN" altLang="en-US" kern="0" dirty="0">
+              <a:latin typeface="Microsoft YaHei" charset="0"/>
+              <a:ea typeface="Microsoft YaHei" charset="0"/>
+              <a:cs typeface="Microsoft YaHei" charset="0"/>
+            </a:endParaRPr>
+          </a:p>
+        </p:txBody>
+      </p:sp>
+      <p:sp>
+        <p:nvSpPr>
+          <p:cNvPr id="47" name="文本框 46"/>
+          <p:cNvSpPr txBox="1"/>
+          <p:nvPr/>
+        </p:nvSpPr>
+        <p:spPr>
+          <a:xfrm>
+            <a:off x="3919941" y="4474342"/>
+            <a:ext cx="1279517" cy="369332"/>
+          </a:xfrm>
+          <a:prstGeom prst="rect">
+            <a:avLst/>
+          </a:prstGeom>
+          <a:noFill/>
+        </p:spPr>
+        <p:txBody>
+          <a:bodyPr wrap="none" rtlCol="0">
+            <a:spAutoFit/>
+          </a:bodyPr>
+          <a:lstStyle/>
+          <a:p>
+            <a:r>
+              <a:rPr kumimoji="1" lang="en-US" altLang="zh-CN" dirty="0" smtClean="0">
+                <a:latin typeface="Microsoft YaHei" charset="0"/>
+                <a:ea typeface="Microsoft YaHei" charset="0"/>
+                <a:cs typeface="Microsoft YaHei" charset="0"/>
+              </a:rPr>
+              <a:t>push</a:t>
+            </a:r>
+            <a:r>
+              <a:rPr kumimoji="1" lang="zh-CN" altLang="en-US" dirty="0" smtClean="0">
+                <a:latin typeface="Microsoft YaHei" charset="0"/>
+                <a:ea typeface="Microsoft YaHei" charset="0"/>
+                <a:cs typeface="Microsoft YaHei" charset="0"/>
+              </a:rPr>
+              <a:t> </a:t>
+            </a:r>
+            <a:r>
+              <a:rPr kumimoji="1" lang="en-US" altLang="zh-CN" dirty="0" smtClean="0">
+                <a:latin typeface="Microsoft YaHei" charset="0"/>
+                <a:ea typeface="Microsoft YaHei" charset="0"/>
+                <a:cs typeface="Microsoft YaHei" charset="0"/>
+              </a:rPr>
+              <a:t>con</a:t>
+            </a:r>
+            <a:r>
+              <a:rPr kumimoji="1" lang="en-US" altLang="zh-CN" dirty="0" smtClean="0">
+                <a:latin typeface="Microsoft YaHei" charset="0"/>
+                <a:ea typeface="Microsoft YaHei" charset="0"/>
+                <a:cs typeface="Microsoft YaHei" charset="0"/>
+              </a:rPr>
+              <a:t>f</a:t>
+            </a:r>
+            <a:endParaRPr kumimoji="1" lang="zh-CN" altLang="en-US" dirty="0">
+              <a:latin typeface="Microsoft YaHei" charset="0"/>
+              <a:ea typeface="Microsoft YaHei" charset="0"/>
+              <a:cs typeface="Microsoft YaHei" charset="0"/>
+            </a:endParaRPr>
+          </a:p>
+        </p:txBody>
+      </p:sp>
+      <p:sp>
+        <p:nvSpPr>
+          <p:cNvPr id="48" name="文本框 47"/>
+          <p:cNvSpPr txBox="1"/>
+          <p:nvPr/>
+        </p:nvSpPr>
+        <p:spPr>
+          <a:xfrm>
+            <a:off x="4055922" y="2344952"/>
+            <a:ext cx="1220206" cy="369332"/>
+          </a:xfrm>
+          <a:prstGeom prst="rect">
+            <a:avLst/>
+          </a:prstGeom>
+          <a:noFill/>
+        </p:spPr>
+        <p:txBody>
+          <a:bodyPr wrap="none" rtlCol="0">
+            <a:spAutoFit/>
+          </a:bodyPr>
+          <a:lstStyle/>
+          <a:p>
+            <a:r>
+              <a:rPr kumimoji="1" lang="en-US" altLang="zh-CN" dirty="0">
+                <a:latin typeface="Microsoft YaHei" charset="0"/>
+                <a:ea typeface="Microsoft YaHei" charset="0"/>
+                <a:cs typeface="Microsoft YaHei" charset="0"/>
+              </a:rPr>
+              <a:t>l</a:t>
+            </a:r>
+            <a:r>
+              <a:rPr kumimoji="1" lang="en-US" altLang="zh-CN" dirty="0" smtClean="0">
+                <a:latin typeface="Microsoft YaHei" charset="0"/>
+                <a:ea typeface="Microsoft YaHei" charset="0"/>
+                <a:cs typeface="Microsoft YaHei" charset="0"/>
+              </a:rPr>
+              <a:t>oad</a:t>
+            </a:r>
+            <a:r>
+              <a:rPr kumimoji="1" lang="zh-CN" altLang="en-US" dirty="0" smtClean="0">
+                <a:latin typeface="Microsoft YaHei" charset="0"/>
+                <a:ea typeface="Microsoft YaHei" charset="0"/>
+                <a:cs typeface="Microsoft YaHei" charset="0"/>
+              </a:rPr>
+              <a:t> </a:t>
+            </a:r>
+            <a:r>
+              <a:rPr kumimoji="1" lang="en-US" altLang="zh-CN" dirty="0" smtClean="0">
+                <a:latin typeface="Microsoft YaHei" charset="0"/>
+                <a:ea typeface="Microsoft YaHei" charset="0"/>
+                <a:cs typeface="Microsoft YaHei" charset="0"/>
+              </a:rPr>
+              <a:t>con</a:t>
+            </a:r>
+            <a:r>
+              <a:rPr kumimoji="1" lang="en-US" altLang="zh-CN" dirty="0" smtClean="0">
+                <a:latin typeface="Microsoft YaHei" charset="0"/>
+                <a:ea typeface="Microsoft YaHei" charset="0"/>
+                <a:cs typeface="Microsoft YaHei" charset="0"/>
+              </a:rPr>
+              <a:t>f</a:t>
+            </a:r>
+            <a:endParaRPr kumimoji="1" lang="zh-CN" altLang="en-US" dirty="0">
+              <a:latin typeface="Microsoft YaHei" charset="0"/>
+              <a:ea typeface="Microsoft YaHei" charset="0"/>
+              <a:cs typeface="Microsoft YaHei" charset="0"/>
+            </a:endParaRPr>
+          </a:p>
+        </p:txBody>
+      </p:sp>
+      <p:sp>
+        <p:nvSpPr>
+          <p:cNvPr id="49" name="可选流程 48"/>
+          <p:cNvSpPr/>
+          <p:nvPr/>
+        </p:nvSpPr>
+        <p:spPr>
+          <a:xfrm>
+            <a:off x="7851924" y="3655048"/>
+            <a:ext cx="1515819" cy="520470"/>
+          </a:xfrm>
+          <a:prstGeom prst="flowChartAlternateProcess">
+            <a:avLst/>
+          </a:prstGeom>
+          <a:solidFill>
+            <a:srgbClr val="D8D8D8"/>
+          </a:solidFill>
+          <a:ln>
+            <a:noFill/>
+          </a:ln>
+          <a:effectLst>
+            <a:outerShdw blurRad="57150" dist="19050" dir="5400000" algn="ctr" rotWithShape="0">
+              <a:srgbClr val="000000">
+                <a:alpha val="63000"/>
+              </a:srgbClr>
+            </a:outerShdw>
+          </a:effectLst>
+        </p:spPr>
+        <p:txBody>
+          <a:bodyPr anchor="ctr"/>
+          <a:lstStyle/>
+          <a:p>
+            <a:pPr algn="ctr" defTabSz="1219170" eaLnBrk="0" fontAlgn="base" hangingPunct="0">
+              <a:spcBef>
+                <a:spcPct val="0"/>
+              </a:spcBef>
+              <a:spcAft>
+                <a:spcPct val="0"/>
+              </a:spcAft>
+              <a:defRPr/>
+            </a:pPr>
+            <a:r>
+              <a:rPr kumimoji="1" lang="en-US" altLang="zh-CN" kern="0" dirty="0" smtClean="0">
+                <a:solidFill>
+                  <a:prstClr val="black"/>
+                </a:solidFill>
+                <a:latin typeface="Microsoft YaHei" charset="0"/>
+                <a:ea typeface="Microsoft YaHei" charset="0"/>
+                <a:cs typeface="Microsoft YaHei" charset="0"/>
+              </a:rPr>
+              <a:t>Mirror-File</a:t>
+            </a:r>
+            <a:endParaRPr kumimoji="1" lang="zh-CN" altLang="en-US" kern="0" dirty="0">
+              <a:solidFill>
+                <a:prstClr val="black"/>
+              </a:solidFill>
+              <a:latin typeface="Microsoft YaHei" charset="0"/>
+              <a:ea typeface="Microsoft YaHei" charset="0"/>
+              <a:cs typeface="Microsoft YaHei" charset="0"/>
+            </a:endParaRPr>
+          </a:p>
+        </p:txBody>
+      </p:sp>
+      <p:cxnSp>
+        <p:nvCxnSpPr>
+          <p:cNvPr id="50" name="直线箭头连接符 49"/>
+          <p:cNvCxnSpPr/>
+          <p:nvPr/>
+        </p:nvCxnSpPr>
+        <p:spPr>
+          <a:xfrm>
+            <a:off x="6320588" y="3181928"/>
+            <a:ext cx="0" cy="441036"/>
+          </a:xfrm>
+          <a:prstGeom prst="straightConnector1">
+            <a:avLst/>
+          </a:prstGeom>
+          <a:ln w="38100">
+            <a:headEnd type="triangle" w="med" len="lg"/>
+            <a:tailEnd type="none" w="med" len="lg"/>
+          </a:ln>
+        </p:spPr>
+        <p:style>
+          <a:lnRef idx="3">
+            <a:schemeClr val="accent1"/>
+          </a:lnRef>
+          <a:fillRef idx="0">
+            <a:schemeClr val="accent1"/>
+          </a:fillRef>
+          <a:effectRef idx="2">
+            <a:schemeClr val="accent1"/>
+          </a:effectRef>
+          <a:fontRef idx="minor">
+            <a:schemeClr val="tx1"/>
+          </a:fontRef>
+        </p:style>
+      </p:cxnSp>
+      <p:cxnSp>
+        <p:nvCxnSpPr>
+          <p:cNvPr id="59" name="直线箭头连接符 58"/>
+          <p:cNvCxnSpPr/>
+          <p:nvPr/>
+        </p:nvCxnSpPr>
+        <p:spPr>
+          <a:xfrm>
+            <a:off x="6346129" y="4223644"/>
+            <a:ext cx="0" cy="441036"/>
+          </a:xfrm>
+          <a:prstGeom prst="straightConnector1">
+            <a:avLst/>
+          </a:prstGeom>
+          <a:ln w="38100">
+            <a:headEnd type="triangle" w="med" len="lg"/>
+            <a:tailEnd type="none" w="med" len="lg"/>
+          </a:ln>
+        </p:spPr>
+        <p:style>
+          <a:lnRef idx="3">
+            <a:schemeClr val="accent1"/>
+          </a:lnRef>
+          <a:fillRef idx="0">
+            <a:schemeClr val="accent1"/>
+          </a:fillRef>
+          <a:effectRef idx="2">
+            <a:schemeClr val="accent1"/>
+          </a:effectRef>
+          <a:fontRef idx="minor">
+            <a:schemeClr val="tx1"/>
+          </a:fontRef>
+        </p:style>
+      </p:cxnSp>
+      <p:cxnSp>
+        <p:nvCxnSpPr>
+          <p:cNvPr id="60" name="直线箭头连接符 59"/>
+          <p:cNvCxnSpPr/>
+          <p:nvPr/>
+        </p:nvCxnSpPr>
+        <p:spPr>
+          <a:xfrm>
+            <a:off x="7202906" y="3915283"/>
+            <a:ext cx="517358" cy="0"/>
+          </a:xfrm>
+          <a:prstGeom prst="straightConnector1">
+            <a:avLst/>
+          </a:prstGeom>
+          <a:ln w="38100">
+            <a:headEnd type="triangle" w="med" len="lg"/>
+            <a:tailEnd type="triangle" w="med" len="lg"/>
+          </a:ln>
+        </p:spPr>
+        <p:style>
+          <a:lnRef idx="3">
+            <a:schemeClr val="accent1"/>
+          </a:lnRef>
+          <a:fillRef idx="0">
+            <a:schemeClr val="accent1"/>
+          </a:fillRef>
+          <a:effectRef idx="2">
+            <a:schemeClr val="accent1"/>
+          </a:effectRef>
+          <a:fontRef idx="minor">
+            <a:schemeClr val="tx1"/>
+          </a:fontRef>
+        </p:style>
+      </p:cxnSp>
+      <p:sp>
+        <p:nvSpPr>
+          <p:cNvPr id="75" name="文本框 74"/>
+          <p:cNvSpPr txBox="1"/>
+          <p:nvPr/>
+        </p:nvSpPr>
+        <p:spPr>
+          <a:xfrm>
+            <a:off x="7143298" y="3399894"/>
+            <a:ext cx="671979" cy="369332"/>
+          </a:xfrm>
+          <a:prstGeom prst="rect">
+            <a:avLst/>
+          </a:prstGeom>
+          <a:noFill/>
+        </p:spPr>
+        <p:txBody>
+          <a:bodyPr wrap="none" rtlCol="0">
+            <a:spAutoFit/>
+          </a:bodyPr>
+          <a:lstStyle/>
+          <a:p>
+            <a:r>
+              <a:rPr kumimoji="1" lang="en-US" altLang="zh-CN" dirty="0" smtClean="0">
+                <a:latin typeface="Microsoft YaHei" charset="0"/>
+                <a:ea typeface="Microsoft YaHei" charset="0"/>
+                <a:cs typeface="Microsoft YaHei" charset="0"/>
+              </a:rPr>
+              <a:t>sync</a:t>
+            </a:r>
+            <a:endParaRPr kumimoji="1" lang="zh-CN" altLang="en-US" dirty="0">
+              <a:latin typeface="Microsoft YaHei" charset="0"/>
+              <a:ea typeface="Microsoft YaHei" charset="0"/>
+              <a:cs typeface="Microsoft YaHei" charset="0"/>
+            </a:endParaRPr>
+          </a:p>
+        </p:txBody>
+      </p:sp>
+    </p:spTree>
+    <p:extLst>
+      <p:ext uri="{BB962C8B-B14F-4D97-AF65-F5344CB8AC3E}">
+        <p14:creationId xmlns:p14="http://schemas.microsoft.com/office/powerpoint/2010/main" val="396254951"/>
       </p:ext>
     </p:extLst>
   </p:cSld>

--- a/doc/XXL-CONF架构图.pptx
+++ b/doc/XXL-CONF架构图.pptx
@@ -5,13 +5,15 @@
     <p:sldMasterId id="2147483648" r:id="rId1"/>
   </p:sldMasterIdLst>
   <p:notesMasterIdLst>
-    <p:notesMasterId r:id="rId6"/>
+    <p:notesMasterId r:id="rId8"/>
   </p:notesMasterIdLst>
   <p:sldIdLst>
     <p:sldId id="256" r:id="rId2"/>
     <p:sldId id="257" r:id="rId3"/>
     <p:sldId id="258" r:id="rId4"/>
     <p:sldId id="259" r:id="rId5"/>
+    <p:sldId id="260" r:id="rId6"/>
+    <p:sldId id="261" r:id="rId7"/>
   </p:sldIdLst>
   <p:sldSz cx="12192000" cy="6858000"/>
   <p:notesSz cx="6858000" cy="9144000"/>
@@ -200,7 +202,7 @@
           <a:p>
             <a:fld id="{D2A48B96-639E-45A3-A0BA-2464DFDB1FAA}" type="datetimeFigureOut">
               <a:rPr lang="zh-CN" altLang="en-US" smtClean="0"/>
-              <a:t>18/6/13</a:t>
+              <a:t>2018/11/29</a:t>
             </a:fld>
             <a:endParaRPr lang="zh-CN" altLang="en-US"/>
           </a:p>
@@ -552,6 +554,90 @@
 </p:notes>
 </file>
 
+<file path=ppt/notesSlides/notesSlide2.xml><?xml version="1.0" encoding="utf-8"?>
+<p:notes xmlns:a="http://schemas.openxmlformats.org/drawingml/2006/main" xmlns:r="http://schemas.openxmlformats.org/officeDocument/2006/relationships" xmlns:p="http://schemas.openxmlformats.org/presentationml/2006/main">
+  <p:cSld>
+    <p:spTree>
+      <p:nvGrpSpPr>
+        <p:cNvPr id="1" name=""/>
+        <p:cNvGrpSpPr/>
+        <p:nvPr/>
+      </p:nvGrpSpPr>
+      <p:grpSpPr>
+        <a:xfrm>
+          <a:off x="0" y="0"/>
+          <a:ext cx="0" cy="0"/>
+          <a:chOff x="0" y="0"/>
+          <a:chExt cx="0" cy="0"/>
+        </a:xfrm>
+      </p:grpSpPr>
+      <p:sp>
+        <p:nvSpPr>
+          <p:cNvPr id="2" name="幻灯片图像占位符 1"/>
+          <p:cNvSpPr>
+            <a:spLocks noGrp="1" noRot="1" noChangeAspect="1"/>
+          </p:cNvSpPr>
+          <p:nvPr>
+            <p:ph type="sldImg"/>
+          </p:nvPr>
+        </p:nvSpPr>
+        <p:spPr/>
+      </p:sp>
+      <p:sp>
+        <p:nvSpPr>
+          <p:cNvPr id="3" name="备注占位符 2"/>
+          <p:cNvSpPr>
+            <a:spLocks noGrp="1"/>
+          </p:cNvSpPr>
+          <p:nvPr>
+            <p:ph type="body" idx="1"/>
+          </p:nvPr>
+        </p:nvSpPr>
+        <p:spPr/>
+        <p:txBody>
+          <a:bodyPr/>
+          <a:lstStyle/>
+          <a:p>
+            <a:endParaRPr kumimoji="1" lang="zh-CN" altLang="en-US" dirty="0"/>
+          </a:p>
+        </p:txBody>
+      </p:sp>
+      <p:sp>
+        <p:nvSpPr>
+          <p:cNvPr id="4" name="幻灯片编号占位符 3"/>
+          <p:cNvSpPr>
+            <a:spLocks noGrp="1"/>
+          </p:cNvSpPr>
+          <p:nvPr>
+            <p:ph type="sldNum" sz="quarter" idx="10"/>
+          </p:nvPr>
+        </p:nvSpPr>
+        <p:spPr/>
+        <p:txBody>
+          <a:bodyPr/>
+          <a:lstStyle/>
+          <a:p>
+            <a:fld id="{A6837353-30EB-4A48-80EB-173D804AEFBD}" type="slidenum">
+              <a:rPr lang="zh-CN" altLang="en-US" smtClean="0"/>
+              <a:t>5</a:t>
+            </a:fld>
+            <a:endParaRPr lang="zh-CN" altLang="en-US"/>
+          </a:p>
+        </p:txBody>
+      </p:sp>
+    </p:spTree>
+    <p:extLst>
+      <p:ext uri="{BB962C8B-B14F-4D97-AF65-F5344CB8AC3E}">
+        <p14:creationId xmlns:p14="http://schemas.microsoft.com/office/powerpoint/2010/main" val="1251134648"/>
+      </p:ext>
+    </p:extLst>
+  </p:cSld>
+  <p:clrMapOvr>
+    <a:masterClrMapping/>
+  </p:clrMapOvr>
+</p:notes>
+</file>
+
 <file path=ppt/slideLayouts/slideLayout1.xml><?xml version="1.0" encoding="utf-8"?>
 <p:sldLayout xmlns:a="http://schemas.openxmlformats.org/drawingml/2006/main" xmlns:r="http://schemas.openxmlformats.org/officeDocument/2006/relationships" xmlns:p="http://schemas.openxmlformats.org/presentationml/2006/main" type="title" preserve="1">
   <p:cSld name="标题幻灯片">
@@ -683,7 +769,7 @@
           <a:p>
             <a:fld id="{D997B5FA-0921-464F-AAE1-844C04324D75}" type="datetimeFigureOut">
               <a:rPr lang="zh-CN" altLang="en-US" smtClean="0"/>
-              <a:t>18/6/13</a:t>
+              <a:t>2018/11/29</a:t>
             </a:fld>
             <a:endParaRPr lang="zh-CN" altLang="en-US"/>
           </a:p>
@@ -848,7 +934,7 @@
           <a:p>
             <a:fld id="{D997B5FA-0921-464F-AAE1-844C04324D75}" type="datetimeFigureOut">
               <a:rPr lang="zh-CN" altLang="en-US" smtClean="0"/>
-              <a:t>18/6/13</a:t>
+              <a:t>2018/11/29</a:t>
             </a:fld>
             <a:endParaRPr lang="zh-CN" altLang="en-US"/>
           </a:p>
@@ -1023,7 +1109,7 @@
           <a:p>
             <a:fld id="{D997B5FA-0921-464F-AAE1-844C04324D75}" type="datetimeFigureOut">
               <a:rPr lang="zh-CN" altLang="en-US" smtClean="0"/>
-              <a:t>18/6/13</a:t>
+              <a:t>2018/11/29</a:t>
             </a:fld>
             <a:endParaRPr lang="zh-CN" altLang="en-US"/>
           </a:p>
@@ -1188,7 +1274,7 @@
           <a:p>
             <a:fld id="{D997B5FA-0921-464F-AAE1-844C04324D75}" type="datetimeFigureOut">
               <a:rPr lang="zh-CN" altLang="en-US" smtClean="0"/>
-              <a:t>18/6/13</a:t>
+              <a:t>2018/11/29</a:t>
             </a:fld>
             <a:endParaRPr lang="zh-CN" altLang="en-US"/>
           </a:p>
@@ -1429,7 +1515,7 @@
           <a:p>
             <a:fld id="{D997B5FA-0921-464F-AAE1-844C04324D75}" type="datetimeFigureOut">
               <a:rPr lang="zh-CN" altLang="en-US" smtClean="0"/>
-              <a:t>18/6/13</a:t>
+              <a:t>2018/11/29</a:t>
             </a:fld>
             <a:endParaRPr lang="zh-CN" altLang="en-US"/>
           </a:p>
@@ -1656,7 +1742,7 @@
           <a:p>
             <a:fld id="{D997B5FA-0921-464F-AAE1-844C04324D75}" type="datetimeFigureOut">
               <a:rPr lang="zh-CN" altLang="en-US" smtClean="0"/>
-              <a:t>18/6/13</a:t>
+              <a:t>2018/11/29</a:t>
             </a:fld>
             <a:endParaRPr lang="zh-CN" altLang="en-US"/>
           </a:p>
@@ -2018,7 +2104,7 @@
           <a:p>
             <a:fld id="{D997B5FA-0921-464F-AAE1-844C04324D75}" type="datetimeFigureOut">
               <a:rPr lang="zh-CN" altLang="en-US" smtClean="0"/>
-              <a:t>18/6/13</a:t>
+              <a:t>2018/11/29</a:t>
             </a:fld>
             <a:endParaRPr lang="zh-CN" altLang="en-US"/>
           </a:p>
@@ -2131,7 +2217,7 @@
           <a:p>
             <a:fld id="{D997B5FA-0921-464F-AAE1-844C04324D75}" type="datetimeFigureOut">
               <a:rPr lang="zh-CN" altLang="en-US" smtClean="0"/>
-              <a:t>18/6/13</a:t>
+              <a:t>2018/11/29</a:t>
             </a:fld>
             <a:endParaRPr lang="zh-CN" altLang="en-US"/>
           </a:p>
@@ -2221,7 +2307,7 @@
           <a:p>
             <a:fld id="{D997B5FA-0921-464F-AAE1-844C04324D75}" type="datetimeFigureOut">
               <a:rPr lang="zh-CN" altLang="en-US" smtClean="0"/>
-              <a:t>18/6/13</a:t>
+              <a:t>2018/11/29</a:t>
             </a:fld>
             <a:endParaRPr lang="zh-CN" altLang="en-US"/>
           </a:p>
@@ -2493,7 +2579,7 @@
           <a:p>
             <a:fld id="{D997B5FA-0921-464F-AAE1-844C04324D75}" type="datetimeFigureOut">
               <a:rPr lang="zh-CN" altLang="en-US" smtClean="0"/>
-              <a:t>18/6/13</a:t>
+              <a:t>2018/11/29</a:t>
             </a:fld>
             <a:endParaRPr lang="zh-CN" altLang="en-US"/>
           </a:p>
@@ -2741,7 +2827,7 @@
           <a:p>
             <a:fld id="{D997B5FA-0921-464F-AAE1-844C04324D75}" type="datetimeFigureOut">
               <a:rPr lang="zh-CN" altLang="en-US" smtClean="0"/>
-              <a:t>18/6/13</a:t>
+              <a:t>2018/11/29</a:t>
             </a:fld>
             <a:endParaRPr lang="zh-CN" altLang="en-US"/>
           </a:p>
@@ -2949,7 +3035,7 @@
           <a:p>
             <a:fld id="{D997B5FA-0921-464F-AAE1-844C04324D75}" type="datetimeFigureOut">
               <a:rPr lang="zh-CN" altLang="en-US" smtClean="0"/>
-              <a:t>18/6/13</a:t>
+              <a:t>2018/11/29</a:t>
             </a:fld>
             <a:endParaRPr lang="zh-CN" altLang="en-US"/>
           </a:p>
@@ -9954,18 +10040,7 @@
                 <a:ea typeface="Microsoft YaHei" charset="0"/>
                 <a:cs typeface="Microsoft YaHei" charset="0"/>
               </a:rPr>
-              <a:t>XXL-</a:t>
-            </a:r>
-            <a:r>
-              <a:rPr lang="en-US" altLang="zh-CN" sz="2400" dirty="0" smtClean="0">
-                <a:solidFill>
-                  <a:prstClr val="black"/>
-                </a:solidFill>
-                <a:latin typeface="Microsoft YaHei" charset="0"/>
-                <a:ea typeface="Microsoft YaHei" charset="0"/>
-                <a:cs typeface="Microsoft YaHei" charset="0"/>
-              </a:rPr>
-              <a:t>CONF</a:t>
+              <a:t>XXL-CONF</a:t>
             </a:r>
             <a:r>
               <a:rPr lang="zh-CN" altLang="en-US" sz="2400" dirty="0" smtClean="0">
@@ -11418,18 +11493,7 @@
                 <a:ea typeface="Microsoft YaHei" charset="0"/>
                 <a:cs typeface="Microsoft YaHei" charset="0"/>
               </a:rPr>
-              <a:t>客户端设计</a:t>
-            </a:r>
-            <a:r>
-              <a:rPr lang="zh-CN" altLang="en-US" sz="2400" dirty="0" smtClean="0">
-                <a:solidFill>
-                  <a:prstClr val="black"/>
-                </a:solidFill>
-                <a:latin typeface="Microsoft YaHei" charset="0"/>
-                <a:ea typeface="Microsoft YaHei" charset="0"/>
-                <a:cs typeface="Microsoft YaHei" charset="0"/>
-              </a:rPr>
-              <a:t> </a:t>
+              <a:t>客户端设计 </a:t>
             </a:r>
             <a:r>
               <a:rPr lang="en-US" altLang="zh-CN" sz="2400" dirty="0">
@@ -11887,7 +11951,7 @@
               <a:defRPr/>
             </a:pPr>
             <a:r>
-              <a:rPr kumimoji="1" lang="en-US" altLang="zh-CN" kern="0" dirty="0" err="1" smtClean="0">
+              <a:rPr kumimoji="1" lang="en-US" altLang="zh-CN" kern="0" dirty="0" smtClean="0">
                 <a:latin typeface="Microsoft YaHei" charset="0"/>
                 <a:ea typeface="Microsoft YaHei" charset="0"/>
                 <a:cs typeface="Microsoft YaHei" charset="0"/>
@@ -11954,15 +12018,7 @@
                 <a:ea typeface="Microsoft YaHei" charset="0"/>
                 <a:cs typeface="Microsoft YaHei" charset="0"/>
               </a:rPr>
-              <a:t>con</a:t>
-            </a:r>
-            <a:r>
-              <a:rPr kumimoji="1" lang="en-US" altLang="zh-CN" dirty="0" smtClean="0">
-                <a:latin typeface="Microsoft YaHei" charset="0"/>
-                <a:ea typeface="Microsoft YaHei" charset="0"/>
-                <a:cs typeface="Microsoft YaHei" charset="0"/>
-              </a:rPr>
-              <a:t>f</a:t>
+              <a:t>conf</a:t>
             </a:r>
             <a:endParaRPr kumimoji="1" lang="zh-CN" altLang="en-US" dirty="0">
               <a:latin typeface="Microsoft YaHei" charset="0"/>
@@ -12024,15 +12080,7 @@
                 <a:ea typeface="Microsoft YaHei" charset="0"/>
                 <a:cs typeface="Microsoft YaHei" charset="0"/>
               </a:rPr>
-              <a:t>con</a:t>
-            </a:r>
-            <a:r>
-              <a:rPr kumimoji="1" lang="en-US" altLang="zh-CN" dirty="0" smtClean="0">
-                <a:latin typeface="Microsoft YaHei" charset="0"/>
-                <a:ea typeface="Microsoft YaHei" charset="0"/>
-                <a:cs typeface="Microsoft YaHei" charset="0"/>
-              </a:rPr>
-              <a:t>f</a:t>
+              <a:t>conf</a:t>
             </a:r>
             <a:endParaRPr kumimoji="1" lang="zh-CN" altLang="en-US" dirty="0">
               <a:latin typeface="Microsoft YaHei" charset="0"/>
@@ -12249,6 +12297,1996 @@
     <p:extLst>
       <p:ext uri="{BB962C8B-B14F-4D97-AF65-F5344CB8AC3E}">
         <p14:creationId xmlns:p14="http://schemas.microsoft.com/office/powerpoint/2010/main" val="396254951"/>
+      </p:ext>
+    </p:extLst>
+  </p:cSld>
+  <p:clrMapOvr>
+    <a:masterClrMapping/>
+  </p:clrMapOvr>
+</p:sld>
+</file>
+
+<file path=ppt/slides/slide5.xml><?xml version="1.0" encoding="utf-8"?>
+<p:sld xmlns:a="http://schemas.openxmlformats.org/drawingml/2006/main" xmlns:r="http://schemas.openxmlformats.org/officeDocument/2006/relationships" xmlns:p="http://schemas.openxmlformats.org/presentationml/2006/main">
+  <p:cSld>
+    <p:spTree>
+      <p:nvGrpSpPr>
+        <p:cNvPr id="1" name=""/>
+        <p:cNvGrpSpPr/>
+        <p:nvPr/>
+      </p:nvGrpSpPr>
+      <p:grpSpPr>
+        <a:xfrm>
+          <a:off x="0" y="0"/>
+          <a:ext cx="0" cy="0"/>
+          <a:chOff x="0" y="0"/>
+          <a:chExt cx="0" cy="0"/>
+        </a:xfrm>
+      </p:grpSpPr>
+      <p:sp>
+        <p:nvSpPr>
+          <p:cNvPr id="84" name="矩形 83"/>
+          <p:cNvSpPr/>
+          <p:nvPr/>
+        </p:nvSpPr>
+        <p:spPr>
+          <a:xfrm>
+            <a:off x="4869133" y="5824437"/>
+            <a:ext cx="3351110" cy="461665"/>
+          </a:xfrm>
+          <a:prstGeom prst="rect">
+            <a:avLst/>
+          </a:prstGeom>
+        </p:spPr>
+        <p:txBody>
+          <a:bodyPr wrap="none">
+            <a:spAutoFit/>
+          </a:bodyPr>
+          <a:lstStyle/>
+          <a:p>
+            <a:pPr lvl="0" algn="ctr"/>
+            <a:r>
+              <a:rPr lang="en-US" altLang="zh-CN" sz="2400" dirty="0" smtClean="0">
+                <a:solidFill>
+                  <a:prstClr val="black"/>
+                </a:solidFill>
+                <a:latin typeface="Microsoft YaHei" charset="0"/>
+                <a:ea typeface="Microsoft YaHei" charset="0"/>
+                <a:cs typeface="Microsoft YaHei" charset="0"/>
+              </a:rPr>
+              <a:t>XXL-CONF</a:t>
+            </a:r>
+            <a:r>
+              <a:rPr lang="zh-CN" altLang="en-US" sz="2400" dirty="0" smtClean="0">
+                <a:solidFill>
+                  <a:prstClr val="black"/>
+                </a:solidFill>
+                <a:latin typeface="Microsoft YaHei" charset="0"/>
+                <a:ea typeface="Microsoft YaHei" charset="0"/>
+                <a:cs typeface="Microsoft YaHei" charset="0"/>
+              </a:rPr>
+              <a:t>架</a:t>
+            </a:r>
+            <a:r>
+              <a:rPr lang="zh-CN" altLang="en-US" sz="2400" dirty="0">
+                <a:solidFill>
+                  <a:prstClr val="black"/>
+                </a:solidFill>
+                <a:latin typeface="Microsoft YaHei" charset="0"/>
+                <a:ea typeface="Microsoft YaHei" charset="0"/>
+                <a:cs typeface="Microsoft YaHei" charset="0"/>
+              </a:rPr>
+              <a:t>构图 </a:t>
+            </a:r>
+            <a:r>
+              <a:rPr lang="en-US" altLang="zh-CN" sz="2400" dirty="0" smtClean="0">
+                <a:solidFill>
+                  <a:prstClr val="black"/>
+                </a:solidFill>
+                <a:latin typeface="Microsoft YaHei" charset="0"/>
+                <a:ea typeface="Microsoft YaHei" charset="0"/>
+                <a:cs typeface="Microsoft YaHei" charset="0"/>
+              </a:rPr>
+              <a:t>v1.6</a:t>
+            </a:r>
+            <a:endParaRPr lang="en-US" altLang="zh-CN" sz="2400" dirty="0">
+              <a:solidFill>
+                <a:prstClr val="black"/>
+              </a:solidFill>
+              <a:latin typeface="Microsoft YaHei" charset="0"/>
+              <a:ea typeface="Microsoft YaHei" charset="0"/>
+              <a:cs typeface="Microsoft YaHei" charset="0"/>
+            </a:endParaRPr>
+          </a:p>
+        </p:txBody>
+      </p:sp>
+      <p:sp>
+        <p:nvSpPr>
+          <p:cNvPr id="30" name="可选流程 29"/>
+          <p:cNvSpPr/>
+          <p:nvPr/>
+        </p:nvSpPr>
+        <p:spPr>
+          <a:xfrm>
+            <a:off x="6084256" y="4512235"/>
+            <a:ext cx="1521046" cy="520470"/>
+          </a:xfrm>
+          <a:prstGeom prst="flowChartAlternateProcess">
+            <a:avLst/>
+          </a:prstGeom>
+          <a:solidFill>
+            <a:srgbClr val="FAA756"/>
+          </a:solidFill>
+          <a:ln>
+            <a:noFill/>
+          </a:ln>
+          <a:effectLst>
+            <a:outerShdw blurRad="57150" dist="19050" dir="5400000" algn="ctr" rotWithShape="0">
+              <a:srgbClr val="000000">
+                <a:alpha val="63000"/>
+              </a:srgbClr>
+            </a:outerShdw>
+          </a:effectLst>
+        </p:spPr>
+        <p:txBody>
+          <a:bodyPr anchor="ctr"/>
+          <a:lstStyle/>
+          <a:p>
+            <a:pPr algn="ctr" defTabSz="1219170" eaLnBrk="0" fontAlgn="base" hangingPunct="0">
+              <a:spcBef>
+                <a:spcPct val="0"/>
+              </a:spcBef>
+              <a:spcAft>
+                <a:spcPct val="0"/>
+              </a:spcAft>
+              <a:defRPr/>
+            </a:pPr>
+            <a:r>
+              <a:rPr kumimoji="1" lang="en-US" altLang="zh-CN" kern="0" dirty="0" smtClean="0">
+                <a:latin typeface="Microsoft YaHei" charset="0"/>
+                <a:ea typeface="Microsoft YaHei" charset="0"/>
+                <a:cs typeface="Microsoft YaHei" charset="0"/>
+              </a:rPr>
+              <a:t>file</a:t>
+            </a:r>
+            <a:endParaRPr kumimoji="1" lang="zh-CN" altLang="en-US" kern="0" dirty="0">
+              <a:latin typeface="Microsoft YaHei" charset="0"/>
+              <a:ea typeface="Microsoft YaHei" charset="0"/>
+              <a:cs typeface="Microsoft YaHei" charset="0"/>
+            </a:endParaRPr>
+          </a:p>
+        </p:txBody>
+      </p:sp>
+      <p:sp>
+        <p:nvSpPr>
+          <p:cNvPr id="31" name="圆角矩形 30"/>
+          <p:cNvSpPr/>
+          <p:nvPr/>
+        </p:nvSpPr>
+        <p:spPr>
+          <a:xfrm>
+            <a:off x="3273336" y="3111996"/>
+            <a:ext cx="1517802" cy="520470"/>
+          </a:xfrm>
+          <a:prstGeom prst="roundRect">
+            <a:avLst/>
+          </a:prstGeom>
+          <a:solidFill>
+            <a:srgbClr val="58B8D1"/>
+          </a:solidFill>
+          <a:ln>
+            <a:noFill/>
+          </a:ln>
+          <a:effectLst>
+            <a:outerShdw blurRad="57150" dist="19050" dir="5400000" algn="ctr" rotWithShape="0">
+              <a:srgbClr val="000000">
+                <a:alpha val="63000"/>
+              </a:srgbClr>
+            </a:outerShdw>
+          </a:effectLst>
+        </p:spPr>
+        <p:txBody>
+          <a:bodyPr anchor="ctr"/>
+          <a:lstStyle/>
+          <a:p>
+            <a:pPr algn="ctr" defTabSz="1219170" eaLnBrk="0" fontAlgn="base" hangingPunct="0">
+              <a:spcBef>
+                <a:spcPct val="0"/>
+              </a:spcBef>
+              <a:spcAft>
+                <a:spcPct val="0"/>
+              </a:spcAft>
+              <a:defRPr/>
+            </a:pPr>
+            <a:r>
+              <a:rPr kumimoji="1" lang="en-US" altLang="zh-CN" kern="0" dirty="0" smtClean="0">
+                <a:latin typeface="Microsoft YaHei" charset="0"/>
+                <a:ea typeface="Microsoft YaHei" charset="0"/>
+                <a:cs typeface="Microsoft YaHei" charset="0"/>
+              </a:rPr>
+              <a:t>admin</a:t>
+            </a:r>
+            <a:endParaRPr kumimoji="1" lang="zh-CN" altLang="en-US" kern="0" dirty="0">
+              <a:latin typeface="Microsoft YaHei" charset="0"/>
+              <a:ea typeface="Microsoft YaHei" charset="0"/>
+              <a:cs typeface="Microsoft YaHei" charset="0"/>
+            </a:endParaRPr>
+          </a:p>
+        </p:txBody>
+      </p:sp>
+      <p:sp>
+        <p:nvSpPr>
+          <p:cNvPr id="37" name="矩形 36"/>
+          <p:cNvSpPr/>
+          <p:nvPr/>
+        </p:nvSpPr>
+        <p:spPr>
+          <a:xfrm>
+            <a:off x="5847850" y="4333227"/>
+            <a:ext cx="4036588" cy="958552"/>
+          </a:xfrm>
+          <a:prstGeom prst="rect">
+            <a:avLst/>
+          </a:prstGeom>
+          <a:noFill/>
+          <a:ln w="12700" cap="flat" cmpd="sng" algn="ctr">
+            <a:solidFill>
+              <a:srgbClr val="5B9BD5">
+                <a:shade val="50000"/>
+              </a:srgbClr>
+            </a:solidFill>
+            <a:prstDash val="dash"/>
+            <a:miter lim="800000"/>
+          </a:ln>
+          <a:effectLst/>
+        </p:spPr>
+        <p:txBody>
+          <a:bodyPr anchor="b"/>
+          <a:lstStyle/>
+          <a:p>
+            <a:pPr algn="ctr" defTabSz="1219170" eaLnBrk="0" fontAlgn="base" hangingPunct="0">
+              <a:spcBef>
+                <a:spcPct val="0"/>
+              </a:spcBef>
+              <a:spcAft>
+                <a:spcPct val="0"/>
+              </a:spcAft>
+              <a:defRPr/>
+            </a:pPr>
+            <a:endParaRPr kumimoji="1" lang="zh-CN" altLang="en-US" kern="0" dirty="0">
+              <a:latin typeface="Microsoft YaHei" charset="0"/>
+              <a:ea typeface="Microsoft YaHei" charset="0"/>
+              <a:cs typeface="Microsoft YaHei" charset="0"/>
+            </a:endParaRPr>
+          </a:p>
+        </p:txBody>
+      </p:sp>
+      <p:sp>
+        <p:nvSpPr>
+          <p:cNvPr id="9" name="磁盘 8"/>
+          <p:cNvSpPr/>
+          <p:nvPr/>
+        </p:nvSpPr>
+        <p:spPr>
+          <a:xfrm>
+            <a:off x="3273336" y="4038150"/>
+            <a:ext cx="1517802" cy="774353"/>
+          </a:xfrm>
+          <a:prstGeom prst="flowChartMagneticDisk">
+            <a:avLst/>
+          </a:prstGeom>
+        </p:spPr>
+        <p:style>
+          <a:lnRef idx="1">
+            <a:schemeClr val="accent3"/>
+          </a:lnRef>
+          <a:fillRef idx="2">
+            <a:schemeClr val="accent3"/>
+          </a:fillRef>
+          <a:effectRef idx="1">
+            <a:schemeClr val="accent3"/>
+          </a:effectRef>
+          <a:fontRef idx="minor">
+            <a:schemeClr val="dk1"/>
+          </a:fontRef>
+        </p:style>
+        <p:txBody>
+          <a:bodyPr rtlCol="0" anchor="ctr"/>
+          <a:lstStyle/>
+          <a:p>
+            <a:pPr algn="ctr"/>
+            <a:r>
+              <a:rPr kumimoji="1" lang="en-US" altLang="zh-CN" dirty="0" smtClean="0">
+                <a:latin typeface="Microsoft YaHei" charset="0"/>
+                <a:ea typeface="Microsoft YaHei" charset="0"/>
+                <a:cs typeface="Microsoft YaHei" charset="0"/>
+              </a:rPr>
+              <a:t>DB</a:t>
+            </a:r>
+            <a:endParaRPr kumimoji="1" lang="zh-CN" altLang="en-US" dirty="0">
+              <a:latin typeface="Microsoft YaHei" charset="0"/>
+              <a:ea typeface="Microsoft YaHei" charset="0"/>
+              <a:cs typeface="Microsoft YaHei" charset="0"/>
+            </a:endParaRPr>
+          </a:p>
+        </p:txBody>
+      </p:sp>
+      <p:sp>
+        <p:nvSpPr>
+          <p:cNvPr id="48" name="可选流程 47"/>
+          <p:cNvSpPr/>
+          <p:nvPr/>
+        </p:nvSpPr>
+        <p:spPr>
+          <a:xfrm>
+            <a:off x="8154358" y="2619666"/>
+            <a:ext cx="1515818" cy="515659"/>
+          </a:xfrm>
+          <a:prstGeom prst="flowChartAlternateProcess">
+            <a:avLst/>
+          </a:prstGeom>
+          <a:solidFill>
+            <a:srgbClr val="ABC36C"/>
+          </a:solidFill>
+          <a:ln>
+            <a:noFill/>
+          </a:ln>
+          <a:effectLst>
+            <a:outerShdw blurRad="57150" dist="19050" dir="5400000" algn="ctr" rotWithShape="0">
+              <a:srgbClr val="000000">
+                <a:alpha val="63000"/>
+              </a:srgbClr>
+            </a:outerShdw>
+          </a:effectLst>
+        </p:spPr>
+        <p:txBody>
+          <a:bodyPr anchor="ctr"/>
+          <a:lstStyle/>
+          <a:p>
+            <a:pPr algn="ctr" defTabSz="1219170" eaLnBrk="0" fontAlgn="base" hangingPunct="0">
+              <a:spcBef>
+                <a:spcPct val="0"/>
+              </a:spcBef>
+              <a:spcAft>
+                <a:spcPct val="0"/>
+              </a:spcAft>
+              <a:defRPr/>
+            </a:pPr>
+            <a:r>
+              <a:rPr kumimoji="1" lang="en-US" altLang="zh-CN" kern="0" dirty="0" smtClean="0">
+                <a:latin typeface="Microsoft YaHei" charset="0"/>
+                <a:ea typeface="Microsoft YaHei" charset="0"/>
+                <a:cs typeface="Microsoft YaHei" charset="0"/>
+              </a:rPr>
+              <a:t>client</a:t>
+            </a:r>
+            <a:endParaRPr kumimoji="1" lang="zh-CN" altLang="en-US" kern="0" dirty="0">
+              <a:latin typeface="Microsoft YaHei" charset="0"/>
+              <a:ea typeface="Microsoft YaHei" charset="0"/>
+              <a:cs typeface="Microsoft YaHei" charset="0"/>
+            </a:endParaRPr>
+          </a:p>
+        </p:txBody>
+      </p:sp>
+      <p:sp>
+        <p:nvSpPr>
+          <p:cNvPr id="49" name="可选流程 48"/>
+          <p:cNvSpPr/>
+          <p:nvPr/>
+        </p:nvSpPr>
+        <p:spPr>
+          <a:xfrm>
+            <a:off x="6084256" y="2583672"/>
+            <a:ext cx="1515819" cy="520470"/>
+          </a:xfrm>
+          <a:prstGeom prst="flowChartAlternateProcess">
+            <a:avLst/>
+          </a:prstGeom>
+          <a:solidFill>
+            <a:srgbClr val="D8D8D8"/>
+          </a:solidFill>
+          <a:ln>
+            <a:noFill/>
+          </a:ln>
+          <a:effectLst>
+            <a:outerShdw blurRad="57150" dist="19050" dir="5400000" algn="ctr" rotWithShape="0">
+              <a:srgbClr val="000000">
+                <a:alpha val="63000"/>
+              </a:srgbClr>
+            </a:outerShdw>
+          </a:effectLst>
+        </p:spPr>
+        <p:txBody>
+          <a:bodyPr anchor="ctr"/>
+          <a:lstStyle/>
+          <a:p>
+            <a:pPr algn="ctr" defTabSz="1219170" eaLnBrk="0" fontAlgn="base" hangingPunct="0">
+              <a:spcBef>
+                <a:spcPct val="0"/>
+              </a:spcBef>
+              <a:spcAft>
+                <a:spcPct val="0"/>
+              </a:spcAft>
+              <a:defRPr/>
+            </a:pPr>
+            <a:r>
+              <a:rPr kumimoji="1" lang="en-US" altLang="zh-CN" kern="0" dirty="0" smtClean="0">
+                <a:solidFill>
+                  <a:prstClr val="black"/>
+                </a:solidFill>
+                <a:latin typeface="Microsoft YaHei" charset="0"/>
+                <a:ea typeface="Microsoft YaHei" charset="0"/>
+                <a:cs typeface="Microsoft YaHei" charset="0"/>
+              </a:rPr>
+              <a:t>client</a:t>
+            </a:r>
+            <a:endParaRPr kumimoji="1" lang="zh-CN" altLang="en-US" kern="0" dirty="0">
+              <a:solidFill>
+                <a:prstClr val="black"/>
+              </a:solidFill>
+              <a:latin typeface="Microsoft YaHei" charset="0"/>
+              <a:ea typeface="Microsoft YaHei" charset="0"/>
+              <a:cs typeface="Microsoft YaHei" charset="0"/>
+            </a:endParaRPr>
+          </a:p>
+        </p:txBody>
+      </p:sp>
+      <p:sp>
+        <p:nvSpPr>
+          <p:cNvPr id="56" name="可选流程 55"/>
+          <p:cNvSpPr/>
+          <p:nvPr/>
+        </p:nvSpPr>
+        <p:spPr>
+          <a:xfrm>
+            <a:off x="3273336" y="1884864"/>
+            <a:ext cx="1517803" cy="520470"/>
+          </a:xfrm>
+          <a:prstGeom prst="flowChartAlternateProcess">
+            <a:avLst/>
+          </a:prstGeom>
+          <a:ln/>
+        </p:spPr>
+        <p:style>
+          <a:lnRef idx="2">
+            <a:schemeClr val="dk1"/>
+          </a:lnRef>
+          <a:fillRef idx="1">
+            <a:schemeClr val="lt1"/>
+          </a:fillRef>
+          <a:effectRef idx="0">
+            <a:schemeClr val="dk1"/>
+          </a:effectRef>
+          <a:fontRef idx="minor">
+            <a:schemeClr val="dk1"/>
+          </a:fontRef>
+        </p:style>
+        <p:txBody>
+          <a:bodyPr anchor="ctr"/>
+          <a:lstStyle/>
+          <a:p>
+            <a:pPr algn="ctr" defTabSz="1219170" eaLnBrk="0" fontAlgn="base" hangingPunct="0">
+              <a:spcBef>
+                <a:spcPct val="0"/>
+              </a:spcBef>
+              <a:spcAft>
+                <a:spcPct val="0"/>
+              </a:spcAft>
+              <a:defRPr/>
+            </a:pPr>
+            <a:r>
+              <a:rPr kumimoji="1" lang="en-US" altLang="zh-CN" kern="0" dirty="0" smtClean="0">
+                <a:solidFill>
+                  <a:prstClr val="black"/>
+                </a:solidFill>
+                <a:latin typeface="Microsoft YaHei" charset="0"/>
+                <a:ea typeface="Microsoft YaHei" charset="0"/>
+                <a:cs typeface="Microsoft YaHei" charset="0"/>
+              </a:rPr>
+              <a:t>browser</a:t>
+            </a:r>
+            <a:endParaRPr kumimoji="1" lang="zh-CN" altLang="en-US" kern="0" dirty="0">
+              <a:solidFill>
+                <a:prstClr val="black"/>
+              </a:solidFill>
+              <a:latin typeface="Microsoft YaHei" charset="0"/>
+              <a:ea typeface="Microsoft YaHei" charset="0"/>
+              <a:cs typeface="Microsoft YaHei" charset="0"/>
+            </a:endParaRPr>
+          </a:p>
+        </p:txBody>
+      </p:sp>
+      <p:sp>
+        <p:nvSpPr>
+          <p:cNvPr id="58" name="矩形 57"/>
+          <p:cNvSpPr/>
+          <p:nvPr/>
+        </p:nvSpPr>
+        <p:spPr>
+          <a:xfrm>
+            <a:off x="3038776" y="2788146"/>
+            <a:ext cx="1923288" cy="2503633"/>
+          </a:xfrm>
+          <a:prstGeom prst="rect">
+            <a:avLst/>
+          </a:prstGeom>
+          <a:noFill/>
+          <a:ln w="12700" cap="flat" cmpd="sng" algn="ctr">
+            <a:solidFill>
+              <a:srgbClr val="5B9BD5">
+                <a:shade val="50000"/>
+              </a:srgbClr>
+            </a:solidFill>
+            <a:prstDash val="dash"/>
+            <a:miter lim="800000"/>
+          </a:ln>
+          <a:effectLst/>
+        </p:spPr>
+        <p:txBody>
+          <a:bodyPr anchor="b"/>
+          <a:lstStyle/>
+          <a:p>
+            <a:pPr algn="ctr" defTabSz="1219170" eaLnBrk="0" fontAlgn="base" hangingPunct="0">
+              <a:spcBef>
+                <a:spcPct val="0"/>
+              </a:spcBef>
+              <a:spcAft>
+                <a:spcPct val="0"/>
+              </a:spcAft>
+              <a:defRPr/>
+            </a:pPr>
+            <a:endParaRPr kumimoji="1" lang="zh-CN" altLang="en-US" kern="0" dirty="0">
+              <a:latin typeface="Microsoft YaHei" charset="0"/>
+              <a:ea typeface="Microsoft YaHei" charset="0"/>
+              <a:cs typeface="Microsoft YaHei" charset="0"/>
+            </a:endParaRPr>
+          </a:p>
+        </p:txBody>
+      </p:sp>
+      <p:cxnSp>
+        <p:nvCxnSpPr>
+          <p:cNvPr id="59" name="直线箭头连接符 58"/>
+          <p:cNvCxnSpPr/>
+          <p:nvPr/>
+        </p:nvCxnSpPr>
+        <p:spPr>
+          <a:xfrm flipH="1">
+            <a:off x="5121643" y="4852960"/>
+            <a:ext cx="685629" cy="4610"/>
+          </a:xfrm>
+          <a:prstGeom prst="straightConnector1">
+            <a:avLst/>
+          </a:prstGeom>
+          <a:ln w="38100">
+            <a:headEnd type="triangle" w="med" len="lg"/>
+            <a:tailEnd type="none" w="med" len="lg"/>
+          </a:ln>
+        </p:spPr>
+        <p:style>
+          <a:lnRef idx="3">
+            <a:schemeClr val="accent1"/>
+          </a:lnRef>
+          <a:fillRef idx="0">
+            <a:schemeClr val="accent1"/>
+          </a:fillRef>
+          <a:effectRef idx="2">
+            <a:schemeClr val="accent1"/>
+          </a:effectRef>
+          <a:fontRef idx="minor">
+            <a:schemeClr val="tx1"/>
+          </a:fontRef>
+        </p:style>
+      </p:cxnSp>
+      <p:sp>
+        <p:nvSpPr>
+          <p:cNvPr id="66" name="矩形 65"/>
+          <p:cNvSpPr/>
+          <p:nvPr/>
+        </p:nvSpPr>
+        <p:spPr>
+          <a:xfrm>
+            <a:off x="5847849" y="1653924"/>
+            <a:ext cx="1939111" cy="1666791"/>
+          </a:xfrm>
+          <a:prstGeom prst="rect">
+            <a:avLst/>
+          </a:prstGeom>
+          <a:noFill/>
+          <a:ln w="12700" cap="flat" cmpd="sng" algn="ctr">
+            <a:solidFill>
+              <a:srgbClr val="5B9BD5">
+                <a:shade val="50000"/>
+              </a:srgbClr>
+            </a:solidFill>
+            <a:prstDash val="dash"/>
+            <a:miter lim="800000"/>
+          </a:ln>
+          <a:effectLst/>
+        </p:spPr>
+        <p:txBody>
+          <a:bodyPr anchor="b"/>
+          <a:lstStyle/>
+          <a:p>
+            <a:pPr algn="ctr" defTabSz="1219170" eaLnBrk="0" fontAlgn="base" hangingPunct="0">
+              <a:spcBef>
+                <a:spcPct val="0"/>
+              </a:spcBef>
+              <a:spcAft>
+                <a:spcPct val="0"/>
+              </a:spcAft>
+              <a:defRPr/>
+            </a:pPr>
+            <a:endParaRPr kumimoji="1" lang="zh-CN" altLang="en-US" kern="0" dirty="0">
+              <a:latin typeface="Microsoft YaHei" charset="0"/>
+              <a:ea typeface="Microsoft YaHei" charset="0"/>
+              <a:cs typeface="Microsoft YaHei" charset="0"/>
+            </a:endParaRPr>
+          </a:p>
+        </p:txBody>
+      </p:sp>
+      <p:sp>
+        <p:nvSpPr>
+          <p:cNvPr id="82" name="可选流程 81"/>
+          <p:cNvSpPr/>
+          <p:nvPr/>
+        </p:nvSpPr>
+        <p:spPr>
+          <a:xfrm>
+            <a:off x="6085783" y="1852212"/>
+            <a:ext cx="1517803" cy="520470"/>
+          </a:xfrm>
+          <a:prstGeom prst="flowChartAlternateProcess">
+            <a:avLst/>
+          </a:prstGeom>
+          <a:ln/>
+        </p:spPr>
+        <p:style>
+          <a:lnRef idx="2">
+            <a:schemeClr val="accent6"/>
+          </a:lnRef>
+          <a:fillRef idx="1">
+            <a:schemeClr val="lt1"/>
+          </a:fillRef>
+          <a:effectRef idx="0">
+            <a:schemeClr val="accent6"/>
+          </a:effectRef>
+          <a:fontRef idx="minor">
+            <a:schemeClr val="dk1"/>
+          </a:fontRef>
+        </p:style>
+        <p:txBody>
+          <a:bodyPr anchor="ctr"/>
+          <a:lstStyle/>
+          <a:p>
+            <a:pPr algn="ctr" defTabSz="1219170" eaLnBrk="0" fontAlgn="base" hangingPunct="0">
+              <a:spcBef>
+                <a:spcPct val="0"/>
+              </a:spcBef>
+              <a:spcAft>
+                <a:spcPct val="0"/>
+              </a:spcAft>
+              <a:defRPr/>
+            </a:pPr>
+            <a:r>
+              <a:rPr kumimoji="1" lang="en-US" altLang="zh-CN" kern="0" dirty="0" smtClean="0">
+                <a:solidFill>
+                  <a:prstClr val="black"/>
+                </a:solidFill>
+                <a:latin typeface="Microsoft YaHei" charset="0"/>
+                <a:ea typeface="Microsoft YaHei" charset="0"/>
+                <a:cs typeface="Microsoft YaHei" charset="0"/>
+              </a:rPr>
+              <a:t>app</a:t>
+            </a:r>
+            <a:r>
+              <a:rPr kumimoji="1" lang="zh-CN" altLang="en-US" kern="0" dirty="0" smtClean="0">
+                <a:solidFill>
+                  <a:prstClr val="black"/>
+                </a:solidFill>
+                <a:latin typeface="Microsoft YaHei" charset="0"/>
+                <a:ea typeface="Microsoft YaHei" charset="0"/>
+                <a:cs typeface="Microsoft YaHei" charset="0"/>
+              </a:rPr>
+              <a:t> </a:t>
+            </a:r>
+            <a:r>
+              <a:rPr kumimoji="1" lang="en-US" altLang="zh-CN" kern="0" dirty="0" smtClean="0">
+                <a:solidFill>
+                  <a:prstClr val="black"/>
+                </a:solidFill>
+                <a:latin typeface="Microsoft YaHei" charset="0"/>
+                <a:ea typeface="Microsoft YaHei" charset="0"/>
+                <a:cs typeface="Microsoft YaHei" charset="0"/>
+              </a:rPr>
+              <a:t>(java)</a:t>
+            </a:r>
+            <a:endParaRPr kumimoji="1" lang="zh-CN" altLang="en-US" kern="0" dirty="0">
+              <a:solidFill>
+                <a:prstClr val="black"/>
+              </a:solidFill>
+              <a:latin typeface="Microsoft YaHei" charset="0"/>
+              <a:ea typeface="Microsoft YaHei" charset="0"/>
+              <a:cs typeface="Microsoft YaHei" charset="0"/>
+            </a:endParaRPr>
+          </a:p>
+        </p:txBody>
+      </p:sp>
+      <p:sp>
+        <p:nvSpPr>
+          <p:cNvPr id="86" name="可选流程 85"/>
+          <p:cNvSpPr/>
+          <p:nvPr/>
+        </p:nvSpPr>
+        <p:spPr>
+          <a:xfrm>
+            <a:off x="8154358" y="1884864"/>
+            <a:ext cx="1521046" cy="520470"/>
+          </a:xfrm>
+          <a:prstGeom prst="flowChartAlternateProcess">
+            <a:avLst/>
+          </a:prstGeom>
+          <a:ln/>
+        </p:spPr>
+        <p:style>
+          <a:lnRef idx="2">
+            <a:schemeClr val="accent4"/>
+          </a:lnRef>
+          <a:fillRef idx="1">
+            <a:schemeClr val="lt1"/>
+          </a:fillRef>
+          <a:effectRef idx="0">
+            <a:schemeClr val="accent4"/>
+          </a:effectRef>
+          <a:fontRef idx="minor">
+            <a:schemeClr val="dk1"/>
+          </a:fontRef>
+        </p:style>
+        <p:txBody>
+          <a:bodyPr anchor="ctr"/>
+          <a:lstStyle/>
+          <a:p>
+            <a:pPr algn="ctr" defTabSz="1219170" eaLnBrk="0" fontAlgn="base" hangingPunct="0">
+              <a:spcBef>
+                <a:spcPct val="0"/>
+              </a:spcBef>
+              <a:spcAft>
+                <a:spcPct val="0"/>
+              </a:spcAft>
+              <a:defRPr/>
+            </a:pPr>
+            <a:r>
+              <a:rPr kumimoji="1" lang="en-US" altLang="zh-CN" kern="0" dirty="0" smtClean="0">
+                <a:solidFill>
+                  <a:prstClr val="black"/>
+                </a:solidFill>
+                <a:latin typeface="Microsoft YaHei" charset="0"/>
+                <a:ea typeface="Microsoft YaHei" charset="0"/>
+                <a:cs typeface="Microsoft YaHei" charset="0"/>
+              </a:rPr>
+              <a:t>app</a:t>
+            </a:r>
+            <a:r>
+              <a:rPr kumimoji="1" lang="zh-CN" altLang="en-US" kern="0" dirty="0" smtClean="0">
+                <a:solidFill>
+                  <a:prstClr val="black"/>
+                </a:solidFill>
+                <a:latin typeface="Microsoft YaHei" charset="0"/>
+                <a:ea typeface="Microsoft YaHei" charset="0"/>
+                <a:cs typeface="Microsoft YaHei" charset="0"/>
+              </a:rPr>
+              <a:t> </a:t>
+            </a:r>
+            <a:r>
+              <a:rPr kumimoji="1" lang="en-US" altLang="zh-CN" kern="0" dirty="0" smtClean="0">
+                <a:solidFill>
+                  <a:prstClr val="black"/>
+                </a:solidFill>
+                <a:latin typeface="Microsoft YaHei" charset="0"/>
+                <a:ea typeface="Microsoft YaHei" charset="0"/>
+                <a:cs typeface="Microsoft YaHei" charset="0"/>
+              </a:rPr>
+              <a:t>(other)</a:t>
+            </a:r>
+            <a:endParaRPr kumimoji="1" lang="zh-CN" altLang="en-US" kern="0" dirty="0">
+              <a:solidFill>
+                <a:prstClr val="black"/>
+              </a:solidFill>
+              <a:latin typeface="Microsoft YaHei" charset="0"/>
+              <a:ea typeface="Microsoft YaHei" charset="0"/>
+              <a:cs typeface="Microsoft YaHei" charset="0"/>
+            </a:endParaRPr>
+          </a:p>
+        </p:txBody>
+      </p:sp>
+      <p:sp>
+        <p:nvSpPr>
+          <p:cNvPr id="89" name="可选流程 88"/>
+          <p:cNvSpPr/>
+          <p:nvPr/>
+        </p:nvSpPr>
+        <p:spPr>
+          <a:xfrm>
+            <a:off x="8154358" y="4508674"/>
+            <a:ext cx="1521046" cy="520470"/>
+          </a:xfrm>
+          <a:prstGeom prst="flowChartAlternateProcess">
+            <a:avLst/>
+          </a:prstGeom>
+          <a:solidFill>
+            <a:srgbClr val="FAA756"/>
+          </a:solidFill>
+          <a:ln>
+            <a:noFill/>
+          </a:ln>
+          <a:effectLst>
+            <a:outerShdw blurRad="57150" dist="19050" dir="5400000" algn="ctr" rotWithShape="0">
+              <a:srgbClr val="000000">
+                <a:alpha val="63000"/>
+              </a:srgbClr>
+            </a:outerShdw>
+          </a:effectLst>
+        </p:spPr>
+        <p:txBody>
+          <a:bodyPr anchor="ctr"/>
+          <a:lstStyle/>
+          <a:p>
+            <a:pPr algn="ctr" defTabSz="1219170" eaLnBrk="0" fontAlgn="base" hangingPunct="0">
+              <a:spcBef>
+                <a:spcPct val="0"/>
+              </a:spcBef>
+              <a:spcAft>
+                <a:spcPct val="0"/>
+              </a:spcAft>
+              <a:defRPr/>
+            </a:pPr>
+            <a:r>
+              <a:rPr kumimoji="1" lang="en-US" altLang="zh-CN" kern="0" dirty="0" smtClean="0">
+                <a:latin typeface="Microsoft YaHei" charset="0"/>
+                <a:ea typeface="Microsoft YaHei" charset="0"/>
+                <a:cs typeface="Microsoft YaHei" charset="0"/>
+              </a:rPr>
+              <a:t>file</a:t>
+            </a:r>
+            <a:endParaRPr kumimoji="1" lang="zh-CN" altLang="en-US" kern="0" dirty="0">
+              <a:latin typeface="Microsoft YaHei" charset="0"/>
+              <a:ea typeface="Microsoft YaHei" charset="0"/>
+              <a:cs typeface="Microsoft YaHei" charset="0"/>
+            </a:endParaRPr>
+          </a:p>
+        </p:txBody>
+      </p:sp>
+      <p:cxnSp>
+        <p:nvCxnSpPr>
+          <p:cNvPr id="104" name="直线箭头连接符 103"/>
+          <p:cNvCxnSpPr/>
+          <p:nvPr/>
+        </p:nvCxnSpPr>
+        <p:spPr>
+          <a:xfrm flipH="1">
+            <a:off x="6305135" y="3555999"/>
+            <a:ext cx="1518" cy="608280"/>
+          </a:xfrm>
+          <a:prstGeom prst="straightConnector1">
+            <a:avLst/>
+          </a:prstGeom>
+          <a:ln w="38100">
+            <a:headEnd type="triangle" w="med" len="lg"/>
+            <a:tailEnd type="triangle" w="med" len="lg"/>
+          </a:ln>
+        </p:spPr>
+        <p:style>
+          <a:lnRef idx="3">
+            <a:schemeClr val="accent1"/>
+          </a:lnRef>
+          <a:fillRef idx="0">
+            <a:schemeClr val="accent1"/>
+          </a:fillRef>
+          <a:effectRef idx="2">
+            <a:schemeClr val="accent1"/>
+          </a:effectRef>
+          <a:fontRef idx="minor">
+            <a:schemeClr val="tx1"/>
+          </a:fontRef>
+        </p:style>
+      </p:cxnSp>
+      <p:sp>
+        <p:nvSpPr>
+          <p:cNvPr id="112" name="文本框 111"/>
+          <p:cNvSpPr txBox="1"/>
+          <p:nvPr/>
+        </p:nvSpPr>
+        <p:spPr>
+          <a:xfrm>
+            <a:off x="5034059" y="4383845"/>
+            <a:ext cx="732636" cy="369332"/>
+          </a:xfrm>
+          <a:prstGeom prst="rect">
+            <a:avLst/>
+          </a:prstGeom>
+          <a:noFill/>
+        </p:spPr>
+        <p:txBody>
+          <a:bodyPr wrap="none" rtlCol="0">
+            <a:spAutoFit/>
+          </a:bodyPr>
+          <a:lstStyle/>
+          <a:p>
+            <a:r>
+              <a:rPr kumimoji="1" lang="en-US" altLang="zh-CN" dirty="0" smtClean="0">
+                <a:latin typeface="Microsoft YaHei" charset="0"/>
+                <a:ea typeface="Microsoft YaHei" charset="0"/>
+                <a:cs typeface="Microsoft YaHei" charset="0"/>
+              </a:rPr>
+              <a:t>write</a:t>
+            </a:r>
+            <a:endParaRPr kumimoji="1" lang="zh-CN" altLang="en-US" dirty="0">
+              <a:latin typeface="Microsoft YaHei" charset="0"/>
+              <a:ea typeface="Microsoft YaHei" charset="0"/>
+              <a:cs typeface="Microsoft YaHei" charset="0"/>
+            </a:endParaRPr>
+          </a:p>
+        </p:txBody>
+      </p:sp>
+      <p:sp>
+        <p:nvSpPr>
+          <p:cNvPr id="115" name="文本框 114"/>
+          <p:cNvSpPr txBox="1"/>
+          <p:nvPr/>
+        </p:nvSpPr>
+        <p:spPr>
+          <a:xfrm>
+            <a:off x="8636313" y="3626042"/>
+            <a:ext cx="1550424" cy="369332"/>
+          </a:xfrm>
+          <a:prstGeom prst="rect">
+            <a:avLst/>
+          </a:prstGeom>
+          <a:noFill/>
+        </p:spPr>
+        <p:txBody>
+          <a:bodyPr wrap="none" rtlCol="0">
+            <a:spAutoFit/>
+          </a:bodyPr>
+          <a:lstStyle/>
+          <a:p>
+            <a:r>
+              <a:rPr kumimoji="1" lang="en-US" altLang="zh-CN" dirty="0">
+                <a:latin typeface="Microsoft YaHei" charset="0"/>
+                <a:ea typeface="Microsoft YaHei" charset="0"/>
+                <a:cs typeface="Microsoft YaHei" charset="0"/>
+              </a:rPr>
+              <a:t>long-polling</a:t>
+            </a:r>
+            <a:endParaRPr kumimoji="1" lang="zh-CN" altLang="en-US" dirty="0">
+              <a:latin typeface="Microsoft YaHei" charset="0"/>
+              <a:ea typeface="Microsoft YaHei" charset="0"/>
+              <a:cs typeface="Microsoft YaHei" charset="0"/>
+            </a:endParaRPr>
+          </a:p>
+        </p:txBody>
+      </p:sp>
+      <p:sp>
+        <p:nvSpPr>
+          <p:cNvPr id="29" name="文本框 28"/>
+          <p:cNvSpPr txBox="1"/>
+          <p:nvPr/>
+        </p:nvSpPr>
+        <p:spPr>
+          <a:xfrm>
+            <a:off x="6394902" y="3615939"/>
+            <a:ext cx="1550424" cy="369332"/>
+          </a:xfrm>
+          <a:prstGeom prst="rect">
+            <a:avLst/>
+          </a:prstGeom>
+          <a:noFill/>
+        </p:spPr>
+        <p:txBody>
+          <a:bodyPr wrap="none" rtlCol="0">
+            <a:spAutoFit/>
+          </a:bodyPr>
+          <a:lstStyle/>
+          <a:p>
+            <a:r>
+              <a:rPr kumimoji="1" lang="en-US" altLang="zh-CN" dirty="0">
+                <a:latin typeface="Microsoft YaHei" charset="0"/>
+                <a:ea typeface="Microsoft YaHei" charset="0"/>
+                <a:cs typeface="Microsoft YaHei" charset="0"/>
+              </a:rPr>
+              <a:t>long-polling</a:t>
+            </a:r>
+            <a:endParaRPr kumimoji="1" lang="zh-CN" altLang="en-US" dirty="0">
+              <a:latin typeface="Microsoft YaHei" charset="0"/>
+              <a:ea typeface="Microsoft YaHei" charset="0"/>
+              <a:cs typeface="Microsoft YaHei" charset="0"/>
+            </a:endParaRPr>
+          </a:p>
+        </p:txBody>
+      </p:sp>
+      <p:sp>
+        <p:nvSpPr>
+          <p:cNvPr id="32" name="矩形 31"/>
+          <p:cNvSpPr/>
+          <p:nvPr/>
+        </p:nvSpPr>
+        <p:spPr>
+          <a:xfrm>
+            <a:off x="7945326" y="1688155"/>
+            <a:ext cx="1939111" cy="1666791"/>
+          </a:xfrm>
+          <a:prstGeom prst="rect">
+            <a:avLst/>
+          </a:prstGeom>
+          <a:noFill/>
+          <a:ln w="12700" cap="flat" cmpd="sng" algn="ctr">
+            <a:solidFill>
+              <a:srgbClr val="5B9BD5">
+                <a:shade val="50000"/>
+              </a:srgbClr>
+            </a:solidFill>
+            <a:prstDash val="dash"/>
+            <a:miter lim="800000"/>
+          </a:ln>
+          <a:effectLst/>
+        </p:spPr>
+        <p:txBody>
+          <a:bodyPr anchor="b"/>
+          <a:lstStyle/>
+          <a:p>
+            <a:pPr algn="ctr" defTabSz="1219170" eaLnBrk="0" fontAlgn="base" hangingPunct="0">
+              <a:spcBef>
+                <a:spcPct val="0"/>
+              </a:spcBef>
+              <a:spcAft>
+                <a:spcPct val="0"/>
+              </a:spcAft>
+              <a:defRPr/>
+            </a:pPr>
+            <a:endParaRPr kumimoji="1" lang="zh-CN" altLang="en-US" kern="0" dirty="0">
+              <a:latin typeface="Microsoft YaHei" charset="0"/>
+              <a:ea typeface="Microsoft YaHei" charset="0"/>
+              <a:cs typeface="Microsoft YaHei" charset="0"/>
+            </a:endParaRPr>
+          </a:p>
+        </p:txBody>
+      </p:sp>
+      <p:cxnSp>
+        <p:nvCxnSpPr>
+          <p:cNvPr id="34" name="直线箭头连接符 33"/>
+          <p:cNvCxnSpPr/>
+          <p:nvPr/>
+        </p:nvCxnSpPr>
+        <p:spPr>
+          <a:xfrm flipH="1">
+            <a:off x="8533175" y="3525612"/>
+            <a:ext cx="1518" cy="608280"/>
+          </a:xfrm>
+          <a:prstGeom prst="straightConnector1">
+            <a:avLst/>
+          </a:prstGeom>
+          <a:ln w="38100">
+            <a:headEnd type="triangle" w="med" len="lg"/>
+            <a:tailEnd type="triangle" w="med" len="lg"/>
+          </a:ln>
+        </p:spPr>
+        <p:style>
+          <a:lnRef idx="3">
+            <a:schemeClr val="accent1"/>
+          </a:lnRef>
+          <a:fillRef idx="0">
+            <a:schemeClr val="accent1"/>
+          </a:fillRef>
+          <a:effectRef idx="2">
+            <a:schemeClr val="accent1"/>
+          </a:effectRef>
+          <a:fontRef idx="minor">
+            <a:schemeClr val="tx1"/>
+          </a:fontRef>
+        </p:style>
+      </p:cxnSp>
+    </p:spTree>
+    <p:extLst>
+      <p:ext uri="{BB962C8B-B14F-4D97-AF65-F5344CB8AC3E}">
+        <p14:creationId xmlns:p14="http://schemas.microsoft.com/office/powerpoint/2010/main" val="1801292801"/>
+      </p:ext>
+    </p:extLst>
+  </p:cSld>
+  <p:clrMapOvr>
+    <a:masterClrMapping/>
+  </p:clrMapOvr>
+</p:sld>
+</file>
+
+<file path=ppt/slides/slide6.xml><?xml version="1.0" encoding="utf-8"?>
+<p:sld xmlns:a="http://schemas.openxmlformats.org/drawingml/2006/main" xmlns:r="http://schemas.openxmlformats.org/officeDocument/2006/relationships" xmlns:p="http://schemas.openxmlformats.org/presentationml/2006/main">
+  <p:cSld>
+    <p:spTree>
+      <p:nvGrpSpPr>
+        <p:cNvPr id="1" name=""/>
+        <p:cNvGrpSpPr/>
+        <p:nvPr/>
+      </p:nvGrpSpPr>
+      <p:grpSpPr>
+        <a:xfrm>
+          <a:off x="0" y="0"/>
+          <a:ext cx="0" cy="0"/>
+          <a:chOff x="0" y="0"/>
+          <a:chExt cx="0" cy="0"/>
+        </a:xfrm>
+      </p:grpSpPr>
+      <p:sp>
+        <p:nvSpPr>
+          <p:cNvPr id="26" name="矩形 25"/>
+          <p:cNvSpPr/>
+          <p:nvPr/>
+        </p:nvSpPr>
+        <p:spPr>
+          <a:xfrm>
+            <a:off x="4291571" y="6005258"/>
+            <a:ext cx="4058034" cy="461665"/>
+          </a:xfrm>
+          <a:prstGeom prst="rect">
+            <a:avLst/>
+          </a:prstGeom>
+        </p:spPr>
+        <p:txBody>
+          <a:bodyPr wrap="none">
+            <a:spAutoFit/>
+          </a:bodyPr>
+          <a:lstStyle/>
+          <a:p>
+            <a:pPr algn="ctr"/>
+            <a:r>
+              <a:rPr lang="en-US" altLang="zh-CN" sz="2400" dirty="0" smtClean="0">
+                <a:solidFill>
+                  <a:prstClr val="black"/>
+                </a:solidFill>
+                <a:latin typeface="Microsoft YaHei" charset="0"/>
+                <a:ea typeface="Microsoft YaHei" charset="0"/>
+                <a:cs typeface="Microsoft YaHei" charset="0"/>
+              </a:rPr>
+              <a:t>XXL-CONF </a:t>
+            </a:r>
+            <a:r>
+              <a:rPr lang="zh-CN" altLang="en-US" sz="2400" dirty="0" smtClean="0">
+                <a:solidFill>
+                  <a:prstClr val="black"/>
+                </a:solidFill>
+                <a:latin typeface="Microsoft YaHei" charset="0"/>
+                <a:ea typeface="Microsoft YaHei" charset="0"/>
+                <a:cs typeface="Microsoft YaHei" charset="0"/>
+              </a:rPr>
+              <a:t>客户端设计 </a:t>
+            </a:r>
+            <a:r>
+              <a:rPr lang="en-US" altLang="zh-CN" sz="2400" dirty="0" smtClean="0">
+                <a:solidFill>
+                  <a:prstClr val="black"/>
+                </a:solidFill>
+                <a:latin typeface="Microsoft YaHei" charset="0"/>
+                <a:ea typeface="Microsoft YaHei" charset="0"/>
+                <a:cs typeface="Microsoft YaHei" charset="0"/>
+              </a:rPr>
+              <a:t>v1.6</a:t>
+            </a:r>
+            <a:endParaRPr lang="en-US" altLang="zh-CN" sz="2400" dirty="0">
+              <a:solidFill>
+                <a:prstClr val="black"/>
+              </a:solidFill>
+              <a:latin typeface="Microsoft YaHei" charset="0"/>
+              <a:ea typeface="Microsoft YaHei" charset="0"/>
+              <a:cs typeface="Microsoft YaHei" charset="0"/>
+            </a:endParaRPr>
+          </a:p>
+        </p:txBody>
+      </p:sp>
+      <p:sp>
+        <p:nvSpPr>
+          <p:cNvPr id="32" name="矩形 31"/>
+          <p:cNvSpPr/>
+          <p:nvPr/>
+        </p:nvSpPr>
+        <p:spPr>
+          <a:xfrm>
+            <a:off x="5368090" y="2344953"/>
+            <a:ext cx="4225089" cy="3141448"/>
+          </a:xfrm>
+          <a:prstGeom prst="rect">
+            <a:avLst/>
+          </a:prstGeom>
+          <a:noFill/>
+          <a:ln w="12700" cap="flat" cmpd="sng" algn="ctr">
+            <a:solidFill>
+              <a:srgbClr val="5B9BD5">
+                <a:shade val="50000"/>
+              </a:srgbClr>
+            </a:solidFill>
+            <a:prstDash val="dash"/>
+            <a:miter lim="800000"/>
+          </a:ln>
+          <a:effectLst/>
+        </p:spPr>
+        <p:txBody>
+          <a:bodyPr anchor="b"/>
+          <a:lstStyle/>
+          <a:p>
+            <a:pPr algn="ctr" defTabSz="1219170" eaLnBrk="0" fontAlgn="base" hangingPunct="0">
+              <a:spcBef>
+                <a:spcPct val="0"/>
+              </a:spcBef>
+              <a:spcAft>
+                <a:spcPct val="0"/>
+              </a:spcAft>
+              <a:defRPr/>
+            </a:pPr>
+            <a:endParaRPr kumimoji="1" lang="zh-CN" altLang="en-US" kern="0" dirty="0">
+              <a:latin typeface="Microsoft YaHei" charset="0"/>
+              <a:ea typeface="Microsoft YaHei" charset="0"/>
+              <a:cs typeface="Microsoft YaHei" charset="0"/>
+            </a:endParaRPr>
+          </a:p>
+        </p:txBody>
+      </p:sp>
+      <p:sp>
+        <p:nvSpPr>
+          <p:cNvPr id="33" name="可选流程 32"/>
+          <p:cNvSpPr/>
+          <p:nvPr/>
+        </p:nvSpPr>
+        <p:spPr>
+          <a:xfrm>
+            <a:off x="5588849" y="2597271"/>
+            <a:ext cx="1517803" cy="520470"/>
+          </a:xfrm>
+          <a:prstGeom prst="flowChartAlternateProcess">
+            <a:avLst/>
+          </a:prstGeom>
+          <a:ln/>
+        </p:spPr>
+        <p:style>
+          <a:lnRef idx="2">
+            <a:schemeClr val="dk1"/>
+          </a:lnRef>
+          <a:fillRef idx="1">
+            <a:schemeClr val="lt1"/>
+          </a:fillRef>
+          <a:effectRef idx="0">
+            <a:schemeClr val="dk1"/>
+          </a:effectRef>
+          <a:fontRef idx="minor">
+            <a:schemeClr val="dk1"/>
+          </a:fontRef>
+        </p:style>
+        <p:txBody>
+          <a:bodyPr anchor="ctr"/>
+          <a:lstStyle/>
+          <a:p>
+            <a:pPr algn="ctr" defTabSz="1219170" eaLnBrk="0" fontAlgn="base" hangingPunct="0">
+              <a:spcBef>
+                <a:spcPct val="0"/>
+              </a:spcBef>
+              <a:spcAft>
+                <a:spcPct val="0"/>
+              </a:spcAft>
+              <a:defRPr/>
+            </a:pPr>
+            <a:r>
+              <a:rPr kumimoji="1" lang="en-US" altLang="zh-CN" kern="0" dirty="0" smtClean="0">
+                <a:solidFill>
+                  <a:prstClr val="black"/>
+                </a:solidFill>
+                <a:latin typeface="Microsoft YaHei" charset="0"/>
+                <a:ea typeface="Microsoft YaHei" charset="0"/>
+                <a:cs typeface="Microsoft YaHei" charset="0"/>
+              </a:rPr>
+              <a:t>API</a:t>
+            </a:r>
+            <a:endParaRPr kumimoji="1" lang="zh-CN" altLang="en-US" kern="0" dirty="0">
+              <a:solidFill>
+                <a:prstClr val="black"/>
+              </a:solidFill>
+              <a:latin typeface="Microsoft YaHei" charset="0"/>
+              <a:ea typeface="Microsoft YaHei" charset="0"/>
+              <a:cs typeface="Microsoft YaHei" charset="0"/>
+            </a:endParaRPr>
+          </a:p>
+        </p:txBody>
+      </p:sp>
+      <p:sp>
+        <p:nvSpPr>
+          <p:cNvPr id="34" name="可选流程 33"/>
+          <p:cNvSpPr/>
+          <p:nvPr/>
+        </p:nvSpPr>
+        <p:spPr>
+          <a:xfrm>
+            <a:off x="2372696" y="4779672"/>
+            <a:ext cx="1515819" cy="520470"/>
+          </a:xfrm>
+          <a:prstGeom prst="flowChartAlternateProcess">
+            <a:avLst/>
+          </a:prstGeom>
+          <a:ln/>
+        </p:spPr>
+        <p:style>
+          <a:lnRef idx="2">
+            <a:schemeClr val="accent6"/>
+          </a:lnRef>
+          <a:fillRef idx="1">
+            <a:schemeClr val="lt1"/>
+          </a:fillRef>
+          <a:effectRef idx="0">
+            <a:schemeClr val="accent6"/>
+          </a:effectRef>
+          <a:fontRef idx="minor">
+            <a:schemeClr val="dk1"/>
+          </a:fontRef>
+        </p:style>
+        <p:txBody>
+          <a:bodyPr anchor="ctr"/>
+          <a:lstStyle/>
+          <a:p>
+            <a:pPr algn="ctr" defTabSz="1219170" eaLnBrk="0" fontAlgn="base" hangingPunct="0">
+              <a:spcBef>
+                <a:spcPct val="0"/>
+              </a:spcBef>
+              <a:spcAft>
+                <a:spcPct val="0"/>
+              </a:spcAft>
+              <a:defRPr/>
+            </a:pPr>
+            <a:r>
+              <a:rPr kumimoji="1" lang="en-US" altLang="zh-CN" kern="0" dirty="0" smtClean="0">
+                <a:solidFill>
+                  <a:prstClr val="black"/>
+                </a:solidFill>
+                <a:latin typeface="Microsoft YaHei" charset="0"/>
+                <a:ea typeface="Microsoft YaHei" charset="0"/>
+                <a:cs typeface="Microsoft YaHei" charset="0"/>
+              </a:rPr>
+              <a:t>conf</a:t>
+            </a:r>
+            <a:r>
+              <a:rPr kumimoji="1" lang="zh-CN" altLang="en-US" kern="0" dirty="0" smtClean="0">
+                <a:solidFill>
+                  <a:prstClr val="black"/>
+                </a:solidFill>
+                <a:latin typeface="Microsoft YaHei" charset="0"/>
+                <a:ea typeface="Microsoft YaHei" charset="0"/>
+                <a:cs typeface="Microsoft YaHei" charset="0"/>
+              </a:rPr>
+              <a:t> </a:t>
+            </a:r>
+            <a:r>
+              <a:rPr kumimoji="1" lang="en-US" altLang="zh-CN" kern="0" dirty="0" smtClean="0">
+                <a:solidFill>
+                  <a:prstClr val="black"/>
+                </a:solidFill>
+                <a:latin typeface="Microsoft YaHei" charset="0"/>
+                <a:ea typeface="Microsoft YaHei" charset="0"/>
+                <a:cs typeface="Microsoft YaHei" charset="0"/>
+              </a:rPr>
+              <a:t>server</a:t>
+            </a:r>
+            <a:endParaRPr kumimoji="1" lang="zh-CN" altLang="en-US" kern="0" dirty="0">
+              <a:solidFill>
+                <a:prstClr val="black"/>
+              </a:solidFill>
+              <a:latin typeface="Microsoft YaHei" charset="0"/>
+              <a:ea typeface="Microsoft YaHei" charset="0"/>
+              <a:cs typeface="Microsoft YaHei" charset="0"/>
+            </a:endParaRPr>
+          </a:p>
+        </p:txBody>
+      </p:sp>
+      <p:sp>
+        <p:nvSpPr>
+          <p:cNvPr id="35" name="可选流程 34"/>
+          <p:cNvSpPr/>
+          <p:nvPr/>
+        </p:nvSpPr>
+        <p:spPr>
+          <a:xfrm>
+            <a:off x="2372695" y="2635640"/>
+            <a:ext cx="1515819" cy="520470"/>
+          </a:xfrm>
+          <a:prstGeom prst="flowChartAlternateProcess">
+            <a:avLst/>
+          </a:prstGeom>
+          <a:ln/>
+        </p:spPr>
+        <p:style>
+          <a:lnRef idx="2">
+            <a:schemeClr val="accent6"/>
+          </a:lnRef>
+          <a:fillRef idx="1">
+            <a:schemeClr val="lt1"/>
+          </a:fillRef>
+          <a:effectRef idx="0">
+            <a:schemeClr val="accent6"/>
+          </a:effectRef>
+          <a:fontRef idx="minor">
+            <a:schemeClr val="dk1"/>
+          </a:fontRef>
+        </p:style>
+        <p:txBody>
+          <a:bodyPr anchor="ctr"/>
+          <a:lstStyle/>
+          <a:p>
+            <a:pPr algn="ctr" defTabSz="1219170" eaLnBrk="0" fontAlgn="base" hangingPunct="0">
+              <a:spcBef>
+                <a:spcPct val="0"/>
+              </a:spcBef>
+              <a:spcAft>
+                <a:spcPct val="0"/>
+              </a:spcAft>
+              <a:defRPr/>
+            </a:pPr>
+            <a:r>
+              <a:rPr kumimoji="1" lang="en-US" altLang="zh-CN" kern="0" dirty="0" smtClean="0">
+                <a:solidFill>
+                  <a:prstClr val="black"/>
+                </a:solidFill>
+                <a:latin typeface="Microsoft YaHei" charset="0"/>
+                <a:ea typeface="Microsoft YaHei" charset="0"/>
+                <a:cs typeface="Microsoft YaHei" charset="0"/>
+              </a:rPr>
+              <a:t>app</a:t>
+            </a:r>
+            <a:endParaRPr kumimoji="1" lang="zh-CN" altLang="en-US" kern="0" dirty="0">
+              <a:solidFill>
+                <a:prstClr val="black"/>
+              </a:solidFill>
+              <a:latin typeface="Microsoft YaHei" charset="0"/>
+              <a:ea typeface="Microsoft YaHei" charset="0"/>
+              <a:cs typeface="Microsoft YaHei" charset="0"/>
+            </a:endParaRPr>
+          </a:p>
+        </p:txBody>
+      </p:sp>
+      <p:cxnSp>
+        <p:nvCxnSpPr>
+          <p:cNvPr id="36" name="直线箭头连接符 35"/>
+          <p:cNvCxnSpPr/>
+          <p:nvPr/>
+        </p:nvCxnSpPr>
+        <p:spPr>
+          <a:xfrm>
+            <a:off x="4013483" y="2895875"/>
+            <a:ext cx="1072367" cy="7056"/>
+          </a:xfrm>
+          <a:prstGeom prst="straightConnector1">
+            <a:avLst/>
+          </a:prstGeom>
+          <a:ln w="38100">
+            <a:headEnd type="triangle" w="med" len="lg"/>
+            <a:tailEnd type="none" w="med" len="lg"/>
+          </a:ln>
+        </p:spPr>
+        <p:style>
+          <a:lnRef idx="3">
+            <a:schemeClr val="accent1"/>
+          </a:lnRef>
+          <a:fillRef idx="0">
+            <a:schemeClr val="accent1"/>
+          </a:fillRef>
+          <a:effectRef idx="2">
+            <a:schemeClr val="accent1"/>
+          </a:effectRef>
+          <a:fontRef idx="minor">
+            <a:schemeClr val="tx1"/>
+          </a:fontRef>
+        </p:style>
+      </p:cxnSp>
+      <p:cxnSp>
+        <p:nvCxnSpPr>
+          <p:cNvPr id="39" name="直线箭头连接符 38"/>
+          <p:cNvCxnSpPr/>
+          <p:nvPr/>
+        </p:nvCxnSpPr>
+        <p:spPr>
+          <a:xfrm flipH="1" flipV="1">
+            <a:off x="4053682" y="5039907"/>
+            <a:ext cx="1052234" cy="387"/>
+          </a:xfrm>
+          <a:prstGeom prst="straightConnector1">
+            <a:avLst/>
+          </a:prstGeom>
+          <a:ln w="38100">
+            <a:headEnd type="triangle" w="med" len="lg"/>
+            <a:tailEnd type="none" w="med" len="lg"/>
+          </a:ln>
+        </p:spPr>
+        <p:style>
+          <a:lnRef idx="3">
+            <a:schemeClr val="accent1"/>
+          </a:lnRef>
+          <a:fillRef idx="0">
+            <a:schemeClr val="accent1"/>
+          </a:fillRef>
+          <a:effectRef idx="2">
+            <a:schemeClr val="accent1"/>
+          </a:effectRef>
+          <a:fontRef idx="minor">
+            <a:schemeClr val="tx1"/>
+          </a:fontRef>
+        </p:style>
+      </p:cxnSp>
+      <p:sp>
+        <p:nvSpPr>
+          <p:cNvPr id="45" name="可选流程 44"/>
+          <p:cNvSpPr/>
+          <p:nvPr/>
+        </p:nvSpPr>
+        <p:spPr>
+          <a:xfrm>
+            <a:off x="5585606" y="3655048"/>
+            <a:ext cx="1521046" cy="520470"/>
+          </a:xfrm>
+          <a:prstGeom prst="flowChartAlternateProcess">
+            <a:avLst/>
+          </a:prstGeom>
+          <a:solidFill>
+            <a:srgbClr val="FAA756"/>
+          </a:solidFill>
+          <a:ln>
+            <a:noFill/>
+          </a:ln>
+          <a:effectLst>
+            <a:outerShdw blurRad="57150" dist="19050" dir="5400000" algn="ctr" rotWithShape="0">
+              <a:srgbClr val="000000">
+                <a:alpha val="63000"/>
+              </a:srgbClr>
+            </a:outerShdw>
+          </a:effectLst>
+        </p:spPr>
+        <p:txBody>
+          <a:bodyPr anchor="ctr"/>
+          <a:lstStyle/>
+          <a:p>
+            <a:pPr algn="ctr" defTabSz="1219170" eaLnBrk="0" fontAlgn="base" hangingPunct="0">
+              <a:spcBef>
+                <a:spcPct val="0"/>
+              </a:spcBef>
+              <a:spcAft>
+                <a:spcPct val="0"/>
+              </a:spcAft>
+              <a:defRPr/>
+            </a:pPr>
+            <a:r>
+              <a:rPr kumimoji="1" lang="en-US" altLang="zh-CN" kern="0" dirty="0" smtClean="0">
+                <a:latin typeface="Microsoft YaHei" charset="0"/>
+                <a:ea typeface="Microsoft YaHei" charset="0"/>
+                <a:cs typeface="Microsoft YaHei" charset="0"/>
+              </a:rPr>
+              <a:t>LocalCache</a:t>
+            </a:r>
+            <a:endParaRPr kumimoji="1" lang="zh-CN" altLang="en-US" kern="0" dirty="0">
+              <a:latin typeface="Microsoft YaHei" charset="0"/>
+              <a:ea typeface="Microsoft YaHei" charset="0"/>
+              <a:cs typeface="Microsoft YaHei" charset="0"/>
+            </a:endParaRPr>
+          </a:p>
+        </p:txBody>
+      </p:sp>
+      <p:sp>
+        <p:nvSpPr>
+          <p:cNvPr id="46" name="可选流程 45"/>
+          <p:cNvSpPr/>
+          <p:nvPr/>
+        </p:nvSpPr>
+        <p:spPr>
+          <a:xfrm>
+            <a:off x="5585606" y="4737790"/>
+            <a:ext cx="1521046" cy="520470"/>
+          </a:xfrm>
+          <a:prstGeom prst="flowChartAlternateProcess">
+            <a:avLst/>
+          </a:prstGeom>
+          <a:solidFill>
+            <a:srgbClr val="FAA756"/>
+          </a:solidFill>
+          <a:ln>
+            <a:noFill/>
+          </a:ln>
+          <a:effectLst>
+            <a:outerShdw blurRad="57150" dist="19050" dir="5400000" algn="ctr" rotWithShape="0">
+              <a:srgbClr val="000000">
+                <a:alpha val="63000"/>
+              </a:srgbClr>
+            </a:outerShdw>
+          </a:effectLst>
+        </p:spPr>
+        <p:txBody>
+          <a:bodyPr anchor="ctr"/>
+          <a:lstStyle/>
+          <a:p>
+            <a:pPr algn="ctr" defTabSz="1219170" eaLnBrk="0" fontAlgn="base" hangingPunct="0">
+              <a:spcBef>
+                <a:spcPct val="0"/>
+              </a:spcBef>
+              <a:spcAft>
+                <a:spcPct val="0"/>
+              </a:spcAft>
+              <a:defRPr/>
+            </a:pPr>
+            <a:r>
+              <a:rPr kumimoji="1" lang="en-US" altLang="zh-CN" kern="0" dirty="0" smtClean="0">
+                <a:latin typeface="Microsoft YaHei" charset="0"/>
+                <a:ea typeface="Microsoft YaHei" charset="0"/>
+                <a:cs typeface="Microsoft YaHei" charset="0"/>
+              </a:rPr>
+              <a:t>file</a:t>
+            </a:r>
+            <a:endParaRPr kumimoji="1" lang="zh-CN" altLang="en-US" kern="0" dirty="0">
+              <a:latin typeface="Microsoft YaHei" charset="0"/>
+              <a:ea typeface="Microsoft YaHei" charset="0"/>
+              <a:cs typeface="Microsoft YaHei" charset="0"/>
+            </a:endParaRPr>
+          </a:p>
+        </p:txBody>
+      </p:sp>
+      <p:sp>
+        <p:nvSpPr>
+          <p:cNvPr id="47" name="文本框 46"/>
+          <p:cNvSpPr txBox="1"/>
+          <p:nvPr/>
+        </p:nvSpPr>
+        <p:spPr>
+          <a:xfrm>
+            <a:off x="4066907" y="4553124"/>
+            <a:ext cx="1287275" cy="369332"/>
+          </a:xfrm>
+          <a:prstGeom prst="rect">
+            <a:avLst/>
+          </a:prstGeom>
+          <a:noFill/>
+        </p:spPr>
+        <p:txBody>
+          <a:bodyPr wrap="none" rtlCol="0">
+            <a:spAutoFit/>
+          </a:bodyPr>
+          <a:lstStyle/>
+          <a:p>
+            <a:r>
+              <a:rPr kumimoji="1" lang="en-US" altLang="zh-CN" dirty="0" smtClean="0">
+                <a:latin typeface="Microsoft YaHei" charset="0"/>
+                <a:ea typeface="Microsoft YaHei" charset="0"/>
+                <a:cs typeface="Microsoft YaHei" charset="0"/>
+              </a:rPr>
+              <a:t>write</a:t>
+            </a:r>
+            <a:r>
+              <a:rPr kumimoji="1" lang="zh-CN" altLang="en-US" dirty="0" smtClean="0">
+                <a:latin typeface="Microsoft YaHei" charset="0"/>
+                <a:ea typeface="Microsoft YaHei" charset="0"/>
+                <a:cs typeface="Microsoft YaHei" charset="0"/>
+              </a:rPr>
+              <a:t> </a:t>
+            </a:r>
+            <a:r>
+              <a:rPr kumimoji="1" lang="en-US" altLang="zh-CN" dirty="0" smtClean="0">
+                <a:latin typeface="Microsoft YaHei" charset="0"/>
+                <a:ea typeface="Microsoft YaHei" charset="0"/>
+                <a:cs typeface="Microsoft YaHei" charset="0"/>
+              </a:rPr>
+              <a:t>conf</a:t>
+            </a:r>
+            <a:endParaRPr kumimoji="1" lang="zh-CN" altLang="en-US" dirty="0">
+              <a:latin typeface="Microsoft YaHei" charset="0"/>
+              <a:ea typeface="Microsoft YaHei" charset="0"/>
+              <a:cs typeface="Microsoft YaHei" charset="0"/>
+            </a:endParaRPr>
+          </a:p>
+        </p:txBody>
+      </p:sp>
+      <p:sp>
+        <p:nvSpPr>
+          <p:cNvPr id="48" name="文本框 47"/>
+          <p:cNvSpPr txBox="1"/>
+          <p:nvPr/>
+        </p:nvSpPr>
+        <p:spPr>
+          <a:xfrm>
+            <a:off x="4055922" y="2344952"/>
+            <a:ext cx="1220206" cy="369332"/>
+          </a:xfrm>
+          <a:prstGeom prst="rect">
+            <a:avLst/>
+          </a:prstGeom>
+          <a:noFill/>
+        </p:spPr>
+        <p:txBody>
+          <a:bodyPr wrap="none" rtlCol="0">
+            <a:spAutoFit/>
+          </a:bodyPr>
+          <a:lstStyle/>
+          <a:p>
+            <a:r>
+              <a:rPr kumimoji="1" lang="en-US" altLang="zh-CN" dirty="0">
+                <a:latin typeface="Microsoft YaHei" charset="0"/>
+                <a:ea typeface="Microsoft YaHei" charset="0"/>
+                <a:cs typeface="Microsoft YaHei" charset="0"/>
+              </a:rPr>
+              <a:t>l</a:t>
+            </a:r>
+            <a:r>
+              <a:rPr kumimoji="1" lang="en-US" altLang="zh-CN" dirty="0" smtClean="0">
+                <a:latin typeface="Microsoft YaHei" charset="0"/>
+                <a:ea typeface="Microsoft YaHei" charset="0"/>
+                <a:cs typeface="Microsoft YaHei" charset="0"/>
+              </a:rPr>
+              <a:t>oad</a:t>
+            </a:r>
+            <a:r>
+              <a:rPr kumimoji="1" lang="zh-CN" altLang="en-US" dirty="0" smtClean="0">
+                <a:latin typeface="Microsoft YaHei" charset="0"/>
+                <a:ea typeface="Microsoft YaHei" charset="0"/>
+                <a:cs typeface="Microsoft YaHei" charset="0"/>
+              </a:rPr>
+              <a:t> </a:t>
+            </a:r>
+            <a:r>
+              <a:rPr kumimoji="1" lang="en-US" altLang="zh-CN" dirty="0" smtClean="0">
+                <a:latin typeface="Microsoft YaHei" charset="0"/>
+                <a:ea typeface="Microsoft YaHei" charset="0"/>
+                <a:cs typeface="Microsoft YaHei" charset="0"/>
+              </a:rPr>
+              <a:t>conf</a:t>
+            </a:r>
+            <a:endParaRPr kumimoji="1" lang="zh-CN" altLang="en-US" dirty="0">
+              <a:latin typeface="Microsoft YaHei" charset="0"/>
+              <a:ea typeface="Microsoft YaHei" charset="0"/>
+              <a:cs typeface="Microsoft YaHei" charset="0"/>
+            </a:endParaRPr>
+          </a:p>
+        </p:txBody>
+      </p:sp>
+      <p:sp>
+        <p:nvSpPr>
+          <p:cNvPr id="49" name="可选流程 48"/>
+          <p:cNvSpPr/>
+          <p:nvPr/>
+        </p:nvSpPr>
+        <p:spPr>
+          <a:xfrm>
+            <a:off x="7851924" y="3655048"/>
+            <a:ext cx="1515819" cy="520470"/>
+          </a:xfrm>
+          <a:prstGeom prst="flowChartAlternateProcess">
+            <a:avLst/>
+          </a:prstGeom>
+          <a:solidFill>
+            <a:srgbClr val="D8D8D8"/>
+          </a:solidFill>
+          <a:ln>
+            <a:noFill/>
+          </a:ln>
+          <a:effectLst>
+            <a:outerShdw blurRad="57150" dist="19050" dir="5400000" algn="ctr" rotWithShape="0">
+              <a:srgbClr val="000000">
+                <a:alpha val="63000"/>
+              </a:srgbClr>
+            </a:outerShdw>
+          </a:effectLst>
+        </p:spPr>
+        <p:txBody>
+          <a:bodyPr anchor="ctr"/>
+          <a:lstStyle/>
+          <a:p>
+            <a:pPr algn="ctr" defTabSz="1219170" eaLnBrk="0" fontAlgn="base" hangingPunct="0">
+              <a:spcBef>
+                <a:spcPct val="0"/>
+              </a:spcBef>
+              <a:spcAft>
+                <a:spcPct val="0"/>
+              </a:spcAft>
+              <a:defRPr/>
+            </a:pPr>
+            <a:r>
+              <a:rPr kumimoji="1" lang="en-US" altLang="zh-CN" kern="0" dirty="0" smtClean="0">
+                <a:solidFill>
+                  <a:prstClr val="black"/>
+                </a:solidFill>
+                <a:latin typeface="Microsoft YaHei" charset="0"/>
+                <a:ea typeface="Microsoft YaHei" charset="0"/>
+                <a:cs typeface="Microsoft YaHei" charset="0"/>
+              </a:rPr>
+              <a:t>Mirror-File</a:t>
+            </a:r>
+            <a:endParaRPr kumimoji="1" lang="zh-CN" altLang="en-US" kern="0" dirty="0">
+              <a:solidFill>
+                <a:prstClr val="black"/>
+              </a:solidFill>
+              <a:latin typeface="Microsoft YaHei" charset="0"/>
+              <a:ea typeface="Microsoft YaHei" charset="0"/>
+              <a:cs typeface="Microsoft YaHei" charset="0"/>
+            </a:endParaRPr>
+          </a:p>
+        </p:txBody>
+      </p:sp>
+      <p:cxnSp>
+        <p:nvCxnSpPr>
+          <p:cNvPr id="50" name="直线箭头连接符 49"/>
+          <p:cNvCxnSpPr/>
+          <p:nvPr/>
+        </p:nvCxnSpPr>
+        <p:spPr>
+          <a:xfrm>
+            <a:off x="6320588" y="3181928"/>
+            <a:ext cx="0" cy="441036"/>
+          </a:xfrm>
+          <a:prstGeom prst="straightConnector1">
+            <a:avLst/>
+          </a:prstGeom>
+          <a:ln w="38100">
+            <a:headEnd type="triangle" w="med" len="lg"/>
+            <a:tailEnd type="none" w="med" len="lg"/>
+          </a:ln>
+        </p:spPr>
+        <p:style>
+          <a:lnRef idx="3">
+            <a:schemeClr val="accent1"/>
+          </a:lnRef>
+          <a:fillRef idx="0">
+            <a:schemeClr val="accent1"/>
+          </a:fillRef>
+          <a:effectRef idx="2">
+            <a:schemeClr val="accent1"/>
+          </a:effectRef>
+          <a:fontRef idx="minor">
+            <a:schemeClr val="tx1"/>
+          </a:fontRef>
+        </p:style>
+      </p:cxnSp>
+      <p:cxnSp>
+        <p:nvCxnSpPr>
+          <p:cNvPr id="60" name="直线箭头连接符 59"/>
+          <p:cNvCxnSpPr/>
+          <p:nvPr/>
+        </p:nvCxnSpPr>
+        <p:spPr>
+          <a:xfrm>
+            <a:off x="7202906" y="3915283"/>
+            <a:ext cx="517358" cy="0"/>
+          </a:xfrm>
+          <a:prstGeom prst="straightConnector1">
+            <a:avLst/>
+          </a:prstGeom>
+          <a:ln w="38100">
+            <a:headEnd type="triangle" w="med" len="lg"/>
+            <a:tailEnd type="triangle" w="med" len="lg"/>
+          </a:ln>
+        </p:spPr>
+        <p:style>
+          <a:lnRef idx="3">
+            <a:schemeClr val="accent1"/>
+          </a:lnRef>
+          <a:fillRef idx="0">
+            <a:schemeClr val="accent1"/>
+          </a:fillRef>
+          <a:effectRef idx="2">
+            <a:schemeClr val="accent1"/>
+          </a:effectRef>
+          <a:fontRef idx="minor">
+            <a:schemeClr val="tx1"/>
+          </a:fontRef>
+        </p:style>
+      </p:cxnSp>
+      <p:sp>
+        <p:nvSpPr>
+          <p:cNvPr id="75" name="文本框 74"/>
+          <p:cNvSpPr txBox="1"/>
+          <p:nvPr/>
+        </p:nvSpPr>
+        <p:spPr>
+          <a:xfrm>
+            <a:off x="7143298" y="3399894"/>
+            <a:ext cx="671979" cy="369332"/>
+          </a:xfrm>
+          <a:prstGeom prst="rect">
+            <a:avLst/>
+          </a:prstGeom>
+          <a:noFill/>
+        </p:spPr>
+        <p:txBody>
+          <a:bodyPr wrap="none" rtlCol="0">
+            <a:spAutoFit/>
+          </a:bodyPr>
+          <a:lstStyle/>
+          <a:p>
+            <a:r>
+              <a:rPr kumimoji="1" lang="en-US" altLang="zh-CN" dirty="0" smtClean="0">
+                <a:latin typeface="Microsoft YaHei" charset="0"/>
+                <a:ea typeface="Microsoft YaHei" charset="0"/>
+                <a:cs typeface="Microsoft YaHei" charset="0"/>
+              </a:rPr>
+              <a:t>sync</a:t>
+            </a:r>
+            <a:endParaRPr kumimoji="1" lang="zh-CN" altLang="en-US" dirty="0">
+              <a:latin typeface="Microsoft YaHei" charset="0"/>
+              <a:ea typeface="Microsoft YaHei" charset="0"/>
+              <a:cs typeface="Microsoft YaHei" charset="0"/>
+            </a:endParaRPr>
+          </a:p>
+        </p:txBody>
+      </p:sp>
+      <p:cxnSp>
+        <p:nvCxnSpPr>
+          <p:cNvPr id="18" name="直线箭头连接符 17"/>
+          <p:cNvCxnSpPr/>
+          <p:nvPr/>
+        </p:nvCxnSpPr>
+        <p:spPr>
+          <a:xfrm>
+            <a:off x="6320588" y="4200482"/>
+            <a:ext cx="0" cy="537308"/>
+          </a:xfrm>
+          <a:prstGeom prst="straightConnector1">
+            <a:avLst/>
+          </a:prstGeom>
+          <a:ln w="38100">
+            <a:headEnd type="triangle" w="med" len="lg"/>
+            <a:tailEnd type="triangle" w="med" len="lg"/>
+          </a:ln>
+        </p:spPr>
+        <p:style>
+          <a:lnRef idx="3">
+            <a:schemeClr val="accent1"/>
+          </a:lnRef>
+          <a:fillRef idx="0">
+            <a:schemeClr val="accent1"/>
+          </a:fillRef>
+          <a:effectRef idx="2">
+            <a:schemeClr val="accent1"/>
+          </a:effectRef>
+          <a:fontRef idx="minor">
+            <a:schemeClr val="tx1"/>
+          </a:fontRef>
+        </p:style>
+      </p:cxnSp>
+      <p:sp>
+        <p:nvSpPr>
+          <p:cNvPr id="19" name="文本框 18"/>
+          <p:cNvSpPr txBox="1"/>
+          <p:nvPr/>
+        </p:nvSpPr>
+        <p:spPr>
+          <a:xfrm>
+            <a:off x="6359647" y="4289189"/>
+            <a:ext cx="1550424" cy="369332"/>
+          </a:xfrm>
+          <a:prstGeom prst="rect">
+            <a:avLst/>
+          </a:prstGeom>
+          <a:noFill/>
+        </p:spPr>
+        <p:txBody>
+          <a:bodyPr wrap="none" rtlCol="0">
+            <a:spAutoFit/>
+          </a:bodyPr>
+          <a:lstStyle/>
+          <a:p>
+            <a:r>
+              <a:rPr kumimoji="1" lang="en-US" altLang="zh-CN" dirty="0">
+                <a:latin typeface="Microsoft YaHei" charset="0"/>
+                <a:ea typeface="Microsoft YaHei" charset="0"/>
+                <a:cs typeface="Microsoft YaHei" charset="0"/>
+              </a:rPr>
+              <a:t>long-polling</a:t>
+            </a:r>
+            <a:endParaRPr kumimoji="1" lang="zh-CN" altLang="en-US" dirty="0">
+              <a:latin typeface="Microsoft YaHei" charset="0"/>
+              <a:ea typeface="Microsoft YaHei" charset="0"/>
+              <a:cs typeface="Microsoft YaHei" charset="0"/>
+            </a:endParaRPr>
+          </a:p>
+        </p:txBody>
+      </p:sp>
+    </p:spTree>
+    <p:extLst>
+      <p:ext uri="{BB962C8B-B14F-4D97-AF65-F5344CB8AC3E}">
+        <p14:creationId xmlns:p14="http://schemas.microsoft.com/office/powerpoint/2010/main" val="580158708"/>
       </p:ext>
     </p:extLst>
   </p:cSld>
